--- a/College Project/Daily Meal Solutions/Major Project PPT.pptx
+++ b/College Project/Daily Meal Solutions/Major Project PPT.pptx
@@ -5,24 +5,30 @@
     <p:sldMasterId id="2147483648" r:id="rId1"/>
   </p:sldMasterIdLst>
   <p:sldIdLst>
-    <p:sldId id="256" r:id="rId3"/>
-    <p:sldId id="257" r:id="rId4"/>
-    <p:sldId id="258" r:id="rId5"/>
-    <p:sldId id="259" r:id="rId6"/>
-    <p:sldId id="260" r:id="rId7"/>
-    <p:sldId id="261" r:id="rId8"/>
-    <p:sldId id="262" r:id="rId9"/>
-    <p:sldId id="263" r:id="rId10"/>
-    <p:sldId id="265" r:id="rId11"/>
-    <p:sldId id="264" r:id="rId12"/>
-    <p:sldId id="269" r:id="rId13"/>
-    <p:sldId id="266" r:id="rId14"/>
-    <p:sldId id="267" r:id="rId15"/>
-    <p:sldId id="268" r:id="rId16"/>
-    <p:sldId id="270" r:id="rId17"/>
-    <p:sldId id="271" r:id="rId18"/>
-    <p:sldId id="272" r:id="rId19"/>
-    <p:sldId id="273" r:id="rId20"/>
+    <p:sldId id="256" r:id="rId2"/>
+    <p:sldId id="257" r:id="rId3"/>
+    <p:sldId id="258" r:id="rId4"/>
+    <p:sldId id="259" r:id="rId5"/>
+    <p:sldId id="260" r:id="rId6"/>
+    <p:sldId id="261" r:id="rId7"/>
+    <p:sldId id="262" r:id="rId8"/>
+    <p:sldId id="275" r:id="rId9"/>
+    <p:sldId id="276" r:id="rId10"/>
+    <p:sldId id="279" r:id="rId11"/>
+    <p:sldId id="280" r:id="rId12"/>
+    <p:sldId id="281" r:id="rId13"/>
+    <p:sldId id="263" r:id="rId14"/>
+    <p:sldId id="265" r:id="rId15"/>
+    <p:sldId id="264" r:id="rId16"/>
+    <p:sldId id="269" r:id="rId17"/>
+    <p:sldId id="266" r:id="rId18"/>
+    <p:sldId id="267" r:id="rId19"/>
+    <p:sldId id="268" r:id="rId20"/>
+    <p:sldId id="270" r:id="rId21"/>
+    <p:sldId id="271" r:id="rId22"/>
+    <p:sldId id="274" r:id="rId23"/>
+    <p:sldId id="272" r:id="rId24"/>
+    <p:sldId id="273" r:id="rId25"/>
   </p:sldIdLst>
   <p:sldSz cx="12192000" cy="6858000"/>
   <p:notesSz cx="6858000" cy="9144000"/>
@@ -121,11 +127,16 @@
       </a:defRPr>
     </a:lvl9pPr>
   </p:defaultTextStyle>
+  <p:extLst>
+    <p:ext uri="{EFAFB233-063F-42B5-8137-9DF3F51BA10A}">
+      <p15:sldGuideLst xmlns:p15="http://schemas.microsoft.com/office/powerpoint/2012/main"/>
+    </p:ext>
+  </p:extLst>
 </p:presentation>
 </file>
 
 <file path=ppt/slideLayouts/slideLayout1.xml><?xml version="1.0" encoding="utf-8"?>
-<p:sldLayout xmlns:a="http://schemas.openxmlformats.org/drawingml/2006/main" xmlns:r="http://schemas.openxmlformats.org/officeDocument/2006/relationships" xmlns:p="http://schemas.openxmlformats.org/presentationml/2006/main" type="title" preserve="1" showMasterSp="0">
+<p:sldLayout xmlns:a="http://schemas.openxmlformats.org/drawingml/2006/main" xmlns:r="http://schemas.openxmlformats.org/officeDocument/2006/relationships" xmlns:p="http://schemas.openxmlformats.org/presentationml/2006/main" showMasterSp="0" type="title" preserve="1">
   <p:cSld name="Title Slide">
     <p:bg>
       <p:bgPr>
@@ -207,10 +218,9 @@
           <a:p>
             <a:pPr lvl="0"/>
             <a:r>
-              <a:rPr lang="en-US" altLang="zh-CN" noProof="0" smtClean="0"/>
+              <a:rPr lang="en-US" altLang="zh-CN" noProof="0"/>
               <a:t>Click to edit Master title style</a:t>
             </a:r>
-            <a:endParaRPr lang="en-US" altLang="zh-CN" noProof="0" smtClean="0"/>
           </a:p>
         </p:txBody>
       </p:sp>
@@ -246,10 +256,9 @@
           <a:p>
             <a:pPr lvl="0"/>
             <a:r>
-              <a:rPr lang="en-US" altLang="zh-CN" noProof="0" smtClean="0"/>
+              <a:rPr lang="en-US" altLang="zh-CN" noProof="0"/>
               <a:t>Click to edit Master subtitle style</a:t>
             </a:r>
-            <a:endParaRPr lang="en-US" altLang="zh-CN" noProof="0" smtClean="0"/>
           </a:p>
         </p:txBody>
       </p:sp>
@@ -311,6 +320,7 @@
           <a:p>
             <a:fld id="{63A1C593-65D0-4073-BCC9-577B9352EA97}" type="datetimeFigureOut">
               <a:rPr lang="en-US" smtClean="0"/>
+              <a:t>12/13/2021</a:t>
             </a:fld>
             <a:endParaRPr lang="en-US"/>
           </a:p>
@@ -434,6 +444,7 @@
           <a:p>
             <a:fld id="{9B618960-8005-486C-9A75-10CB2AAC16F9}" type="slidenum">
               <a:rPr lang="en-US" smtClean="0"/>
+              <a:t>‹#›</a:t>
             </a:fld>
             <a:endParaRPr lang="en-US"/>
           </a:p>
@@ -481,10 +492,9 @@
           <a:lstStyle/>
           <a:p>
             <a:r>
-              <a:rPr lang="en-US" smtClean="0"/>
+              <a:rPr lang="en-US"/>
               <a:t>Click to edit Master title style</a:t>
             </a:r>
-            <a:endParaRPr lang="en-US"/>
           </a:p>
         </p:txBody>
       </p:sp>
@@ -505,42 +515,37 @@
           <a:p>
             <a:pPr lvl="0"/>
             <a:r>
-              <a:rPr lang="en-US" smtClean="0"/>
+              <a:rPr lang="en-US"/>
               <a:t>Click to edit Master text styles</a:t>
             </a:r>
-            <a:endParaRPr lang="en-US" smtClean="0"/>
           </a:p>
           <a:p>
             <a:pPr lvl="1"/>
             <a:r>
-              <a:rPr lang="en-US" smtClean="0"/>
+              <a:rPr lang="en-US"/>
               <a:t>Second level</a:t>
             </a:r>
-            <a:endParaRPr lang="en-US" smtClean="0"/>
           </a:p>
           <a:p>
             <a:pPr lvl="2"/>
             <a:r>
-              <a:rPr lang="en-US" smtClean="0"/>
+              <a:rPr lang="en-US"/>
               <a:t>Third level</a:t>
             </a:r>
-            <a:endParaRPr lang="en-US" smtClean="0"/>
           </a:p>
           <a:p>
             <a:pPr lvl="3"/>
             <a:r>
-              <a:rPr lang="en-US" smtClean="0"/>
+              <a:rPr lang="en-US"/>
               <a:t>Fourth level</a:t>
             </a:r>
-            <a:endParaRPr lang="en-US" smtClean="0"/>
           </a:p>
           <a:p>
             <a:pPr lvl="4"/>
             <a:r>
-              <a:rPr lang="en-US" smtClean="0"/>
+              <a:rPr lang="en-US"/>
               <a:t>Fifth level</a:t>
             </a:r>
-            <a:endParaRPr lang="en-US"/>
           </a:p>
         </p:txBody>
       </p:sp>
@@ -557,9 +562,11 @@
         <p:spPr/>
         <p:txBody>
           <a:bodyPr/>
+          <a:lstStyle/>
           <a:p>
             <a:fld id="{63A1C593-65D0-4073-BCC9-577B9352EA97}" type="datetimeFigureOut">
               <a:rPr lang="en-US" smtClean="0"/>
+              <a:t>12/13/2021</a:t>
             </a:fld>
             <a:endParaRPr lang="en-US"/>
           </a:p>
@@ -578,6 +585,7 @@
         <p:spPr/>
         <p:txBody>
           <a:bodyPr/>
+          <a:lstStyle/>
           <a:p>
             <a:endParaRPr lang="en-US"/>
           </a:p>
@@ -596,9 +604,11 @@
         <p:spPr/>
         <p:txBody>
           <a:bodyPr/>
+          <a:lstStyle/>
           <a:p>
             <a:fld id="{9B618960-8005-486C-9A75-10CB2AAC16F9}" type="slidenum">
               <a:rPr lang="en-US" smtClean="0"/>
+              <a:t>‹#›</a:t>
             </a:fld>
             <a:endParaRPr lang="en-US"/>
           </a:p>
@@ -651,10 +661,9 @@
           <a:lstStyle/>
           <a:p>
             <a:r>
-              <a:rPr lang="en-US" smtClean="0"/>
+              <a:rPr lang="en-US"/>
               <a:t>Click to edit Master title style</a:t>
             </a:r>
-            <a:endParaRPr lang="en-US"/>
           </a:p>
         </p:txBody>
       </p:sp>
@@ -680,42 +689,37 @@
           <a:p>
             <a:pPr lvl="0"/>
             <a:r>
-              <a:rPr lang="en-US" smtClean="0"/>
+              <a:rPr lang="en-US"/>
               <a:t>Click to edit Master text styles</a:t>
             </a:r>
-            <a:endParaRPr lang="en-US" smtClean="0"/>
           </a:p>
           <a:p>
             <a:pPr lvl="1"/>
             <a:r>
-              <a:rPr lang="en-US" smtClean="0"/>
+              <a:rPr lang="en-US"/>
               <a:t>Second level</a:t>
             </a:r>
-            <a:endParaRPr lang="en-US" smtClean="0"/>
           </a:p>
           <a:p>
             <a:pPr lvl="2"/>
             <a:r>
-              <a:rPr lang="en-US" smtClean="0"/>
+              <a:rPr lang="en-US"/>
               <a:t>Third level</a:t>
             </a:r>
-            <a:endParaRPr lang="en-US" smtClean="0"/>
           </a:p>
           <a:p>
             <a:pPr lvl="3"/>
             <a:r>
-              <a:rPr lang="en-US" smtClean="0"/>
+              <a:rPr lang="en-US"/>
               <a:t>Fourth level</a:t>
             </a:r>
-            <a:endParaRPr lang="en-US" smtClean="0"/>
           </a:p>
           <a:p>
             <a:pPr lvl="4"/>
             <a:r>
-              <a:rPr lang="en-US" smtClean="0"/>
+              <a:rPr lang="en-US"/>
               <a:t>Fifth level</a:t>
             </a:r>
-            <a:endParaRPr lang="en-US"/>
           </a:p>
         </p:txBody>
       </p:sp>
@@ -732,9 +736,11 @@
         <p:spPr/>
         <p:txBody>
           <a:bodyPr/>
+          <a:lstStyle/>
           <a:p>
             <a:fld id="{63A1C593-65D0-4073-BCC9-577B9352EA97}" type="datetimeFigureOut">
               <a:rPr lang="en-US" smtClean="0"/>
+              <a:t>12/13/2021</a:t>
             </a:fld>
             <a:endParaRPr lang="en-US"/>
           </a:p>
@@ -753,6 +759,7 @@
         <p:spPr/>
         <p:txBody>
           <a:bodyPr/>
+          <a:lstStyle/>
           <a:p>
             <a:endParaRPr lang="en-US"/>
           </a:p>
@@ -771,9 +778,11 @@
         <p:spPr/>
         <p:txBody>
           <a:bodyPr/>
+          <a:lstStyle/>
           <a:p>
             <a:fld id="{9B618960-8005-486C-9A75-10CB2AAC16F9}" type="slidenum">
               <a:rPr lang="en-US" smtClean="0"/>
+              <a:t>‹#›</a:t>
             </a:fld>
             <a:endParaRPr lang="en-US"/>
           </a:p>
@@ -821,10 +830,9 @@
           <a:lstStyle/>
           <a:p>
             <a:r>
-              <a:rPr lang="en-US" smtClean="0"/>
+              <a:rPr lang="en-US"/>
               <a:t>Click to edit Master title style</a:t>
             </a:r>
-            <a:endParaRPr lang="en-US"/>
           </a:p>
         </p:txBody>
       </p:sp>
@@ -845,42 +853,37 @@
           <a:p>
             <a:pPr lvl="0"/>
             <a:r>
-              <a:rPr lang="en-US" smtClean="0"/>
+              <a:rPr lang="en-US"/>
               <a:t>Click to edit Master text styles</a:t>
             </a:r>
-            <a:endParaRPr lang="en-US" smtClean="0"/>
           </a:p>
           <a:p>
             <a:pPr lvl="1"/>
             <a:r>
-              <a:rPr lang="en-US" smtClean="0"/>
+              <a:rPr lang="en-US"/>
               <a:t>Second level</a:t>
             </a:r>
-            <a:endParaRPr lang="en-US" smtClean="0"/>
           </a:p>
           <a:p>
             <a:pPr lvl="2"/>
             <a:r>
-              <a:rPr lang="en-US" smtClean="0"/>
+              <a:rPr lang="en-US"/>
               <a:t>Third level</a:t>
             </a:r>
-            <a:endParaRPr lang="en-US" smtClean="0"/>
           </a:p>
           <a:p>
             <a:pPr lvl="3"/>
             <a:r>
-              <a:rPr lang="en-US" smtClean="0"/>
+              <a:rPr lang="en-US"/>
               <a:t>Fourth level</a:t>
             </a:r>
-            <a:endParaRPr lang="en-US" smtClean="0"/>
           </a:p>
           <a:p>
             <a:pPr lvl="4"/>
             <a:r>
-              <a:rPr lang="en-US" smtClean="0"/>
+              <a:rPr lang="en-US"/>
               <a:t>Fifth level</a:t>
             </a:r>
-            <a:endParaRPr lang="en-US"/>
           </a:p>
         </p:txBody>
       </p:sp>
@@ -897,9 +900,11 @@
         <p:spPr/>
         <p:txBody>
           <a:bodyPr/>
+          <a:lstStyle/>
           <a:p>
             <a:fld id="{63A1C593-65D0-4073-BCC9-577B9352EA97}" type="datetimeFigureOut">
               <a:rPr lang="en-US" smtClean="0"/>
+              <a:t>12/13/2021</a:t>
             </a:fld>
             <a:endParaRPr lang="en-US"/>
           </a:p>
@@ -918,6 +923,7 @@
         <p:spPr/>
         <p:txBody>
           <a:bodyPr/>
+          <a:lstStyle/>
           <a:p>
             <a:endParaRPr lang="en-US"/>
           </a:p>
@@ -936,9 +942,11 @@
         <p:spPr/>
         <p:txBody>
           <a:bodyPr/>
+          <a:lstStyle/>
           <a:p>
             <a:fld id="{9B618960-8005-486C-9A75-10CB2AAC16F9}" type="slidenum">
               <a:rPr lang="en-US" smtClean="0"/>
+              <a:t>‹#›</a:t>
             </a:fld>
             <a:endParaRPr lang="en-US"/>
           </a:p>
@@ -995,10 +1003,9 @@
           </a:lstStyle>
           <a:p>
             <a:r>
-              <a:rPr lang="en-US" smtClean="0"/>
+              <a:rPr lang="en-US"/>
               <a:t>Click to edit Master title style</a:t>
             </a:r>
-            <a:endParaRPr lang="en-US"/>
           </a:p>
         </p:txBody>
       </p:sp>
@@ -1061,10 +1068,9 @@
           <a:p>
             <a:pPr lvl="0"/>
             <a:r>
-              <a:rPr lang="en-US" smtClean="0"/>
+              <a:rPr lang="en-US"/>
               <a:t>Click to edit Master text styles</a:t>
             </a:r>
-            <a:endParaRPr lang="en-US" smtClean="0"/>
           </a:p>
         </p:txBody>
       </p:sp>
@@ -1081,9 +1087,11 @@
         <p:spPr/>
         <p:txBody>
           <a:bodyPr/>
+          <a:lstStyle/>
           <a:p>
             <a:fld id="{63A1C593-65D0-4073-BCC9-577B9352EA97}" type="datetimeFigureOut">
               <a:rPr lang="en-US" smtClean="0"/>
+              <a:t>12/13/2021</a:t>
             </a:fld>
             <a:endParaRPr lang="en-US"/>
           </a:p>
@@ -1102,6 +1110,7 @@
         <p:spPr/>
         <p:txBody>
           <a:bodyPr/>
+          <a:lstStyle/>
           <a:p>
             <a:endParaRPr lang="en-US"/>
           </a:p>
@@ -1120,9 +1129,11 @@
         <p:spPr/>
         <p:txBody>
           <a:bodyPr/>
+          <a:lstStyle/>
           <a:p>
             <a:fld id="{9B618960-8005-486C-9A75-10CB2AAC16F9}" type="slidenum">
               <a:rPr lang="en-US" smtClean="0"/>
+              <a:t>‹#›</a:t>
             </a:fld>
             <a:endParaRPr lang="en-US"/>
           </a:p>
@@ -1170,10 +1181,9 @@
           <a:lstStyle/>
           <a:p>
             <a:r>
-              <a:rPr lang="en-US" smtClean="0"/>
+              <a:rPr lang="en-US"/>
               <a:t>Click to edit Master title style</a:t>
             </a:r>
-            <a:endParaRPr lang="en-US"/>
           </a:p>
         </p:txBody>
       </p:sp>
@@ -1199,42 +1209,37 @@
           <a:p>
             <a:pPr lvl="0"/>
             <a:r>
-              <a:rPr lang="en-US" smtClean="0"/>
+              <a:rPr lang="en-US"/>
               <a:t>Click to edit Master text styles</a:t>
             </a:r>
-            <a:endParaRPr lang="en-US" smtClean="0"/>
           </a:p>
           <a:p>
             <a:pPr lvl="1"/>
             <a:r>
-              <a:rPr lang="en-US" smtClean="0"/>
+              <a:rPr lang="en-US"/>
               <a:t>Second level</a:t>
             </a:r>
-            <a:endParaRPr lang="en-US" smtClean="0"/>
           </a:p>
           <a:p>
             <a:pPr lvl="2"/>
             <a:r>
-              <a:rPr lang="en-US" smtClean="0"/>
+              <a:rPr lang="en-US"/>
               <a:t>Third level</a:t>
             </a:r>
-            <a:endParaRPr lang="en-US" smtClean="0"/>
           </a:p>
           <a:p>
             <a:pPr lvl="3"/>
             <a:r>
-              <a:rPr lang="en-US" smtClean="0"/>
+              <a:rPr lang="en-US"/>
               <a:t>Fourth level</a:t>
             </a:r>
-            <a:endParaRPr lang="en-US" smtClean="0"/>
           </a:p>
           <a:p>
             <a:pPr lvl="4"/>
             <a:r>
-              <a:rPr lang="en-US" smtClean="0"/>
+              <a:rPr lang="en-US"/>
               <a:t>Fifth level</a:t>
             </a:r>
-            <a:endParaRPr lang="en-US"/>
           </a:p>
         </p:txBody>
       </p:sp>
@@ -1260,42 +1265,37 @@
           <a:p>
             <a:pPr lvl="0"/>
             <a:r>
-              <a:rPr lang="en-US" smtClean="0"/>
+              <a:rPr lang="en-US"/>
               <a:t>Click to edit Master text styles</a:t>
             </a:r>
-            <a:endParaRPr lang="en-US" smtClean="0"/>
           </a:p>
           <a:p>
             <a:pPr lvl="1"/>
             <a:r>
-              <a:rPr lang="en-US" smtClean="0"/>
+              <a:rPr lang="en-US"/>
               <a:t>Second level</a:t>
             </a:r>
-            <a:endParaRPr lang="en-US" smtClean="0"/>
           </a:p>
           <a:p>
             <a:pPr lvl="2"/>
             <a:r>
-              <a:rPr lang="en-US" smtClean="0"/>
+              <a:rPr lang="en-US"/>
               <a:t>Third level</a:t>
             </a:r>
-            <a:endParaRPr lang="en-US" smtClean="0"/>
           </a:p>
           <a:p>
             <a:pPr lvl="3"/>
             <a:r>
-              <a:rPr lang="en-US" smtClean="0"/>
+              <a:rPr lang="en-US"/>
               <a:t>Fourth level</a:t>
             </a:r>
-            <a:endParaRPr lang="en-US" smtClean="0"/>
           </a:p>
           <a:p>
             <a:pPr lvl="4"/>
             <a:r>
-              <a:rPr lang="en-US" smtClean="0"/>
+              <a:rPr lang="en-US"/>
               <a:t>Fifth level</a:t>
             </a:r>
-            <a:endParaRPr lang="en-US"/>
           </a:p>
         </p:txBody>
       </p:sp>
@@ -1312,9 +1312,11 @@
         <p:spPr/>
         <p:txBody>
           <a:bodyPr/>
+          <a:lstStyle/>
           <a:p>
             <a:fld id="{63A1C593-65D0-4073-BCC9-577B9352EA97}" type="datetimeFigureOut">
               <a:rPr lang="en-US" smtClean="0"/>
+              <a:t>12/13/2021</a:t>
             </a:fld>
             <a:endParaRPr lang="en-US"/>
           </a:p>
@@ -1333,6 +1335,7 @@
         <p:spPr/>
         <p:txBody>
           <a:bodyPr/>
+          <a:lstStyle/>
           <a:p>
             <a:endParaRPr lang="en-US"/>
           </a:p>
@@ -1351,9 +1354,11 @@
         <p:spPr/>
         <p:txBody>
           <a:bodyPr/>
+          <a:lstStyle/>
           <a:p>
             <a:fld id="{9B618960-8005-486C-9A75-10CB2AAC16F9}" type="slidenum">
               <a:rPr lang="en-US" smtClean="0"/>
+              <a:t>‹#›</a:t>
             </a:fld>
             <a:endParaRPr lang="en-US"/>
           </a:p>
@@ -1406,10 +1411,9 @@
           <a:lstStyle/>
           <a:p>
             <a:r>
-              <a:rPr lang="en-US" smtClean="0"/>
+              <a:rPr lang="en-US"/>
               <a:t>Click to edit Master title style</a:t>
             </a:r>
-            <a:endParaRPr lang="en-US"/>
           </a:p>
         </p:txBody>
       </p:sp>
@@ -1472,10 +1476,9 @@
           <a:p>
             <a:pPr lvl="0"/>
             <a:r>
-              <a:rPr lang="en-US" smtClean="0"/>
+              <a:rPr lang="en-US"/>
               <a:t>Click to edit Master text styles</a:t>
             </a:r>
-            <a:endParaRPr lang="en-US" smtClean="0"/>
           </a:p>
         </p:txBody>
       </p:sp>
@@ -1501,42 +1504,37 @@
           <a:p>
             <a:pPr lvl="0"/>
             <a:r>
-              <a:rPr lang="en-US" smtClean="0"/>
+              <a:rPr lang="en-US"/>
               <a:t>Click to edit Master text styles</a:t>
             </a:r>
-            <a:endParaRPr lang="en-US" smtClean="0"/>
           </a:p>
           <a:p>
             <a:pPr lvl="1"/>
             <a:r>
-              <a:rPr lang="en-US" smtClean="0"/>
+              <a:rPr lang="en-US"/>
               <a:t>Second level</a:t>
             </a:r>
-            <a:endParaRPr lang="en-US" smtClean="0"/>
           </a:p>
           <a:p>
             <a:pPr lvl="2"/>
             <a:r>
-              <a:rPr lang="en-US" smtClean="0"/>
+              <a:rPr lang="en-US"/>
               <a:t>Third level</a:t>
             </a:r>
-            <a:endParaRPr lang="en-US" smtClean="0"/>
           </a:p>
           <a:p>
             <a:pPr lvl="3"/>
             <a:r>
-              <a:rPr lang="en-US" smtClean="0"/>
+              <a:rPr lang="en-US"/>
               <a:t>Fourth level</a:t>
             </a:r>
-            <a:endParaRPr lang="en-US" smtClean="0"/>
           </a:p>
           <a:p>
             <a:pPr lvl="4"/>
             <a:r>
-              <a:rPr lang="en-US" smtClean="0"/>
+              <a:rPr lang="en-US"/>
               <a:t>Fifth level</a:t>
             </a:r>
-            <a:endParaRPr lang="en-US"/>
           </a:p>
         </p:txBody>
       </p:sp>
@@ -1599,10 +1597,9 @@
           <a:p>
             <a:pPr lvl="0"/>
             <a:r>
-              <a:rPr lang="en-US" smtClean="0"/>
+              <a:rPr lang="en-US"/>
               <a:t>Click to edit Master text styles</a:t>
             </a:r>
-            <a:endParaRPr lang="en-US" smtClean="0"/>
           </a:p>
         </p:txBody>
       </p:sp>
@@ -1628,42 +1625,37 @@
           <a:p>
             <a:pPr lvl="0"/>
             <a:r>
-              <a:rPr lang="en-US" smtClean="0"/>
+              <a:rPr lang="en-US"/>
               <a:t>Click to edit Master text styles</a:t>
             </a:r>
-            <a:endParaRPr lang="en-US" smtClean="0"/>
           </a:p>
           <a:p>
             <a:pPr lvl="1"/>
             <a:r>
-              <a:rPr lang="en-US" smtClean="0"/>
+              <a:rPr lang="en-US"/>
               <a:t>Second level</a:t>
             </a:r>
-            <a:endParaRPr lang="en-US" smtClean="0"/>
           </a:p>
           <a:p>
             <a:pPr lvl="2"/>
             <a:r>
-              <a:rPr lang="en-US" smtClean="0"/>
+              <a:rPr lang="en-US"/>
               <a:t>Third level</a:t>
             </a:r>
-            <a:endParaRPr lang="en-US" smtClean="0"/>
           </a:p>
           <a:p>
             <a:pPr lvl="3"/>
             <a:r>
-              <a:rPr lang="en-US" smtClean="0"/>
+              <a:rPr lang="en-US"/>
               <a:t>Fourth level</a:t>
             </a:r>
-            <a:endParaRPr lang="en-US" smtClean="0"/>
           </a:p>
           <a:p>
             <a:pPr lvl="4"/>
             <a:r>
-              <a:rPr lang="en-US" smtClean="0"/>
+              <a:rPr lang="en-US"/>
               <a:t>Fifth level</a:t>
             </a:r>
-            <a:endParaRPr lang="en-US"/>
           </a:p>
         </p:txBody>
       </p:sp>
@@ -1680,9 +1672,11 @@
         <p:spPr/>
         <p:txBody>
           <a:bodyPr/>
+          <a:lstStyle/>
           <a:p>
             <a:fld id="{63A1C593-65D0-4073-BCC9-577B9352EA97}" type="datetimeFigureOut">
               <a:rPr lang="en-US" smtClean="0"/>
+              <a:t>12/13/2021</a:t>
             </a:fld>
             <a:endParaRPr lang="en-US"/>
           </a:p>
@@ -1701,6 +1695,7 @@
         <p:spPr/>
         <p:txBody>
           <a:bodyPr/>
+          <a:lstStyle/>
           <a:p>
             <a:endParaRPr lang="en-US"/>
           </a:p>
@@ -1719,9 +1714,11 @@
         <p:spPr/>
         <p:txBody>
           <a:bodyPr/>
+          <a:lstStyle/>
           <a:p>
             <a:fld id="{9B618960-8005-486C-9A75-10CB2AAC16F9}" type="slidenum">
               <a:rPr lang="en-US" smtClean="0"/>
+              <a:t>‹#›</a:t>
             </a:fld>
             <a:endParaRPr lang="en-US"/>
           </a:p>
@@ -1769,10 +1766,9 @@
           <a:lstStyle/>
           <a:p>
             <a:r>
-              <a:rPr lang="en-US" smtClean="0"/>
+              <a:rPr lang="en-US"/>
               <a:t>Click to edit Master title style</a:t>
             </a:r>
-            <a:endParaRPr lang="en-US"/>
           </a:p>
         </p:txBody>
       </p:sp>
@@ -1789,9 +1785,11 @@
         <p:spPr/>
         <p:txBody>
           <a:bodyPr/>
+          <a:lstStyle/>
           <a:p>
             <a:fld id="{63A1C593-65D0-4073-BCC9-577B9352EA97}" type="datetimeFigureOut">
               <a:rPr lang="en-US" smtClean="0"/>
+              <a:t>12/13/2021</a:t>
             </a:fld>
             <a:endParaRPr lang="en-US"/>
           </a:p>
@@ -1810,6 +1808,7 @@
         <p:spPr/>
         <p:txBody>
           <a:bodyPr/>
+          <a:lstStyle/>
           <a:p>
             <a:endParaRPr lang="en-US"/>
           </a:p>
@@ -1828,9 +1827,11 @@
         <p:spPr/>
         <p:txBody>
           <a:bodyPr/>
+          <a:lstStyle/>
           <a:p>
             <a:fld id="{9B618960-8005-486C-9A75-10CB2AAC16F9}" type="slidenum">
               <a:rPr lang="en-US" smtClean="0"/>
+              <a:t>‹#›</a:t>
             </a:fld>
             <a:endParaRPr lang="en-US"/>
           </a:p>
@@ -1875,9 +1876,11 @@
         <p:spPr/>
         <p:txBody>
           <a:bodyPr/>
+          <a:lstStyle/>
           <a:p>
             <a:fld id="{63A1C593-65D0-4073-BCC9-577B9352EA97}" type="datetimeFigureOut">
               <a:rPr lang="en-US" smtClean="0"/>
+              <a:t>12/13/2021</a:t>
             </a:fld>
             <a:endParaRPr lang="en-US"/>
           </a:p>
@@ -1896,6 +1899,7 @@
         <p:spPr/>
         <p:txBody>
           <a:bodyPr/>
+          <a:lstStyle/>
           <a:p>
             <a:endParaRPr lang="en-US"/>
           </a:p>
@@ -1914,9 +1918,11 @@
         <p:spPr/>
         <p:txBody>
           <a:bodyPr/>
+          <a:lstStyle/>
           <a:p>
             <a:fld id="{9B618960-8005-486C-9A75-10CB2AAC16F9}" type="slidenum">
               <a:rPr lang="en-US" smtClean="0"/>
+              <a:t>‹#›</a:t>
             </a:fld>
             <a:endParaRPr lang="en-US"/>
           </a:p>
@@ -1973,10 +1979,9 @@
           </a:lstStyle>
           <a:p>
             <a:r>
-              <a:rPr lang="en-US" smtClean="0"/>
+              <a:rPr lang="en-US"/>
               <a:t>Click to edit Master title style</a:t>
             </a:r>
-            <a:endParaRPr lang="en-US"/>
           </a:p>
         </p:txBody>
       </p:sp>
@@ -2030,42 +2035,37 @@
           <a:p>
             <a:pPr lvl="0"/>
             <a:r>
-              <a:rPr lang="en-US" smtClean="0"/>
+              <a:rPr lang="en-US"/>
               <a:t>Click to edit Master text styles</a:t>
             </a:r>
-            <a:endParaRPr lang="en-US" smtClean="0"/>
           </a:p>
           <a:p>
             <a:pPr lvl="1"/>
             <a:r>
-              <a:rPr lang="en-US" smtClean="0"/>
+              <a:rPr lang="en-US"/>
               <a:t>Second level</a:t>
             </a:r>
-            <a:endParaRPr lang="en-US" smtClean="0"/>
           </a:p>
           <a:p>
             <a:pPr lvl="2"/>
             <a:r>
-              <a:rPr lang="en-US" smtClean="0"/>
+              <a:rPr lang="en-US"/>
               <a:t>Third level</a:t>
             </a:r>
-            <a:endParaRPr lang="en-US" smtClean="0"/>
           </a:p>
           <a:p>
             <a:pPr lvl="3"/>
             <a:r>
-              <a:rPr lang="en-US" smtClean="0"/>
+              <a:rPr lang="en-US"/>
               <a:t>Fourth level</a:t>
             </a:r>
-            <a:endParaRPr lang="en-US" smtClean="0"/>
           </a:p>
           <a:p>
             <a:pPr lvl="4"/>
             <a:r>
-              <a:rPr lang="en-US" smtClean="0"/>
+              <a:rPr lang="en-US"/>
               <a:t>Fifth level</a:t>
             </a:r>
-            <a:endParaRPr lang="en-US"/>
           </a:p>
         </p:txBody>
       </p:sp>
@@ -2128,10 +2128,9 @@
           <a:p>
             <a:pPr lvl="0"/>
             <a:r>
-              <a:rPr lang="en-US" smtClean="0"/>
+              <a:rPr lang="en-US"/>
               <a:t>Click to edit Master text styles</a:t>
             </a:r>
-            <a:endParaRPr lang="en-US" smtClean="0"/>
           </a:p>
         </p:txBody>
       </p:sp>
@@ -2148,9 +2147,11 @@
         <p:spPr/>
         <p:txBody>
           <a:bodyPr/>
+          <a:lstStyle/>
           <a:p>
             <a:fld id="{63A1C593-65D0-4073-BCC9-577B9352EA97}" type="datetimeFigureOut">
               <a:rPr lang="en-US" smtClean="0"/>
+              <a:t>12/13/2021</a:t>
             </a:fld>
             <a:endParaRPr lang="en-US"/>
           </a:p>
@@ -2169,6 +2170,7 @@
         <p:spPr/>
         <p:txBody>
           <a:bodyPr/>
+          <a:lstStyle/>
           <a:p>
             <a:endParaRPr lang="en-US"/>
           </a:p>
@@ -2187,9 +2189,11 @@
         <p:spPr/>
         <p:txBody>
           <a:bodyPr/>
+          <a:lstStyle/>
           <a:p>
             <a:fld id="{9B618960-8005-486C-9A75-10CB2AAC16F9}" type="slidenum">
               <a:rPr lang="en-US" smtClean="0"/>
+              <a:t>‹#›</a:t>
             </a:fld>
             <a:endParaRPr lang="en-US"/>
           </a:p>
@@ -2246,10 +2250,9 @@
           </a:lstStyle>
           <a:p>
             <a:r>
-              <a:rPr lang="en-US" smtClean="0"/>
+              <a:rPr lang="en-US"/>
               <a:t>Click to edit Master title style</a:t>
             </a:r>
-            <a:endParaRPr lang="en-US"/>
           </a:p>
         </p:txBody>
       </p:sp>
@@ -2326,7 +2329,7 @@
               <a:buNone/>
               <a:defRPr/>
             </a:pPr>
-            <a:endParaRPr kumimoji="0" lang="en-US" sz="3200" b="0" i="0" u="none" strike="noStrike" kern="1200" cap="none" spc="0" normalizeH="0" baseline="0" noProof="0" smtClean="0">
+            <a:endParaRPr kumimoji="0" lang="en-US" sz="3200" b="0" i="0" u="none" strike="noStrike" kern="1200" cap="none" spc="0" normalizeH="0" baseline="0" noProof="0">
               <a:ln>
                 <a:noFill/>
               </a:ln>
@@ -2402,10 +2405,9 @@
           <a:p>
             <a:pPr lvl="0"/>
             <a:r>
-              <a:rPr lang="en-US" smtClean="0"/>
+              <a:rPr lang="en-US"/>
               <a:t>Click to edit Master text styles</a:t>
             </a:r>
-            <a:endParaRPr lang="en-US" smtClean="0"/>
           </a:p>
         </p:txBody>
       </p:sp>
@@ -2422,9 +2424,11 @@
         <p:spPr/>
         <p:txBody>
           <a:bodyPr/>
+          <a:lstStyle/>
           <a:p>
             <a:fld id="{63A1C593-65D0-4073-BCC9-577B9352EA97}" type="datetimeFigureOut">
               <a:rPr lang="en-US" smtClean="0"/>
+              <a:t>12/13/2021</a:t>
             </a:fld>
             <a:endParaRPr lang="en-US"/>
           </a:p>
@@ -2443,6 +2447,7 @@
         <p:spPr/>
         <p:txBody>
           <a:bodyPr/>
+          <a:lstStyle/>
           <a:p>
             <a:endParaRPr lang="en-US"/>
           </a:p>
@@ -2461,9 +2466,11 @@
         <p:spPr/>
         <p:txBody>
           <a:bodyPr/>
+          <a:lstStyle/>
           <a:p>
             <a:fld id="{9B618960-8005-486C-9A75-10CB2AAC16F9}" type="slidenum">
               <a:rPr lang="en-US" smtClean="0"/>
+              <a:t>‹#›</a:t>
             </a:fld>
             <a:endParaRPr lang="en-US"/>
           </a:p>
@@ -2495,7 +2502,14 @@
         <p:cNvGrpSpPr/>
         <p:nvPr/>
       </p:nvGrpSpPr>
-      <p:grpSpPr/>
+      <p:grpSpPr>
+        <a:xfrm>
+          <a:off x="0" y="0"/>
+          <a:ext cx="0" cy="0"/>
+          <a:chOff x="0" y="0"/>
+          <a:chExt cx="0" cy="0"/>
+        </a:xfrm>
+      </p:grpSpPr>
       <p:pic>
         <p:nvPicPr>
           <p:cNvPr id="1026" name="Picture 9"/>
@@ -2505,7 +2519,7 @@
           <p:nvPr/>
         </p:nvPicPr>
         <p:blipFill>
-          <a:blip r:embed="rId12"/>
+          <a:blip r:embed="rId13"/>
           <a:stretch>
             <a:fillRect/>
           </a:stretch>
@@ -2549,13 +2563,13 @@
         </p:spPr>
         <p:txBody>
           <a:bodyPr anchor="ctr" anchorCtr="0"/>
+          <a:lstStyle/>
           <a:p>
             <a:pPr lvl="0"/>
             <a:r>
               <a:rPr lang="en-US" altLang="zh-CN" dirty="0"/>
               <a:t>Click to edit Master title style</a:t>
             </a:r>
-            <a:endParaRPr lang="en-US" altLang="zh-CN" dirty="0"/>
           </a:p>
         </p:txBody>
       </p:sp>
@@ -2584,13 +2598,13 @@
         </p:spPr>
         <p:txBody>
           <a:bodyPr/>
+          <a:lstStyle/>
           <a:p>
             <a:pPr lvl="0"/>
             <a:r>
               <a:rPr lang="en-US" altLang="zh-CN" dirty="0"/>
               <a:t>Click to edit Master text styles</a:t>
             </a:r>
-            <a:endParaRPr lang="en-US" altLang="zh-CN" dirty="0"/>
           </a:p>
           <a:p>
             <a:pPr lvl="1"/>
@@ -2598,7 +2612,6 @@
               <a:rPr lang="en-US" altLang="zh-CN" dirty="0"/>
               <a:t>Second level</a:t>
             </a:r>
-            <a:endParaRPr lang="en-US" altLang="zh-CN" dirty="0"/>
           </a:p>
           <a:p>
             <a:pPr lvl="2"/>
@@ -2606,7 +2619,6 @@
               <a:rPr lang="en-US" altLang="zh-CN" dirty="0"/>
               <a:t>Third level</a:t>
             </a:r>
-            <a:endParaRPr lang="en-US" altLang="zh-CN" dirty="0"/>
           </a:p>
           <a:p>
             <a:pPr lvl="3"/>
@@ -2614,7 +2626,6 @@
               <a:rPr lang="en-US" altLang="zh-CN" dirty="0"/>
               <a:t>Fourth level</a:t>
             </a:r>
-            <a:endParaRPr lang="en-US" altLang="zh-CN" dirty="0"/>
           </a:p>
           <a:p>
             <a:pPr lvl="4"/>
@@ -2622,7 +2633,6 @@
               <a:rPr lang="en-US" altLang="zh-CN" dirty="0"/>
               <a:t>Fifth level</a:t>
             </a:r>
-            <a:endParaRPr lang="en-US" altLang="zh-CN" dirty="0"/>
           </a:p>
         </p:txBody>
       </p:sp>
@@ -2688,6 +2698,7 @@
           <a:p>
             <a:fld id="{63A1C593-65D0-4073-BCC9-577B9352EA97}" type="datetimeFigureOut">
               <a:rPr lang="en-US" smtClean="0"/>
+              <a:t>12/13/2021</a:t>
             </a:fld>
             <a:endParaRPr lang="en-US"/>
           </a:p>
@@ -2819,6 +2830,7 @@
           <a:p>
             <a:fld id="{9B618960-8005-486C-9A75-10CB2AAC16F9}" type="slidenum">
               <a:rPr lang="en-US" smtClean="0"/>
+              <a:t>‹#›</a:t>
             </a:fld>
             <a:endParaRPr lang="en-US"/>
           </a:p>
@@ -3262,7 +3274,7 @@
           <p:nvPr/>
         </p:nvPicPr>
         <p:blipFill>
-          <a:blip r:embed="rId1"/>
+          <a:blip r:embed="rId2"/>
           <a:stretch>
             <a:fillRect/>
           </a:stretch>
@@ -3300,6 +3312,7 @@
           <a:bodyPr wrap="square" rtlCol="0">
             <a:spAutoFit/>
           </a:bodyPr>
+          <a:lstStyle/>
           <a:p>
             <a:pPr algn="ctr"/>
             <a:r>
@@ -3308,9 +3321,6 @@
               </a:rPr>
               <a:t>Daily Meal Solutions</a:t>
             </a:r>
-            <a:endParaRPr lang="en-GB" altLang="en-US" sz="4000">
-              <a:cs typeface="+mn-lt"/>
-            </a:endParaRPr>
           </a:p>
           <a:p>
             <a:pPr algn="ctr"/>
@@ -3362,8 +3372,8 @@
         </p:nvSpPr>
         <p:spPr>
           <a:xfrm>
-            <a:off x="1111250" y="4789805"/>
-            <a:ext cx="4486275" cy="1198880"/>
+            <a:off x="636905" y="4236085"/>
+            <a:ext cx="4486275" cy="1569660"/>
           </a:xfrm>
           <a:prstGeom prst="rect">
             <a:avLst/>
@@ -3374,26 +3384,35 @@
           <a:bodyPr wrap="square" rtlCol="0">
             <a:spAutoFit/>
           </a:bodyPr>
-          <a:p>
-            <a:r>
-              <a:rPr lang="en-GB" altLang="en-US" sz="2400"/>
+          <a:lstStyle/>
+          <a:p>
+            <a:r>
+              <a:rPr lang="en-GB" altLang="en-US" sz="2400" dirty="0"/>
               <a:t>Project Id: 22B12</a:t>
             </a:r>
-            <a:endParaRPr lang="en-GB" altLang="en-US" sz="2400"/>
-          </a:p>
-          <a:p>
-            <a:r>
-              <a:rPr lang="en-GB" altLang="en-US" sz="2400"/>
+          </a:p>
+          <a:p>
+            <a:r>
+              <a:rPr lang="en-GB" altLang="en-US" sz="2400" dirty="0"/>
               <a:t>Submitted to:</a:t>
             </a:r>
-            <a:endParaRPr lang="en-GB" altLang="en-US" sz="2400"/>
-          </a:p>
-          <a:p>
-            <a:r>
-              <a:rPr lang="en-GB" altLang="en-US" sz="2400"/>
-              <a:t>	Mr. Saumendu Bose</a:t>
-            </a:r>
-            <a:endParaRPr lang="en-GB" altLang="en-US" sz="2400"/>
+          </a:p>
+          <a:p>
+            <a:endParaRPr lang="en-GB" altLang="en-US" sz="2400" dirty="0"/>
+          </a:p>
+          <a:p>
+            <a:r>
+              <a:rPr lang="en-GB" altLang="en-US" sz="2400" dirty="0"/>
+              <a:t>Mr. </a:t>
+            </a:r>
+            <a:r>
+              <a:rPr lang="en-GB" altLang="en-US" sz="2400" dirty="0" err="1"/>
+              <a:t>Saumendu</a:t>
+            </a:r>
+            <a:r>
+              <a:rPr lang="en-GB" altLang="en-US" sz="2400" dirty="0"/>
+              <a:t> Bose</a:t>
+            </a:r>
           </a:p>
         </p:txBody>
       </p:sp>
@@ -3417,47 +3436,58 @@
           <a:bodyPr wrap="square" rtlCol="0">
             <a:spAutoFit/>
           </a:bodyPr>
-          <a:p>
-            <a:r>
-              <a:rPr lang="en-GB" altLang="en-US" sz="2400"/>
+          <a:lstStyle/>
+          <a:p>
+            <a:r>
+              <a:rPr lang="en-GB" altLang="en-US" sz="2400" dirty="0"/>
               <a:t>Team Members:</a:t>
             </a:r>
-            <a:endParaRPr lang="en-GB" altLang="en-US" sz="2400"/>
-          </a:p>
-          <a:p>
-            <a:r>
-              <a:rPr lang="en-GB" altLang="en-US" sz="2400"/>
+          </a:p>
+          <a:p>
+            <a:r>
+              <a:rPr lang="en-GB" altLang="en-US" sz="2400" dirty="0"/>
               <a:t>Abhinav Shukla (1816410011)</a:t>
             </a:r>
-            <a:endParaRPr lang="en-GB" altLang="en-US" sz="2400"/>
-          </a:p>
-          <a:p>
-            <a:r>
-              <a:rPr lang="en-GB" altLang="en-US" sz="2400"/>
-              <a:t>Akashdeep Soni (1816410036)</a:t>
-            </a:r>
-            <a:endParaRPr lang="en-GB" altLang="en-US" sz="2400"/>
-          </a:p>
-          <a:p>
-            <a:r>
-              <a:rPr lang="en-GB" altLang="en-US" sz="2400"/>
+          </a:p>
+          <a:p>
+            <a:r>
+              <a:rPr lang="en-GB" altLang="en-US" sz="2400" dirty="0" err="1"/>
+              <a:t>Akashdeep</a:t>
+            </a:r>
+            <a:r>
+              <a:rPr lang="en-GB" altLang="en-US" sz="2400" dirty="0"/>
+              <a:t> </a:t>
+            </a:r>
+            <a:r>
+              <a:rPr lang="en-GB" altLang="en-US" sz="2400" dirty="0" err="1"/>
+              <a:t>Soni</a:t>
+            </a:r>
+            <a:r>
+              <a:rPr lang="en-GB" altLang="en-US" sz="2400" dirty="0"/>
+              <a:t> (1816410036)</a:t>
+            </a:r>
+          </a:p>
+          <a:p>
+            <a:r>
+              <a:rPr lang="en-GB" altLang="en-US" sz="2400" dirty="0"/>
               <a:t>Anubhav Srivastava (1816410064)</a:t>
             </a:r>
-            <a:endParaRPr lang="en-GB" altLang="en-US" sz="2400"/>
-          </a:p>
-          <a:p>
-            <a:r>
-              <a:rPr lang="en-GB" altLang="en-US" sz="2400"/>
-              <a:t>Varchasv Shukla (1816410307)</a:t>
-            </a:r>
-            <a:endParaRPr lang="en-GB" altLang="en-US" sz="2400"/>
-          </a:p>
-          <a:p>
-            <a:r>
-              <a:rPr lang="en-GB" altLang="en-US" sz="2400"/>
-              <a:t>Branch and Section: CS-4B</a:t>
-            </a:r>
-            <a:endParaRPr lang="en-GB" altLang="en-US" sz="2400"/>
+          </a:p>
+          <a:p>
+            <a:r>
+              <a:rPr lang="en-GB" altLang="en-US" sz="2400" dirty="0" err="1"/>
+              <a:t>Varchasv</a:t>
+            </a:r>
+            <a:r>
+              <a:rPr lang="en-GB" altLang="en-US" sz="2400" dirty="0"/>
+              <a:t> Shukla (1816410307)</a:t>
+            </a:r>
+          </a:p>
+          <a:p>
+            <a:r>
+              <a:rPr lang="en-GB" altLang="en-US" sz="2400" dirty="0"/>
+              <a:t>Branch: CS - IV</a:t>
+            </a:r>
           </a:p>
         </p:txBody>
       </p:sp>
@@ -3478,174 +3508,54 @@
         <p:cNvGrpSpPr/>
         <p:nvPr/>
       </p:nvGrpSpPr>
-      <p:grpSpPr/>
-      <p:sp>
-        <p:nvSpPr>
-          <p:cNvPr id="2" name="Title 1"/>
-          <p:cNvSpPr>
-            <a:spLocks noGrp="1"/>
-          </p:cNvSpPr>
+      <p:grpSpPr>
+        <a:xfrm>
+          <a:off x="0" y="0"/>
+          <a:ext cx="0" cy="0"/>
+          <a:chOff x="0" y="0"/>
+          <a:chExt cx="0" cy="0"/>
+        </a:xfrm>
+      </p:grpSpPr>
+      <p:sp>
+        <p:nvSpPr>
+          <p:cNvPr id="5" name="TextBox 4">
+            <a:extLst>
+              <a:ext uri="{FF2B5EF4-FFF2-40B4-BE49-F238E27FC236}">
+                <a16:creationId xmlns:a16="http://schemas.microsoft.com/office/drawing/2014/main" id="{A5FFF0E5-0932-4AAF-9961-C61EF9E09FC8}"/>
+              </a:ext>
+            </a:extLst>
+          </p:cNvPr>
+          <p:cNvSpPr txBox="1"/>
           <p:nvPr/>
         </p:nvSpPr>
         <p:spPr>
           <a:xfrm>
-            <a:off x="609600" y="657860"/>
-            <a:ext cx="10972800" cy="582613"/>
+            <a:off x="455454" y="335355"/>
+            <a:ext cx="9442401" cy="646331"/>
           </a:xfrm>
           <a:prstGeom prst="rect">
             <a:avLst/>
           </a:prstGeom>
           <a:noFill/>
-          <a:ln w="9525">
-            <a:noFill/>
-          </a:ln>
         </p:spPr>
         <p:txBody>
-          <a:bodyPr anchor="ctr" anchorCtr="0"/>
-          <a:lstStyle>
-            <a:lvl1pPr algn="l" rtl="0" fontAlgn="base">
-              <a:spcBef>
-                <a:spcPct val="0"/>
-              </a:spcBef>
-              <a:spcAft>
-                <a:spcPct val="0"/>
-              </a:spcAft>
-              <a:defRPr sz="3600" kern="1200">
-                <a:solidFill>
-                  <a:schemeClr val="tx1"/>
-                </a:solidFill>
-                <a:latin typeface="+mj-lt"/>
-                <a:ea typeface="+mj-ea"/>
-                <a:cs typeface="+mj-cs"/>
-              </a:defRPr>
-            </a:lvl1pPr>
-            <a:lvl2pPr algn="l" rtl="0" fontAlgn="base">
-              <a:spcBef>
-                <a:spcPct val="0"/>
-              </a:spcBef>
-              <a:spcAft>
-                <a:spcPct val="0"/>
-              </a:spcAft>
-              <a:defRPr sz="3600">
-                <a:solidFill>
-                  <a:schemeClr val="tx1"/>
-                </a:solidFill>
-                <a:latin typeface="Arial" panose="020B0604020202020204" pitchFamily="34" charset="0"/>
-                <a:ea typeface="SimSun" panose="02010600030101010101" pitchFamily="2" charset="-122"/>
-              </a:defRPr>
-            </a:lvl2pPr>
-            <a:lvl3pPr algn="l" rtl="0" fontAlgn="base">
-              <a:spcBef>
-                <a:spcPct val="0"/>
-              </a:spcBef>
-              <a:spcAft>
-                <a:spcPct val="0"/>
-              </a:spcAft>
-              <a:defRPr sz="3600">
-                <a:solidFill>
-                  <a:schemeClr val="tx1"/>
-                </a:solidFill>
-                <a:latin typeface="Arial" panose="020B0604020202020204" pitchFamily="34" charset="0"/>
-                <a:ea typeface="SimSun" panose="02010600030101010101" pitchFamily="2" charset="-122"/>
-              </a:defRPr>
-            </a:lvl3pPr>
-            <a:lvl4pPr algn="l" rtl="0" fontAlgn="base">
-              <a:spcBef>
-                <a:spcPct val="0"/>
-              </a:spcBef>
-              <a:spcAft>
-                <a:spcPct val="0"/>
-              </a:spcAft>
-              <a:defRPr sz="3600">
-                <a:solidFill>
-                  <a:schemeClr val="tx1"/>
-                </a:solidFill>
-                <a:latin typeface="Arial" panose="020B0604020202020204" pitchFamily="34" charset="0"/>
-                <a:ea typeface="SimSun" panose="02010600030101010101" pitchFamily="2" charset="-122"/>
-              </a:defRPr>
-            </a:lvl4pPr>
-            <a:lvl5pPr algn="l" rtl="0" fontAlgn="base">
-              <a:spcBef>
-                <a:spcPct val="0"/>
-              </a:spcBef>
-              <a:spcAft>
-                <a:spcPct val="0"/>
-              </a:spcAft>
-              <a:defRPr sz="3600">
-                <a:solidFill>
-                  <a:schemeClr val="tx1"/>
-                </a:solidFill>
-                <a:latin typeface="Arial" panose="020B0604020202020204" pitchFamily="34" charset="0"/>
-                <a:ea typeface="SimSun" panose="02010600030101010101" pitchFamily="2" charset="-122"/>
-              </a:defRPr>
-            </a:lvl5pPr>
-            <a:lvl6pPr marL="457200" algn="l" rtl="0" fontAlgn="base">
-              <a:spcBef>
-                <a:spcPct val="0"/>
-              </a:spcBef>
-              <a:spcAft>
-                <a:spcPct val="0"/>
-              </a:spcAft>
-              <a:defRPr sz="3600">
-                <a:solidFill>
-                  <a:schemeClr val="tx1"/>
-                </a:solidFill>
-                <a:latin typeface="Arial" panose="020B0604020202020204" pitchFamily="34" charset="0"/>
-                <a:ea typeface="SimSun" panose="02010600030101010101" pitchFamily="2" charset="-122"/>
-              </a:defRPr>
-            </a:lvl6pPr>
-            <a:lvl7pPr marL="914400" algn="l" rtl="0" fontAlgn="base">
-              <a:spcBef>
-                <a:spcPct val="0"/>
-              </a:spcBef>
-              <a:spcAft>
-                <a:spcPct val="0"/>
-              </a:spcAft>
-              <a:defRPr sz="3600">
-                <a:solidFill>
-                  <a:schemeClr val="tx1"/>
-                </a:solidFill>
-                <a:latin typeface="Arial" panose="020B0604020202020204" pitchFamily="34" charset="0"/>
-                <a:ea typeface="SimSun" panose="02010600030101010101" pitchFamily="2" charset="-122"/>
-              </a:defRPr>
-            </a:lvl7pPr>
-            <a:lvl8pPr marL="1371600" algn="l" rtl="0" fontAlgn="base">
-              <a:spcBef>
-                <a:spcPct val="0"/>
-              </a:spcBef>
-              <a:spcAft>
-                <a:spcPct val="0"/>
-              </a:spcAft>
-              <a:defRPr sz="3600">
-                <a:solidFill>
-                  <a:schemeClr val="tx1"/>
-                </a:solidFill>
-                <a:latin typeface="Arial" panose="020B0604020202020204" pitchFamily="34" charset="0"/>
-                <a:ea typeface="SimSun" panose="02010600030101010101" pitchFamily="2" charset="-122"/>
-              </a:defRPr>
-            </a:lvl8pPr>
-            <a:lvl9pPr marL="1828800" algn="l" rtl="0" fontAlgn="base">
-              <a:spcBef>
-                <a:spcPct val="0"/>
-              </a:spcBef>
-              <a:spcAft>
-                <a:spcPct val="0"/>
-              </a:spcAft>
-              <a:defRPr sz="3600">
-                <a:solidFill>
-                  <a:schemeClr val="tx1"/>
-                </a:solidFill>
-                <a:latin typeface="Arial" panose="020B0604020202020204" pitchFamily="34" charset="0"/>
-                <a:ea typeface="SimSun" panose="02010600030101010101" pitchFamily="2" charset="-122"/>
-              </a:defRPr>
-            </a:lvl9pPr>
-          </a:lstStyle>
-          <a:p>
-            <a:pPr indent="0" algn="just">
-              <a:buNone/>
-            </a:pPr>
-            <a:r>
-              <a:rPr lang="en-IN" dirty="0">
+          <a:bodyPr wrap="square">
+            <a:spAutoFit/>
+          </a:bodyPr>
+          <a:lstStyle/>
+          <a:p>
+            <a:r>
+              <a:rPr lang="en-IN" sz="3600" b="1" i="0" dirty="0">
+                <a:solidFill>
+                  <a:schemeClr val="accent1"/>
+                </a:solidFill>
+                <a:effectLst/>
+                <a:latin typeface="urw-din"/>
+              </a:rPr>
+              <a:t>Express: Back-End Framework</a:t>
+            </a:r>
+            <a:r>
+              <a:rPr lang="en-GB" altLang="en-US" sz="3600" dirty="0">
                 <a:solidFill>
                   <a:schemeClr val="accent1"/>
                 </a:solidFill>
@@ -3656,36 +3566,28 @@
                     </a:srgbClr>
                   </a:outerShdw>
                 </a:effectLst>
-                <a:sym typeface="+mn-ea"/>
               </a:rPr>
-              <a:t>Feasibility Study</a:t>
-            </a:r>
-            <a:endParaRPr lang="en-IN" altLang="en-US" dirty="0">
-              <a:solidFill>
-                <a:schemeClr val="accent1"/>
-              </a:solidFill>
-              <a:effectLst>
-                <a:outerShdw blurRad="38100" dist="25400" dir="5400000" algn="ctr" rotWithShape="0">
-                  <a:srgbClr val="6E747A">
-                    <a:alpha val="43000"/>
-                  </a:srgbClr>
-                </a:outerShdw>
-              </a:effectLst>
-              <a:sym typeface="+mn-ea"/>
-            </a:endParaRPr>
-          </a:p>
-        </p:txBody>
-      </p:sp>
-      <p:sp>
-        <p:nvSpPr>
-          <p:cNvPr id="3" name="Text Box 2"/>
+              <a:t>:</a:t>
+            </a:r>
+          </a:p>
+        </p:txBody>
+      </p:sp>
+      <p:sp>
+        <p:nvSpPr>
+          <p:cNvPr id="6" name="Text Box 3">
+            <a:extLst>
+              <a:ext uri="{FF2B5EF4-FFF2-40B4-BE49-F238E27FC236}">
+                <a16:creationId xmlns:a16="http://schemas.microsoft.com/office/drawing/2014/main" id="{1EE833E7-9C78-40D9-9A63-888452EBA604}"/>
+              </a:ext>
+            </a:extLst>
+          </p:cNvPr>
           <p:cNvSpPr txBox="1"/>
           <p:nvPr/>
         </p:nvSpPr>
         <p:spPr>
           <a:xfrm>
-            <a:off x="742950" y="1400810"/>
-            <a:ext cx="7414260" cy="5323205"/>
+            <a:off x="616580" y="1154898"/>
+            <a:ext cx="8862986" cy="5016758"/>
           </a:xfrm>
           <a:prstGeom prst="rect">
             <a:avLst/>
@@ -3696,112 +3598,161 @@
           <a:bodyPr wrap="square" rtlCol="0">
             <a:spAutoFit/>
           </a:bodyPr>
-          <a:p>
-            <a:pPr marL="342900" indent="-342900">
-              <a:buFont typeface="Wingdings" panose="05000000000000000000" charset="0"/>
-              <a:buChar char="Ø"/>
+          <a:lstStyle/>
+          <a:p>
+            <a:pPr algn="l" fontAlgn="base"/>
+            <a:r>
+              <a:rPr lang="en-US" sz="2000" b="0" i="0" dirty="0">
+                <a:effectLst/>
+                <a:latin typeface="urw-din"/>
+              </a:rPr>
+              <a:t>Express is a Node.js framework. Rather than writing the code using Node.js and creating loads of Node modules, Express makes it simpler and easier to write the back-end code. Express helps in designing great web applications and APIs. Express supports many </a:t>
+            </a:r>
+            <a:r>
+              <a:rPr lang="en-US" sz="2000" b="0" i="0" dirty="0" err="1">
+                <a:effectLst/>
+                <a:latin typeface="urw-din"/>
+              </a:rPr>
+              <a:t>middlewares</a:t>
+            </a:r>
+            <a:r>
+              <a:rPr lang="en-US" sz="2000" b="0" i="0" dirty="0">
+                <a:effectLst/>
+                <a:latin typeface="urw-din"/>
+              </a:rPr>
+              <a:t> which makes the code shorter and easier to write.</a:t>
+            </a:r>
+          </a:p>
+          <a:p>
+            <a:pPr algn="l" fontAlgn="base"/>
+            <a:r>
+              <a:rPr lang="en-US" sz="2000" b="1" i="0" dirty="0">
+                <a:effectLst/>
+                <a:latin typeface="urw-din"/>
+              </a:rPr>
+              <a:t>Why use Express?</a:t>
+            </a:r>
+            <a:r>
+              <a:rPr lang="en-US" sz="2000" b="0" i="0" dirty="0">
+                <a:effectLst/>
+                <a:latin typeface="urw-din"/>
+              </a:rPr>
+              <a:t> </a:t>
+            </a:r>
+          </a:p>
+          <a:p>
+            <a:pPr algn="l" fontAlgn="base"/>
+            <a:br>
+              <a:rPr lang="en-US" sz="2000" dirty="0"/>
+            </a:br>
+            <a:endParaRPr lang="en-US" sz="2000" b="0" i="0" dirty="0">
+              <a:effectLst/>
+              <a:latin typeface="urw-din"/>
+            </a:endParaRPr>
+          </a:p>
+          <a:p>
+            <a:pPr algn="l" fontAlgn="base">
+              <a:buFont typeface="Arial" panose="020B0604020202020204" pitchFamily="34" charset="0"/>
+              <a:buChar char="•"/>
             </a:pPr>
-            <a:r>
-              <a:rPr lang="en-GB" altLang="en-US" sz="2000" b="1"/>
-              <a:t>Technical feasibility</a:t>
-            </a:r>
-            <a:r>
-              <a:rPr lang="en-GB" altLang="en-US" sz="2000"/>
-              <a:t> – Project is technically feasible as all the technical requirements have been analysed and are easily obtainable.</a:t>
-            </a:r>
-            <a:endParaRPr lang="en-GB" altLang="en-US" sz="2000"/>
-          </a:p>
-          <a:p>
-            <a:pPr marL="342900" indent="-342900">
-              <a:buFont typeface="Wingdings" panose="05000000000000000000" charset="0"/>
-              <a:buChar char="Ø"/>
+            <a:br>
+              <a:rPr lang="en-US" sz="2000" dirty="0"/>
+            </a:br>
+            <a:r>
+              <a:rPr lang="en-US" sz="2000" b="0" i="0" dirty="0">
+                <a:effectLst/>
+                <a:latin typeface="urw-din"/>
+              </a:rPr>
+              <a:t>Asynchronous and Single-threaded.</a:t>
+            </a:r>
+          </a:p>
+          <a:p>
+            <a:pPr algn="l" fontAlgn="base">
+              <a:buFont typeface="Arial" panose="020B0604020202020204" pitchFamily="34" charset="0"/>
+              <a:buChar char="•"/>
             </a:pPr>
-            <a:endParaRPr lang="en-GB" altLang="en-US" sz="2000"/>
-          </a:p>
-          <a:p>
-            <a:pPr marL="342900" indent="-342900">
-              <a:buFont typeface="Wingdings" panose="05000000000000000000" charset="0"/>
-              <a:buChar char="Ø"/>
+            <a:r>
+              <a:rPr lang="en-US" sz="2000" b="0" i="0" dirty="0">
+                <a:effectLst/>
+                <a:latin typeface="urw-din"/>
+              </a:rPr>
+              <a:t>Efficient, fast &amp; scalable</a:t>
+            </a:r>
+          </a:p>
+          <a:p>
+            <a:pPr algn="l" fontAlgn="base">
+              <a:buFont typeface="Arial" panose="020B0604020202020204" pitchFamily="34" charset="0"/>
+              <a:buChar char="•"/>
             </a:pPr>
             <a:r>
-              <a:rPr lang="en-GB" altLang="en-US" sz="2000" b="1"/>
-              <a:t>Operational feasibility</a:t>
-            </a:r>
-            <a:r>
-              <a:rPr lang="en-GB" altLang="en-US" sz="2000"/>
-              <a:t> – Project is operationally feasible as the project will contain an easy to use gui and a guide.</a:t>
-            </a:r>
-            <a:endParaRPr lang="en-GB" altLang="en-US" sz="2000"/>
-          </a:p>
-          <a:p>
-            <a:pPr marL="342900" indent="-342900">
-              <a:buFont typeface="Wingdings" panose="05000000000000000000" charset="0"/>
-              <a:buChar char="Ø"/>
+              <a:rPr lang="en-US" sz="2000" b="0" i="0" dirty="0">
+                <a:effectLst/>
+                <a:latin typeface="urw-din"/>
+              </a:rPr>
+              <a:t>Has the biggest community for Node.js</a:t>
+            </a:r>
+          </a:p>
+          <a:p>
+            <a:pPr algn="l" fontAlgn="base">
+              <a:buFont typeface="Arial" panose="020B0604020202020204" pitchFamily="34" charset="0"/>
+              <a:buChar char="•"/>
             </a:pPr>
-            <a:endParaRPr lang="en-GB" altLang="en-US" sz="2000"/>
-          </a:p>
-          <a:p>
-            <a:pPr marL="342900" indent="-342900">
-              <a:buFont typeface="Wingdings" panose="05000000000000000000" charset="0"/>
-              <a:buChar char="Ø"/>
+            <a:r>
+              <a:rPr lang="en-US" sz="2000" b="0" i="0" dirty="0">
+                <a:effectLst/>
+                <a:latin typeface="urw-din"/>
+              </a:rPr>
+              <a:t>Express promotes code reusability with its built-in router.</a:t>
+            </a:r>
+          </a:p>
+          <a:p>
+            <a:pPr algn="l" fontAlgn="base">
+              <a:buFont typeface="Arial" panose="020B0604020202020204" pitchFamily="34" charset="0"/>
+              <a:buChar char="•"/>
             </a:pPr>
             <a:r>
-              <a:rPr lang="en-GB" altLang="en-US" sz="2000" b="1"/>
-              <a:t>Economic feasibility</a:t>
-            </a:r>
-            <a:r>
-              <a:rPr lang="en-GB" altLang="en-US" sz="2000"/>
-              <a:t> – project is economically feasible as it will be build using open source softwares and library which are free to use.</a:t>
-            </a:r>
-            <a:endParaRPr lang="en-GB" altLang="en-US" sz="2000"/>
-          </a:p>
-          <a:p>
-            <a:pPr marL="342900" indent="-342900">
-              <a:buFont typeface="Wingdings" panose="05000000000000000000" charset="0"/>
-              <a:buChar char="Ø"/>
+              <a:rPr lang="en-US" sz="2000" b="0" i="0" dirty="0">
+                <a:effectLst/>
+                <a:latin typeface="urw-din"/>
+              </a:rPr>
+              <a:t>Robust API</a:t>
+            </a:r>
+          </a:p>
+          <a:p>
+            <a:pPr algn="l" fontAlgn="base">
+              <a:buFont typeface="Arial" panose="020B0604020202020204" pitchFamily="34" charset="0"/>
+              <a:buChar char="•"/>
             </a:pPr>
-            <a:endParaRPr lang="en-GB" altLang="en-US" sz="2000"/>
-          </a:p>
-          <a:p>
-            <a:pPr marL="342900" indent="-342900">
-              <a:buFont typeface="Wingdings" panose="05000000000000000000" charset="0"/>
-              <a:buChar char="Ø"/>
-            </a:pPr>
-            <a:r>
-              <a:rPr lang="en-GB" altLang="en-US" sz="2000" b="1"/>
-              <a:t>Legal feasibility</a:t>
-            </a:r>
-            <a:r>
-              <a:rPr lang="en-GB" altLang="en-US" sz="2000"/>
-              <a:t> – Project is legally feasible as all modules used permit usage from open source and non-monetized applications.</a:t>
-            </a:r>
-            <a:endParaRPr lang="en-GB" altLang="en-US" sz="2000"/>
-          </a:p>
-          <a:p>
-            <a:pPr marL="342900" indent="-342900">
-              <a:buFont typeface="Wingdings" panose="05000000000000000000" charset="0"/>
-              <a:buChar char="Ø"/>
-            </a:pPr>
-            <a:endParaRPr lang="en-GB" altLang="en-US" sz="2000"/>
-          </a:p>
-          <a:p>
-            <a:pPr marL="342900" indent="-342900">
-              <a:buFont typeface="Wingdings" panose="05000000000000000000" charset="0"/>
-              <a:buChar char="Ø"/>
-            </a:pPr>
-            <a:r>
-              <a:rPr lang="en-GB" altLang="en-US" sz="2000" b="1"/>
-              <a:t>Schedule feasibility</a:t>
-            </a:r>
-            <a:r>
-              <a:rPr lang="en-GB" altLang="en-US" sz="2000"/>
-              <a:t> – Project is schedule feasible as the project can be completed within the said deadline.</a:t>
-            </a:r>
-            <a:endParaRPr lang="en-GB" altLang="en-US" sz="2000"/>
+            <a:r>
+              <a:rPr lang="en-US" sz="2000" b="0" i="0" dirty="0">
+                <a:effectLst/>
+                <a:latin typeface="urw-din"/>
+              </a:rPr>
+              <a:t>Create a new folder to start your express project and type below command in the command prompt to initialize a </a:t>
+            </a:r>
+            <a:r>
+              <a:rPr lang="en-US" sz="2000" b="0" i="0" dirty="0" err="1">
+                <a:effectLst/>
+                <a:latin typeface="urw-din"/>
+              </a:rPr>
+              <a:t>package.json</a:t>
+            </a:r>
+            <a:r>
+              <a:rPr lang="en-US" sz="2000" b="0" i="0" dirty="0">
+                <a:effectLst/>
+                <a:latin typeface="urw-din"/>
+              </a:rPr>
+              <a:t> file. Accept the default settings and continue.</a:t>
+            </a:r>
           </a:p>
         </p:txBody>
       </p:sp>
     </p:spTree>
+    <p:extLst>
+      <p:ext uri="{BB962C8B-B14F-4D97-AF65-F5344CB8AC3E}">
+        <p14:creationId xmlns:p14="http://schemas.microsoft.com/office/powerpoint/2010/main" val="1892126245"/>
+      </p:ext>
+    </p:extLst>
   </p:cSld>
   <p:clrMapOvr>
     <a:masterClrMapping/>
@@ -3818,194 +3769,63 @@
         <p:cNvGrpSpPr/>
         <p:nvPr/>
       </p:nvGrpSpPr>
-      <p:grpSpPr/>
-      <p:sp>
-        <p:nvSpPr>
-          <p:cNvPr id="2" name="Title 1"/>
-          <p:cNvSpPr>
-            <a:spLocks noGrp="1"/>
-          </p:cNvSpPr>
+      <p:grpSpPr>
+        <a:xfrm>
+          <a:off x="0" y="0"/>
+          <a:ext cx="0" cy="0"/>
+          <a:chOff x="0" y="0"/>
+          <a:chExt cx="0" cy="0"/>
+        </a:xfrm>
+      </p:grpSpPr>
+      <p:sp>
+        <p:nvSpPr>
+          <p:cNvPr id="5" name="TextBox 4">
+            <a:extLst>
+              <a:ext uri="{FF2B5EF4-FFF2-40B4-BE49-F238E27FC236}">
+                <a16:creationId xmlns:a16="http://schemas.microsoft.com/office/drawing/2014/main" id="{A5FFF0E5-0932-4AAF-9961-C61EF9E09FC8}"/>
+              </a:ext>
+            </a:extLst>
+          </p:cNvPr>
+          <p:cNvSpPr txBox="1"/>
           <p:nvPr/>
         </p:nvSpPr>
         <p:spPr>
           <a:xfrm>
-            <a:off x="609600" y="657860"/>
-            <a:ext cx="10972800" cy="582613"/>
+            <a:off x="455454" y="335355"/>
+            <a:ext cx="9442401" cy="646331"/>
           </a:xfrm>
           <a:prstGeom prst="rect">
             <a:avLst/>
           </a:prstGeom>
           <a:noFill/>
-          <a:ln w="9525">
-            <a:noFill/>
-          </a:ln>
         </p:spPr>
         <p:txBody>
-          <a:bodyPr anchor="ctr" anchorCtr="0">
-            <a:scene3d>
-              <a:camera prst="orthographicFront"/>
-              <a:lightRig rig="threePt" dir="t"/>
-            </a:scene3d>
+          <a:bodyPr wrap="square">
+            <a:spAutoFit/>
           </a:bodyPr>
-          <a:lstStyle>
-            <a:lvl1pPr algn="l" rtl="0" fontAlgn="base">
-              <a:spcBef>
-                <a:spcPct val="0"/>
-              </a:spcBef>
-              <a:spcAft>
-                <a:spcPct val="0"/>
-              </a:spcAft>
-              <a:defRPr sz="3600" kern="1200">
-                <a:solidFill>
-                  <a:schemeClr val="tx1"/>
-                </a:solidFill>
-                <a:latin typeface="+mj-lt"/>
-                <a:ea typeface="+mj-ea"/>
-                <a:cs typeface="+mj-cs"/>
-              </a:defRPr>
-            </a:lvl1pPr>
-            <a:lvl2pPr algn="l" rtl="0" fontAlgn="base">
-              <a:spcBef>
-                <a:spcPct val="0"/>
-              </a:spcBef>
-              <a:spcAft>
-                <a:spcPct val="0"/>
-              </a:spcAft>
-              <a:defRPr sz="3600">
-                <a:solidFill>
-                  <a:schemeClr val="tx1"/>
-                </a:solidFill>
-                <a:latin typeface="Arial" panose="020B0604020202020204" pitchFamily="34" charset="0"/>
-                <a:ea typeface="SimSun" panose="02010600030101010101" pitchFamily="2" charset="-122"/>
-              </a:defRPr>
-            </a:lvl2pPr>
-            <a:lvl3pPr algn="l" rtl="0" fontAlgn="base">
-              <a:spcBef>
-                <a:spcPct val="0"/>
-              </a:spcBef>
-              <a:spcAft>
-                <a:spcPct val="0"/>
-              </a:spcAft>
-              <a:defRPr sz="3600">
-                <a:solidFill>
-                  <a:schemeClr val="tx1"/>
-                </a:solidFill>
-                <a:latin typeface="Arial" panose="020B0604020202020204" pitchFamily="34" charset="0"/>
-                <a:ea typeface="SimSun" panose="02010600030101010101" pitchFamily="2" charset="-122"/>
-              </a:defRPr>
-            </a:lvl3pPr>
-            <a:lvl4pPr algn="l" rtl="0" fontAlgn="base">
-              <a:spcBef>
-                <a:spcPct val="0"/>
-              </a:spcBef>
-              <a:spcAft>
-                <a:spcPct val="0"/>
-              </a:spcAft>
-              <a:defRPr sz="3600">
-                <a:solidFill>
-                  <a:schemeClr val="tx1"/>
-                </a:solidFill>
-                <a:latin typeface="Arial" panose="020B0604020202020204" pitchFamily="34" charset="0"/>
-                <a:ea typeface="SimSun" panose="02010600030101010101" pitchFamily="2" charset="-122"/>
-              </a:defRPr>
-            </a:lvl4pPr>
-            <a:lvl5pPr algn="l" rtl="0" fontAlgn="base">
-              <a:spcBef>
-                <a:spcPct val="0"/>
-              </a:spcBef>
-              <a:spcAft>
-                <a:spcPct val="0"/>
-              </a:spcAft>
-              <a:defRPr sz="3600">
-                <a:solidFill>
-                  <a:schemeClr val="tx1"/>
-                </a:solidFill>
-                <a:latin typeface="Arial" panose="020B0604020202020204" pitchFamily="34" charset="0"/>
-                <a:ea typeface="SimSun" panose="02010600030101010101" pitchFamily="2" charset="-122"/>
-              </a:defRPr>
-            </a:lvl5pPr>
-            <a:lvl6pPr marL="457200" algn="l" rtl="0" fontAlgn="base">
-              <a:spcBef>
-                <a:spcPct val="0"/>
-              </a:spcBef>
-              <a:spcAft>
-                <a:spcPct val="0"/>
-              </a:spcAft>
-              <a:defRPr sz="3600">
-                <a:solidFill>
-                  <a:schemeClr val="tx1"/>
-                </a:solidFill>
-                <a:latin typeface="Arial" panose="020B0604020202020204" pitchFamily="34" charset="0"/>
-                <a:ea typeface="SimSun" panose="02010600030101010101" pitchFamily="2" charset="-122"/>
-              </a:defRPr>
-            </a:lvl6pPr>
-            <a:lvl7pPr marL="914400" algn="l" rtl="0" fontAlgn="base">
-              <a:spcBef>
-                <a:spcPct val="0"/>
-              </a:spcBef>
-              <a:spcAft>
-                <a:spcPct val="0"/>
-              </a:spcAft>
-              <a:defRPr sz="3600">
-                <a:solidFill>
-                  <a:schemeClr val="tx1"/>
-                </a:solidFill>
-                <a:latin typeface="Arial" panose="020B0604020202020204" pitchFamily="34" charset="0"/>
-                <a:ea typeface="SimSun" panose="02010600030101010101" pitchFamily="2" charset="-122"/>
-              </a:defRPr>
-            </a:lvl7pPr>
-            <a:lvl8pPr marL="1371600" algn="l" rtl="0" fontAlgn="base">
-              <a:spcBef>
-                <a:spcPct val="0"/>
-              </a:spcBef>
-              <a:spcAft>
-                <a:spcPct val="0"/>
-              </a:spcAft>
-              <a:defRPr sz="3600">
-                <a:solidFill>
-                  <a:schemeClr val="tx1"/>
-                </a:solidFill>
-                <a:latin typeface="Arial" panose="020B0604020202020204" pitchFamily="34" charset="0"/>
-                <a:ea typeface="SimSun" panose="02010600030101010101" pitchFamily="2" charset="-122"/>
-              </a:defRPr>
-            </a:lvl8pPr>
-            <a:lvl9pPr marL="1828800" algn="l" rtl="0" fontAlgn="base">
-              <a:spcBef>
-                <a:spcPct val="0"/>
-              </a:spcBef>
-              <a:spcAft>
-                <a:spcPct val="0"/>
-              </a:spcAft>
-              <a:defRPr sz="3600">
-                <a:solidFill>
-                  <a:schemeClr val="tx1"/>
-                </a:solidFill>
-                <a:latin typeface="Arial" panose="020B0604020202020204" pitchFamily="34" charset="0"/>
-                <a:ea typeface="SimSun" panose="02010600030101010101" pitchFamily="2" charset="-122"/>
-              </a:defRPr>
-            </a:lvl9pPr>
-          </a:lstStyle>
-          <a:p>
-            <a:pPr indent="0" algn="just">
-              <a:buNone/>
-            </a:pPr>
-            <a:r>
-              <a:rPr lang="en-GB" altLang="en-IN" dirty="0">
+          <a:lstStyle/>
+          <a:p>
+            <a:r>
+              <a:rPr lang="en-US" sz="3600" b="1" i="0" dirty="0">
                 <a:solidFill>
                   <a:schemeClr val="accent1"/>
                 </a:solidFill>
-                <a:effectLst>
-                  <a:outerShdw blurRad="38100" dist="25400" dir="5400000" algn="ctr" rotWithShape="0">
-                    <a:srgbClr val="6E747A">
-                      <a:alpha val="43000"/>
-                    </a:srgbClr>
-                  </a:outerShdw>
-                </a:effectLst>
-                <a:sym typeface="+mn-ea"/>
+                <a:effectLst/>
+                <a:latin typeface="urw-din"/>
               </a:rPr>
-              <a:t>Academic Objectives</a:t>
-            </a:r>
-            <a:endParaRPr lang="en-GB" altLang="en-IN" dirty="0">
+              <a:t>React: Front-End Library</a:t>
+            </a:r>
+            <a:r>
+              <a:rPr lang="en-US" sz="3600" b="0" i="0" dirty="0">
+                <a:solidFill>
+                  <a:schemeClr val="accent1"/>
+                </a:solidFill>
+                <a:effectLst/>
+                <a:latin typeface="urw-din"/>
+              </a:rPr>
+              <a:t> :</a:t>
+            </a:r>
+            <a:endParaRPr lang="en-GB" altLang="en-US" sz="3600" dirty="0">
               <a:solidFill>
                 <a:schemeClr val="accent1"/>
               </a:solidFill>
@@ -4016,21 +3836,26 @@
                   </a:srgbClr>
                 </a:outerShdw>
               </a:effectLst>
-              <a:sym typeface="+mn-ea"/>
             </a:endParaRPr>
           </a:p>
         </p:txBody>
       </p:sp>
       <p:sp>
         <p:nvSpPr>
-          <p:cNvPr id="3" name="Text Box 2"/>
+          <p:cNvPr id="6" name="Text Box 3">
+            <a:extLst>
+              <a:ext uri="{FF2B5EF4-FFF2-40B4-BE49-F238E27FC236}">
+                <a16:creationId xmlns:a16="http://schemas.microsoft.com/office/drawing/2014/main" id="{1EE833E7-9C78-40D9-9A63-888452EBA604}"/>
+              </a:ext>
+            </a:extLst>
+          </p:cNvPr>
           <p:cNvSpPr txBox="1"/>
           <p:nvPr/>
         </p:nvSpPr>
         <p:spPr>
           <a:xfrm>
-            <a:off x="709930" y="1613535"/>
-            <a:ext cx="10109200" cy="2861310"/>
+            <a:off x="616580" y="1154898"/>
+            <a:ext cx="8862986" cy="5016758"/>
           </a:xfrm>
           <a:prstGeom prst="rect">
             <a:avLst/>
@@ -4041,92 +3866,81 @@
           <a:bodyPr wrap="square" rtlCol="0">
             <a:spAutoFit/>
           </a:bodyPr>
-          <a:p>
-            <a:pPr marL="285750" indent="-285750">
-              <a:buFont typeface="Wingdings" panose="05000000000000000000" charset="0"/>
-              <a:buChar char="Ø"/>
+          <a:lstStyle/>
+          <a:p>
+            <a:pPr algn="l" fontAlgn="base"/>
+            <a:r>
+              <a:rPr lang="en-US" sz="2000" b="0" i="0" dirty="0">
+                <a:effectLst/>
+                <a:latin typeface="urw-din"/>
+              </a:rPr>
+              <a:t>React is a JavaScript library that is used for building user interfaces. React is used for the development of single-page applications and mobile applications because of its ability to handle rapidly changing data. React allows users to code in JavaScript and create UI components. </a:t>
+            </a:r>
+          </a:p>
+          <a:p>
+            <a:pPr algn="l" fontAlgn="base"/>
+            <a:r>
+              <a:rPr lang="en-US" sz="2000" b="1" i="0" dirty="0">
+                <a:effectLst/>
+                <a:latin typeface="urw-din"/>
+              </a:rPr>
+              <a:t>Why use React?</a:t>
+            </a:r>
+            <a:r>
+              <a:rPr lang="en-US" sz="2000" b="0" i="0" dirty="0">
+                <a:effectLst/>
+                <a:latin typeface="urw-din"/>
+              </a:rPr>
+              <a:t> </a:t>
+            </a:r>
+          </a:p>
+          <a:p>
+            <a:pPr algn="l" fontAlgn="base">
+              <a:buFont typeface="Arial" panose="020B0604020202020204" pitchFamily="34" charset="0"/>
+              <a:buChar char="•"/>
             </a:pPr>
             <a:r>
-              <a:rPr lang="en-GB" altLang="en-US" sz="2000"/>
-              <a:t>Devlope a web app which has the full stack capability.</a:t>
-            </a:r>
-            <a:endParaRPr lang="en-GB" altLang="en-US" sz="2000"/>
-          </a:p>
-          <a:p>
-            <a:pPr marL="285750" indent="-285750">
-              <a:buFont typeface="Wingdings" panose="05000000000000000000" charset="0"/>
-              <a:buChar char="Ø"/>
+              <a:rPr lang="en-US" sz="2000" b="0" i="0" dirty="0">
+                <a:effectLst/>
+                <a:latin typeface="urw-din"/>
+              </a:rPr>
+              <a:t>Virtual DOM – A virtual DOM object is a representation of a DOM object. Virtual DOM is actually a copy of the original DOM. Any modification in the web application causes the entire UI to re-render the virtual DOM. Then the difference between the original DOM and this virtual DOM is compared and the changes are made accordingly to the original DOM.</a:t>
+            </a:r>
+          </a:p>
+          <a:p>
+            <a:pPr algn="l" fontAlgn="base">
+              <a:buFont typeface="Arial" panose="020B0604020202020204" pitchFamily="34" charset="0"/>
+              <a:buChar char="•"/>
             </a:pPr>
-            <a:endParaRPr lang="en-GB" altLang="en-US" sz="2000"/>
-          </a:p>
-          <a:p>
-            <a:pPr marL="285750" indent="-285750">
-              <a:buFont typeface="Wingdings" panose="05000000000000000000" charset="0"/>
-              <a:buChar char="Ø"/>
+            <a:r>
+              <a:rPr lang="en-US" sz="2000" b="0" i="0" dirty="0">
+                <a:effectLst/>
+                <a:latin typeface="urw-din"/>
+              </a:rPr>
+              <a:t>JSX – Stands for JavaScript XML. It is an HTML/XML JavaScript Extension which is used in React. Makes it easier and simpler to write React components.</a:t>
+            </a:r>
+          </a:p>
+          <a:p>
+            <a:pPr algn="l" fontAlgn="base">
+              <a:buFont typeface="Arial" panose="020B0604020202020204" pitchFamily="34" charset="0"/>
+              <a:buChar char="•"/>
             </a:pPr>
             <a:r>
-              <a:rPr lang="en-GB" altLang="en-US" sz="2000"/>
-              <a:t>Web App will have frontend, backend and database.</a:t>
-            </a:r>
-            <a:endParaRPr lang="en-GB" altLang="en-US" sz="2000"/>
-          </a:p>
-          <a:p>
-            <a:pPr marL="285750" indent="-285750">
-              <a:buFont typeface="Wingdings" panose="05000000000000000000" charset="0"/>
-              <a:buChar char="Ø"/>
-            </a:pPr>
-            <a:endParaRPr lang="en-GB" altLang="en-US" sz="2000"/>
-          </a:p>
-          <a:p>
-            <a:pPr marL="285750" indent="-285750">
-              <a:buFont typeface="Wingdings" panose="05000000000000000000" charset="0"/>
-              <a:buChar char="Ø"/>
-            </a:pPr>
-            <a:r>
-              <a:rPr lang="en-GB" altLang="en-US" sz="2000"/>
-              <a:t>Develope the frontend using react.js framework</a:t>
-            </a:r>
-            <a:endParaRPr lang="en-GB" altLang="en-US" sz="2000"/>
-          </a:p>
-          <a:p>
-            <a:pPr marL="285750" indent="-285750">
-              <a:buFont typeface="Wingdings" panose="05000000000000000000" charset="0"/>
-              <a:buChar char="Ø"/>
-            </a:pPr>
-            <a:endParaRPr lang="en-GB" altLang="en-US" sz="2000"/>
-          </a:p>
-          <a:p>
-            <a:pPr marL="285750" indent="-285750">
-              <a:buFont typeface="Wingdings" panose="05000000000000000000" charset="0"/>
-              <a:buChar char="Ø"/>
-            </a:pPr>
-            <a:r>
-              <a:rPr lang="en-GB" altLang="en-US" sz="2000"/>
-              <a:t>Develope the backend using express.js framework</a:t>
-            </a:r>
-            <a:endParaRPr lang="en-GB" altLang="en-US" sz="2000"/>
-          </a:p>
-          <a:p>
-            <a:pPr marL="285750" indent="-285750">
-              <a:buFont typeface="Wingdings" panose="05000000000000000000" charset="0"/>
-              <a:buChar char="Ø"/>
-            </a:pPr>
-            <a:endParaRPr lang="en-GB" altLang="en-US" sz="2000"/>
-          </a:p>
-          <a:p>
-            <a:pPr marL="285750" indent="-285750">
-              <a:buFont typeface="Wingdings" panose="05000000000000000000" charset="0"/>
-              <a:buChar char="Ø"/>
-            </a:pPr>
-            <a:r>
-              <a:rPr lang="en-GB" altLang="en-US" sz="2000"/>
-              <a:t>Develope the database using Mongoose ODM.</a:t>
-            </a:r>
-            <a:endParaRPr lang="en-GB" altLang="en-US" sz="2000"/>
+              <a:rPr lang="en-US" sz="2000" b="0" i="0" dirty="0">
+                <a:effectLst/>
+                <a:latin typeface="urw-din"/>
+              </a:rPr>
+              <a:t>Components – ReactJS supports Components. Components are the building blocks of UI wherein each component has a logic and contributes to the overall UI. These components also promote code reusability and make the overall web application easier to understand.</a:t>
+            </a:r>
           </a:p>
         </p:txBody>
       </p:sp>
     </p:spTree>
+    <p:extLst>
+      <p:ext uri="{BB962C8B-B14F-4D97-AF65-F5344CB8AC3E}">
+        <p14:creationId xmlns:p14="http://schemas.microsoft.com/office/powerpoint/2010/main" val="2446113435"/>
+      </p:ext>
+    </p:extLst>
   </p:cSld>
   <p:clrMapOvr>
     <a:masterClrMapping/>
@@ -4143,7 +3957,284 @@
         <p:cNvGrpSpPr/>
         <p:nvPr/>
       </p:nvGrpSpPr>
-      <p:grpSpPr/>
+      <p:grpSpPr>
+        <a:xfrm>
+          <a:off x="0" y="0"/>
+          <a:ext cx="0" cy="0"/>
+          <a:chOff x="0" y="0"/>
+          <a:chExt cx="0" cy="0"/>
+        </a:xfrm>
+      </p:grpSpPr>
+      <p:sp>
+        <p:nvSpPr>
+          <p:cNvPr id="5" name="TextBox 4">
+            <a:extLst>
+              <a:ext uri="{FF2B5EF4-FFF2-40B4-BE49-F238E27FC236}">
+                <a16:creationId xmlns:a16="http://schemas.microsoft.com/office/drawing/2014/main" id="{A5FFF0E5-0932-4AAF-9961-C61EF9E09FC8}"/>
+              </a:ext>
+            </a:extLst>
+          </p:cNvPr>
+          <p:cNvSpPr txBox="1"/>
+          <p:nvPr/>
+        </p:nvSpPr>
+        <p:spPr>
+          <a:xfrm>
+            <a:off x="455454" y="335355"/>
+            <a:ext cx="9442401" cy="646331"/>
+          </a:xfrm>
+          <a:prstGeom prst="rect">
+            <a:avLst/>
+          </a:prstGeom>
+          <a:noFill/>
+        </p:spPr>
+        <p:txBody>
+          <a:bodyPr wrap="square">
+            <a:spAutoFit/>
+          </a:bodyPr>
+          <a:lstStyle/>
+          <a:p>
+            <a:r>
+              <a:rPr lang="en-US" sz="3600" b="1" dirty="0">
+                <a:solidFill>
+                  <a:schemeClr val="accent1"/>
+                </a:solidFill>
+                <a:latin typeface="urw-din"/>
+              </a:rPr>
+              <a:t>Node.js</a:t>
+            </a:r>
+            <a:r>
+              <a:rPr lang="en-US" sz="3600" b="1" i="0" dirty="0">
+                <a:solidFill>
+                  <a:schemeClr val="accent1"/>
+                </a:solidFill>
+                <a:effectLst/>
+                <a:latin typeface="urw-din"/>
+              </a:rPr>
+              <a:t>: A runtime Environment</a:t>
+            </a:r>
+            <a:r>
+              <a:rPr lang="en-US" sz="3600" b="0" i="0" dirty="0">
+                <a:solidFill>
+                  <a:schemeClr val="accent1"/>
+                </a:solidFill>
+                <a:effectLst/>
+                <a:latin typeface="urw-din"/>
+              </a:rPr>
+              <a:t> :</a:t>
+            </a:r>
+            <a:endParaRPr lang="en-GB" altLang="en-US" sz="3600" dirty="0">
+              <a:solidFill>
+                <a:schemeClr val="accent1"/>
+              </a:solidFill>
+              <a:effectLst>
+                <a:outerShdw blurRad="38100" dist="25400" dir="5400000" algn="ctr" rotWithShape="0">
+                  <a:srgbClr val="6E747A">
+                    <a:alpha val="43000"/>
+                  </a:srgbClr>
+                </a:outerShdw>
+              </a:effectLst>
+            </a:endParaRPr>
+          </a:p>
+        </p:txBody>
+      </p:sp>
+      <p:sp>
+        <p:nvSpPr>
+          <p:cNvPr id="6" name="Text Box 3">
+            <a:extLst>
+              <a:ext uri="{FF2B5EF4-FFF2-40B4-BE49-F238E27FC236}">
+                <a16:creationId xmlns:a16="http://schemas.microsoft.com/office/drawing/2014/main" id="{1EE833E7-9C78-40D9-9A63-888452EBA604}"/>
+              </a:ext>
+            </a:extLst>
+          </p:cNvPr>
+          <p:cNvSpPr txBox="1"/>
+          <p:nvPr/>
+        </p:nvSpPr>
+        <p:spPr>
+          <a:xfrm>
+            <a:off x="616580" y="1154898"/>
+            <a:ext cx="8862986" cy="4093428"/>
+          </a:xfrm>
+          <a:prstGeom prst="rect">
+            <a:avLst/>
+          </a:prstGeom>
+          <a:noFill/>
+        </p:spPr>
+        <p:txBody>
+          <a:bodyPr wrap="square" rtlCol="0">
+            <a:spAutoFit/>
+          </a:bodyPr>
+          <a:lstStyle/>
+          <a:p>
+            <a:pPr algn="l" fontAlgn="base"/>
+            <a:r>
+              <a:rPr lang="en-US" sz="2000" b="1" i="0" dirty="0">
+                <a:effectLst/>
+                <a:latin typeface="urw-din"/>
+              </a:rPr>
+              <a:t>Node.js: JS Runtime Environment</a:t>
+            </a:r>
+            <a:r>
+              <a:rPr lang="en-US" sz="2000" b="0" i="0" dirty="0">
+                <a:effectLst/>
+                <a:latin typeface="urw-din"/>
+              </a:rPr>
+              <a:t> </a:t>
+            </a:r>
+            <a:br>
+              <a:rPr lang="en-US" sz="2000" b="0" i="0" dirty="0">
+                <a:effectLst/>
+                <a:latin typeface="urw-din"/>
+              </a:rPr>
+            </a:br>
+            <a:r>
+              <a:rPr lang="en-US" sz="2000" b="0" i="0" dirty="0">
+                <a:effectLst/>
+                <a:latin typeface="urw-din"/>
+              </a:rPr>
+              <a:t>Node.js provides a JavaScript Environment which allows the user to run their code on the server (outside the browser). Node pack manager i.e. </a:t>
+            </a:r>
+            <a:r>
+              <a:rPr lang="en-US" sz="2000" b="0" i="0" dirty="0" err="1">
+                <a:effectLst/>
+                <a:latin typeface="urw-din"/>
+              </a:rPr>
+              <a:t>npm</a:t>
+            </a:r>
+            <a:r>
+              <a:rPr lang="en-US" sz="2000" b="0" i="0" dirty="0">
+                <a:effectLst/>
+                <a:latin typeface="urw-din"/>
+              </a:rPr>
+              <a:t> allows the user to choose from thousands of free packages (node modules) to download. </a:t>
+            </a:r>
+          </a:p>
+          <a:p>
+            <a:pPr algn="l" fontAlgn="base"/>
+            <a:r>
+              <a:rPr lang="en-US" sz="2000" b="1" i="0" dirty="0">
+                <a:effectLst/>
+                <a:latin typeface="urw-din"/>
+              </a:rPr>
+              <a:t>Why use Node.JS?</a:t>
+            </a:r>
+            <a:r>
+              <a:rPr lang="en-US" sz="2000" b="0" i="0" dirty="0">
+                <a:effectLst/>
+                <a:latin typeface="urw-din"/>
+              </a:rPr>
+              <a:t> </a:t>
+            </a:r>
+          </a:p>
+          <a:p>
+            <a:pPr algn="l" fontAlgn="base">
+              <a:buFont typeface="Arial" panose="020B0604020202020204" pitchFamily="34" charset="0"/>
+              <a:buChar char="•"/>
+            </a:pPr>
+            <a:r>
+              <a:rPr lang="en-US" sz="2000" b="0" i="0" dirty="0">
+                <a:effectLst/>
+                <a:latin typeface="urw-din"/>
+              </a:rPr>
+              <a:t>Open-source JavaScript Runtime Environment</a:t>
+            </a:r>
+          </a:p>
+          <a:p>
+            <a:pPr algn="l" fontAlgn="base">
+              <a:buFont typeface="Arial" panose="020B0604020202020204" pitchFamily="34" charset="0"/>
+              <a:buChar char="•"/>
+            </a:pPr>
+            <a:r>
+              <a:rPr lang="en-US" sz="2000" b="0" i="0" dirty="0">
+                <a:effectLst/>
+                <a:latin typeface="urw-din"/>
+              </a:rPr>
+              <a:t>Single threading – Follows a single-threaded model.</a:t>
+            </a:r>
+          </a:p>
+          <a:p>
+            <a:pPr algn="l" fontAlgn="base">
+              <a:buFont typeface="Arial" panose="020B0604020202020204" pitchFamily="34" charset="0"/>
+              <a:buChar char="•"/>
+            </a:pPr>
+            <a:r>
+              <a:rPr lang="en-US" sz="2000" b="0" i="0" dirty="0">
+                <a:effectLst/>
+                <a:latin typeface="urw-din"/>
+              </a:rPr>
+              <a:t>Data Streaming</a:t>
+            </a:r>
+          </a:p>
+          <a:p>
+            <a:pPr algn="l" fontAlgn="base">
+              <a:buFont typeface="Arial" panose="020B0604020202020204" pitchFamily="34" charset="0"/>
+              <a:buChar char="•"/>
+            </a:pPr>
+            <a:r>
+              <a:rPr lang="en-US" sz="2000" b="0" i="0" dirty="0">
+                <a:effectLst/>
+                <a:latin typeface="urw-din"/>
+              </a:rPr>
+              <a:t>Fast – Built on Google Chrome’s JavaScript Engine, Node.js has a fast code execution.</a:t>
+            </a:r>
+          </a:p>
+          <a:p>
+            <a:pPr algn="l" fontAlgn="base">
+              <a:buFont typeface="Arial" panose="020B0604020202020204" pitchFamily="34" charset="0"/>
+              <a:buChar char="•"/>
+            </a:pPr>
+            <a:r>
+              <a:rPr lang="en-US" sz="2000" b="0" i="0" dirty="0">
+                <a:effectLst/>
+                <a:latin typeface="urw-din"/>
+              </a:rPr>
+              <a:t>Highly Scalable</a:t>
+            </a:r>
+          </a:p>
+          <a:p>
+            <a:pPr algn="l" fontAlgn="base">
+              <a:buFont typeface="Arial" panose="020B0604020202020204" pitchFamily="34" charset="0"/>
+              <a:buChar char="•"/>
+            </a:pPr>
+            <a:r>
+              <a:rPr lang="en-US" sz="2000" b="0" i="0" dirty="0">
+                <a:effectLst/>
+                <a:latin typeface="urw-din"/>
+              </a:rPr>
+              <a:t>Initialize a Node.js application by typing running the below command in the command window. Accept the standard settings.</a:t>
+            </a:r>
+          </a:p>
+        </p:txBody>
+      </p:sp>
+    </p:spTree>
+    <p:extLst>
+      <p:ext uri="{BB962C8B-B14F-4D97-AF65-F5344CB8AC3E}">
+        <p14:creationId xmlns:p14="http://schemas.microsoft.com/office/powerpoint/2010/main" val="3518587082"/>
+      </p:ext>
+    </p:extLst>
+  </p:cSld>
+  <p:clrMapOvr>
+    <a:masterClrMapping/>
+  </p:clrMapOvr>
+</p:sld>
+</file>
+
+<file path=ppt/slides/slide13.xml><?xml version="1.0" encoding="utf-8"?>
+<p:sld xmlns:a="http://schemas.openxmlformats.org/drawingml/2006/main" xmlns:r="http://schemas.openxmlformats.org/officeDocument/2006/relationships" xmlns:p="http://schemas.openxmlformats.org/presentationml/2006/main">
+  <p:cSld>
+    <p:spTree>
+      <p:nvGrpSpPr>
+        <p:cNvPr id="1" name=""/>
+        <p:cNvGrpSpPr/>
+        <p:nvPr/>
+      </p:nvGrpSpPr>
+      <p:grpSpPr>
+        <a:xfrm>
+          <a:off x="0" y="0"/>
+          <a:ext cx="0" cy="0"/>
+          <a:chOff x="0" y="0"/>
+          <a:chExt cx="0" cy="0"/>
+        </a:xfrm>
+      </p:grpSpPr>
       <p:sp>
         <p:nvSpPr>
           <p:cNvPr id="2" name="Title 1"/>
@@ -4311,11 +4402,642 @@
             </a:lvl9pPr>
           </a:lstStyle>
           <a:p>
+            <a:r>
+              <a:rPr lang="en-GB" altLang="en-US">
+                <a:solidFill>
+                  <a:schemeClr val="accent1"/>
+                </a:solidFill>
+                <a:effectLst>
+                  <a:outerShdw blurRad="38100" dist="25400" dir="5400000" algn="ctr" rotWithShape="0">
+                    <a:srgbClr val="6E747A">
+                      <a:alpha val="43000"/>
+                    </a:srgbClr>
+                  </a:outerShdw>
+                </a:effectLst>
+              </a:rPr>
+              <a:t>Architecture</a:t>
+            </a:r>
+          </a:p>
+        </p:txBody>
+      </p:sp>
+      <p:pic>
+        <p:nvPicPr>
+          <p:cNvPr id="5" name="Picture 4"/>
+          <p:cNvPicPr>
+            <a:picLocks noChangeAspect="1"/>
+          </p:cNvPicPr>
+          <p:nvPr/>
+        </p:nvPicPr>
+        <p:blipFill>
+          <a:blip r:embed="rId2">
+            <a:extLst>
+              <a:ext uri="{28A0092B-C50C-407E-A947-70E740481C1C}">
+                <a14:useLocalDpi xmlns:a14="http://schemas.microsoft.com/office/drawing/2010/main" val="0"/>
+              </a:ext>
+            </a:extLst>
+          </a:blip>
+          <a:stretch>
+            <a:fillRect/>
+          </a:stretch>
+        </p:blipFill>
+        <p:spPr>
+          <a:xfrm>
+            <a:off x="3265214" y="1544494"/>
+            <a:ext cx="4878705" cy="4159250"/>
+          </a:xfrm>
+          <a:prstGeom prst="rect">
+            <a:avLst/>
+          </a:prstGeom>
+        </p:spPr>
+      </p:pic>
+    </p:spTree>
+  </p:cSld>
+  <p:clrMapOvr>
+    <a:masterClrMapping/>
+  </p:clrMapOvr>
+</p:sld>
+</file>
+
+<file path=ppt/slides/slide14.xml><?xml version="1.0" encoding="utf-8"?>
+<p:sld xmlns:a="http://schemas.openxmlformats.org/drawingml/2006/main" xmlns:r="http://schemas.openxmlformats.org/officeDocument/2006/relationships" xmlns:p="http://schemas.openxmlformats.org/presentationml/2006/main">
+  <p:cSld>
+    <p:spTree>
+      <p:nvGrpSpPr>
+        <p:cNvPr id="1" name=""/>
+        <p:cNvGrpSpPr/>
+        <p:nvPr/>
+      </p:nvGrpSpPr>
+      <p:grpSpPr>
+        <a:xfrm>
+          <a:off x="0" y="0"/>
+          <a:ext cx="0" cy="0"/>
+          <a:chOff x="0" y="0"/>
+          <a:chExt cx="0" cy="0"/>
+        </a:xfrm>
+      </p:grpSpPr>
+      <p:sp>
+        <p:nvSpPr>
+          <p:cNvPr id="2" name="Title 1"/>
+          <p:cNvSpPr>
+            <a:spLocks noGrp="1"/>
+          </p:cNvSpPr>
+          <p:nvPr/>
+        </p:nvSpPr>
+        <p:spPr>
+          <a:xfrm>
+            <a:off x="609600" y="657860"/>
+            <a:ext cx="10972800" cy="582613"/>
+          </a:xfrm>
+          <a:prstGeom prst="rect">
+            <a:avLst/>
+          </a:prstGeom>
+          <a:noFill/>
+          <a:ln w="9525">
+            <a:noFill/>
+          </a:ln>
+        </p:spPr>
+        <p:txBody>
+          <a:bodyPr anchor="ctr" anchorCtr="0">
+            <a:scene3d>
+              <a:camera prst="orthographicFront"/>
+              <a:lightRig rig="threePt" dir="t"/>
+            </a:scene3d>
+          </a:bodyPr>
+          <a:lstStyle>
+            <a:lvl1pPr algn="l" rtl="0" fontAlgn="base">
+              <a:spcBef>
+                <a:spcPct val="0"/>
+              </a:spcBef>
+              <a:spcAft>
+                <a:spcPct val="0"/>
+              </a:spcAft>
+              <a:defRPr sz="3600" kern="1200">
+                <a:solidFill>
+                  <a:schemeClr val="tx1"/>
+                </a:solidFill>
+                <a:latin typeface="+mj-lt"/>
+                <a:ea typeface="+mj-ea"/>
+                <a:cs typeface="+mj-cs"/>
+              </a:defRPr>
+            </a:lvl1pPr>
+            <a:lvl2pPr algn="l" rtl="0" fontAlgn="base">
+              <a:spcBef>
+                <a:spcPct val="0"/>
+              </a:spcBef>
+              <a:spcAft>
+                <a:spcPct val="0"/>
+              </a:spcAft>
+              <a:defRPr sz="3600">
+                <a:solidFill>
+                  <a:schemeClr val="tx1"/>
+                </a:solidFill>
+                <a:latin typeface="Arial" panose="020B0604020202020204" pitchFamily="34" charset="0"/>
+                <a:ea typeface="SimSun" panose="02010600030101010101" pitchFamily="2" charset="-122"/>
+              </a:defRPr>
+            </a:lvl2pPr>
+            <a:lvl3pPr algn="l" rtl="0" fontAlgn="base">
+              <a:spcBef>
+                <a:spcPct val="0"/>
+              </a:spcBef>
+              <a:spcAft>
+                <a:spcPct val="0"/>
+              </a:spcAft>
+              <a:defRPr sz="3600">
+                <a:solidFill>
+                  <a:schemeClr val="tx1"/>
+                </a:solidFill>
+                <a:latin typeface="Arial" panose="020B0604020202020204" pitchFamily="34" charset="0"/>
+                <a:ea typeface="SimSun" panose="02010600030101010101" pitchFamily="2" charset="-122"/>
+              </a:defRPr>
+            </a:lvl3pPr>
+            <a:lvl4pPr algn="l" rtl="0" fontAlgn="base">
+              <a:spcBef>
+                <a:spcPct val="0"/>
+              </a:spcBef>
+              <a:spcAft>
+                <a:spcPct val="0"/>
+              </a:spcAft>
+              <a:defRPr sz="3600">
+                <a:solidFill>
+                  <a:schemeClr val="tx1"/>
+                </a:solidFill>
+                <a:latin typeface="Arial" panose="020B0604020202020204" pitchFamily="34" charset="0"/>
+                <a:ea typeface="SimSun" panose="02010600030101010101" pitchFamily="2" charset="-122"/>
+              </a:defRPr>
+            </a:lvl4pPr>
+            <a:lvl5pPr algn="l" rtl="0" fontAlgn="base">
+              <a:spcBef>
+                <a:spcPct val="0"/>
+              </a:spcBef>
+              <a:spcAft>
+                <a:spcPct val="0"/>
+              </a:spcAft>
+              <a:defRPr sz="3600">
+                <a:solidFill>
+                  <a:schemeClr val="tx1"/>
+                </a:solidFill>
+                <a:latin typeface="Arial" panose="020B0604020202020204" pitchFamily="34" charset="0"/>
+                <a:ea typeface="SimSun" panose="02010600030101010101" pitchFamily="2" charset="-122"/>
+              </a:defRPr>
+            </a:lvl5pPr>
+            <a:lvl6pPr marL="457200" algn="l" rtl="0" fontAlgn="base">
+              <a:spcBef>
+                <a:spcPct val="0"/>
+              </a:spcBef>
+              <a:spcAft>
+                <a:spcPct val="0"/>
+              </a:spcAft>
+              <a:defRPr sz="3600">
+                <a:solidFill>
+                  <a:schemeClr val="tx1"/>
+                </a:solidFill>
+                <a:latin typeface="Arial" panose="020B0604020202020204" pitchFamily="34" charset="0"/>
+                <a:ea typeface="SimSun" panose="02010600030101010101" pitchFamily="2" charset="-122"/>
+              </a:defRPr>
+            </a:lvl6pPr>
+            <a:lvl7pPr marL="914400" algn="l" rtl="0" fontAlgn="base">
+              <a:spcBef>
+                <a:spcPct val="0"/>
+              </a:spcBef>
+              <a:spcAft>
+                <a:spcPct val="0"/>
+              </a:spcAft>
+              <a:defRPr sz="3600">
+                <a:solidFill>
+                  <a:schemeClr val="tx1"/>
+                </a:solidFill>
+                <a:latin typeface="Arial" panose="020B0604020202020204" pitchFamily="34" charset="0"/>
+                <a:ea typeface="SimSun" panose="02010600030101010101" pitchFamily="2" charset="-122"/>
+              </a:defRPr>
+            </a:lvl7pPr>
+            <a:lvl8pPr marL="1371600" algn="l" rtl="0" fontAlgn="base">
+              <a:spcBef>
+                <a:spcPct val="0"/>
+              </a:spcBef>
+              <a:spcAft>
+                <a:spcPct val="0"/>
+              </a:spcAft>
+              <a:defRPr sz="3600">
+                <a:solidFill>
+                  <a:schemeClr val="tx1"/>
+                </a:solidFill>
+                <a:latin typeface="Arial" panose="020B0604020202020204" pitchFamily="34" charset="0"/>
+                <a:ea typeface="SimSun" panose="02010600030101010101" pitchFamily="2" charset="-122"/>
+              </a:defRPr>
+            </a:lvl8pPr>
+            <a:lvl9pPr marL="1828800" algn="l" rtl="0" fontAlgn="base">
+              <a:spcBef>
+                <a:spcPct val="0"/>
+              </a:spcBef>
+              <a:spcAft>
+                <a:spcPct val="0"/>
+              </a:spcAft>
+              <a:defRPr sz="3600">
+                <a:solidFill>
+                  <a:schemeClr val="tx1"/>
+                </a:solidFill>
+                <a:latin typeface="Arial" panose="020B0604020202020204" pitchFamily="34" charset="0"/>
+                <a:ea typeface="SimSun" panose="02010600030101010101" pitchFamily="2" charset="-122"/>
+              </a:defRPr>
+            </a:lvl9pPr>
+          </a:lstStyle>
+          <a:p>
+            <a:r>
+              <a:rPr lang="en-GB" altLang="en-US">
+                <a:solidFill>
+                  <a:schemeClr val="accent1"/>
+                </a:solidFill>
+                <a:effectLst>
+                  <a:outerShdw blurRad="38100" dist="25400" dir="5400000" algn="ctr" rotWithShape="0">
+                    <a:srgbClr val="6E747A">
+                      <a:alpha val="43000"/>
+                    </a:srgbClr>
+                  </a:outerShdw>
+                </a:effectLst>
+              </a:rPr>
+              <a:t>Hardware / Software Specification</a:t>
+            </a:r>
+          </a:p>
+        </p:txBody>
+      </p:sp>
+      <p:sp>
+        <p:nvSpPr>
+          <p:cNvPr id="4" name="Text Box 3"/>
+          <p:cNvSpPr txBox="1"/>
+          <p:nvPr/>
+        </p:nvSpPr>
+        <p:spPr>
+          <a:xfrm>
+            <a:off x="977265" y="1691640"/>
+            <a:ext cx="8961755" cy="3969385"/>
+          </a:xfrm>
+          <a:prstGeom prst="rect">
+            <a:avLst/>
+          </a:prstGeom>
+          <a:noFill/>
+        </p:spPr>
+        <p:txBody>
+          <a:bodyPr wrap="square" rtlCol="0">
+            <a:spAutoFit/>
+          </a:bodyPr>
+          <a:lstStyle/>
+          <a:p>
+            <a:pPr indent="0">
+              <a:buFont typeface="Arial" panose="020B0604020202020204" pitchFamily="34" charset="0"/>
+              <a:buNone/>
+            </a:pPr>
+            <a:r>
+              <a:rPr lang="en-IN" sz="2400" dirty="0">
+                <a:solidFill>
+                  <a:schemeClr val="tx1"/>
+                </a:solidFill>
+                <a:effectLst>
+                  <a:outerShdw blurRad="38100" dist="19050" dir="2700000" algn="tl" rotWithShape="0">
+                    <a:schemeClr val="dk1">
+                      <a:alpha val="40000"/>
+                    </a:schemeClr>
+                  </a:outerShdw>
+                </a:effectLst>
+                <a:sym typeface="+mn-ea"/>
+              </a:rPr>
+              <a:t>Hardware used</a:t>
+            </a:r>
+            <a:endParaRPr lang="en-IN" sz="2400" dirty="0">
+              <a:solidFill>
+                <a:schemeClr val="tx1"/>
+              </a:solidFill>
+              <a:effectLst>
+                <a:outerShdw blurRad="38100" dist="19050" dir="2700000" algn="tl" rotWithShape="0">
+                  <a:schemeClr val="dk1">
+                    <a:alpha val="40000"/>
+                  </a:schemeClr>
+                </a:outerShdw>
+              </a:effectLst>
+            </a:endParaRPr>
+          </a:p>
+          <a:p>
+            <a:pPr marL="342900" indent="-342900">
+              <a:buFont typeface="Arial" panose="020B0604020202020204" pitchFamily="34" charset="0"/>
+              <a:buChar char="•"/>
+            </a:pPr>
+            <a:endParaRPr lang="en-GB" altLang="en-IN" sz="2000" dirty="0">
+              <a:sym typeface="+mn-ea"/>
+            </a:endParaRPr>
+          </a:p>
+          <a:p>
+            <a:pPr marL="800100" lvl="1" indent="-342900">
+              <a:buFont typeface="Arial" panose="020B0604020202020204" pitchFamily="34" charset="0"/>
+              <a:buChar char="•"/>
+            </a:pPr>
+            <a:r>
+              <a:rPr lang="en-GB" altLang="en-IN" sz="2000" dirty="0">
+                <a:sym typeface="+mn-ea"/>
+              </a:rPr>
+              <a:t>Processor: i3 or better</a:t>
+            </a:r>
+            <a:endParaRPr lang="en-GB" altLang="en-IN" sz="2000" dirty="0"/>
+          </a:p>
+          <a:p>
+            <a:pPr marL="800100" lvl="1" indent="-342900">
+              <a:buFont typeface="Arial" panose="020B0604020202020204" pitchFamily="34" charset="0"/>
+              <a:buChar char="•"/>
+            </a:pPr>
+            <a:r>
+              <a:rPr lang="en-GB" altLang="en-IN" sz="2000" dirty="0">
+                <a:sym typeface="+mn-ea"/>
+              </a:rPr>
+              <a:t>RAM: 2GB or more</a:t>
+            </a:r>
+            <a:endParaRPr lang="en-IN" sz="2000" dirty="0"/>
+          </a:p>
+          <a:p>
+            <a:pPr marL="800100" lvl="1" indent="-342900">
+              <a:buFont typeface="Arial" panose="020B0604020202020204" pitchFamily="34" charset="0"/>
+              <a:buChar char="•"/>
+            </a:pPr>
+            <a:r>
+              <a:rPr lang="en-GB" altLang="en-IN" sz="2000" dirty="0">
+                <a:sym typeface="+mn-ea"/>
+              </a:rPr>
+              <a:t>Storage: 2GB or more</a:t>
+            </a:r>
+          </a:p>
+          <a:p>
+            <a:pPr marL="342900" indent="-342900">
+              <a:buFont typeface="Arial" panose="020B0604020202020204" pitchFamily="34" charset="0"/>
+              <a:buChar char="•"/>
+            </a:pPr>
+            <a:endParaRPr lang="en-GB" altLang="en-IN" sz="2000" dirty="0">
+              <a:sym typeface="+mn-ea"/>
+            </a:endParaRPr>
+          </a:p>
+          <a:p>
+            <a:pPr indent="0">
+              <a:buFont typeface="Arial" panose="020B0604020202020204" pitchFamily="34" charset="0"/>
+              <a:buNone/>
+            </a:pPr>
+            <a:r>
+              <a:rPr lang="en-IN" sz="2400" dirty="0">
+                <a:solidFill>
+                  <a:schemeClr val="tx1"/>
+                </a:solidFill>
+                <a:effectLst>
+                  <a:outerShdw blurRad="38100" dist="19050" dir="2700000" algn="tl" rotWithShape="0">
+                    <a:schemeClr val="dk1">
+                      <a:alpha val="40000"/>
+                    </a:schemeClr>
+                  </a:outerShdw>
+                </a:effectLst>
+                <a:sym typeface="+mn-ea"/>
+              </a:rPr>
+              <a:t>Software used</a:t>
+            </a:r>
+          </a:p>
+          <a:p>
+            <a:pPr indent="0">
+              <a:buFont typeface="Arial" panose="020B0604020202020204" pitchFamily="34" charset="0"/>
+              <a:buNone/>
+            </a:pPr>
+            <a:endParaRPr lang="en-IN" sz="2400" b="1" dirty="0">
+              <a:sym typeface="+mn-ea"/>
+            </a:endParaRPr>
+          </a:p>
+          <a:p>
+            <a:pPr marL="800100" lvl="1" indent="-342900" algn="l">
+              <a:buFont typeface="Arial" panose="020B0604020202020204" pitchFamily="34" charset="0"/>
+              <a:buChar char="•"/>
+            </a:pPr>
+            <a:r>
+              <a:rPr lang="en-GB" altLang="en-IN" sz="2000" dirty="0">
+                <a:sym typeface="+mn-ea"/>
+              </a:rPr>
+              <a:t>Editor: Visual Studio Code</a:t>
+            </a:r>
+            <a:endParaRPr lang="en-GB" altLang="en-IN" sz="2000" dirty="0"/>
+          </a:p>
+          <a:p>
+            <a:pPr marL="800100" lvl="1" indent="-342900">
+              <a:buFont typeface="Arial" panose="020B0604020202020204" pitchFamily="34" charset="0"/>
+              <a:buChar char="•"/>
+            </a:pPr>
+            <a:r>
+              <a:rPr lang="en-GB" altLang="en-IN" sz="2000" dirty="0">
+                <a:sym typeface="+mn-ea"/>
+              </a:rPr>
+              <a:t>Browser: Chrome or Firefox</a:t>
+            </a:r>
+            <a:endParaRPr lang="en-GB" altLang="en-IN" sz="2000" dirty="0"/>
+          </a:p>
+          <a:p>
+            <a:pPr marL="800100" lvl="1" indent="-342900">
+              <a:buFont typeface="Arial" panose="020B0604020202020204" pitchFamily="34" charset="0"/>
+              <a:buChar char="•"/>
+            </a:pPr>
+            <a:r>
+              <a:rPr lang="en-GB" altLang="en-IN" sz="2000" dirty="0">
+                <a:sym typeface="+mn-ea"/>
+              </a:rPr>
+              <a:t>Version Control: Git</a:t>
+            </a:r>
+            <a:endParaRPr lang="en-GB" altLang="en-IN" sz="2000" dirty="0"/>
+          </a:p>
+          <a:p>
+            <a:endParaRPr lang="en-GB" altLang="en-US" sz="2000"/>
+          </a:p>
+        </p:txBody>
+      </p:sp>
+    </p:spTree>
+  </p:cSld>
+  <p:clrMapOvr>
+    <a:masterClrMapping/>
+  </p:clrMapOvr>
+</p:sld>
+</file>
+
+<file path=ppt/slides/slide15.xml><?xml version="1.0" encoding="utf-8"?>
+<p:sld xmlns:a="http://schemas.openxmlformats.org/drawingml/2006/main" xmlns:r="http://schemas.openxmlformats.org/officeDocument/2006/relationships" xmlns:p="http://schemas.openxmlformats.org/presentationml/2006/main">
+  <p:cSld>
+    <p:spTree>
+      <p:nvGrpSpPr>
+        <p:cNvPr id="1" name=""/>
+        <p:cNvGrpSpPr/>
+        <p:nvPr/>
+      </p:nvGrpSpPr>
+      <p:grpSpPr>
+        <a:xfrm>
+          <a:off x="0" y="0"/>
+          <a:ext cx="0" cy="0"/>
+          <a:chOff x="0" y="0"/>
+          <a:chExt cx="0" cy="0"/>
+        </a:xfrm>
+      </p:grpSpPr>
+      <p:sp>
+        <p:nvSpPr>
+          <p:cNvPr id="2" name="Title 1"/>
+          <p:cNvSpPr>
+            <a:spLocks noGrp="1"/>
+          </p:cNvSpPr>
+          <p:nvPr/>
+        </p:nvSpPr>
+        <p:spPr>
+          <a:xfrm>
+            <a:off x="609600" y="657860"/>
+            <a:ext cx="10972800" cy="582613"/>
+          </a:xfrm>
+          <a:prstGeom prst="rect">
+            <a:avLst/>
+          </a:prstGeom>
+          <a:noFill/>
+          <a:ln w="9525">
+            <a:noFill/>
+          </a:ln>
+        </p:spPr>
+        <p:txBody>
+          <a:bodyPr anchor="ctr" anchorCtr="0"/>
+          <a:lstStyle>
+            <a:lvl1pPr algn="l" rtl="0" fontAlgn="base">
+              <a:spcBef>
+                <a:spcPct val="0"/>
+              </a:spcBef>
+              <a:spcAft>
+                <a:spcPct val="0"/>
+              </a:spcAft>
+              <a:defRPr sz="3600" kern="1200">
+                <a:solidFill>
+                  <a:schemeClr val="tx1"/>
+                </a:solidFill>
+                <a:latin typeface="+mj-lt"/>
+                <a:ea typeface="+mj-ea"/>
+                <a:cs typeface="+mj-cs"/>
+              </a:defRPr>
+            </a:lvl1pPr>
+            <a:lvl2pPr algn="l" rtl="0" fontAlgn="base">
+              <a:spcBef>
+                <a:spcPct val="0"/>
+              </a:spcBef>
+              <a:spcAft>
+                <a:spcPct val="0"/>
+              </a:spcAft>
+              <a:defRPr sz="3600">
+                <a:solidFill>
+                  <a:schemeClr val="tx1"/>
+                </a:solidFill>
+                <a:latin typeface="Arial" panose="020B0604020202020204" pitchFamily="34" charset="0"/>
+                <a:ea typeface="SimSun" panose="02010600030101010101" pitchFamily="2" charset="-122"/>
+              </a:defRPr>
+            </a:lvl2pPr>
+            <a:lvl3pPr algn="l" rtl="0" fontAlgn="base">
+              <a:spcBef>
+                <a:spcPct val="0"/>
+              </a:spcBef>
+              <a:spcAft>
+                <a:spcPct val="0"/>
+              </a:spcAft>
+              <a:defRPr sz="3600">
+                <a:solidFill>
+                  <a:schemeClr val="tx1"/>
+                </a:solidFill>
+                <a:latin typeface="Arial" panose="020B0604020202020204" pitchFamily="34" charset="0"/>
+                <a:ea typeface="SimSun" panose="02010600030101010101" pitchFamily="2" charset="-122"/>
+              </a:defRPr>
+            </a:lvl3pPr>
+            <a:lvl4pPr algn="l" rtl="0" fontAlgn="base">
+              <a:spcBef>
+                <a:spcPct val="0"/>
+              </a:spcBef>
+              <a:spcAft>
+                <a:spcPct val="0"/>
+              </a:spcAft>
+              <a:defRPr sz="3600">
+                <a:solidFill>
+                  <a:schemeClr val="tx1"/>
+                </a:solidFill>
+                <a:latin typeface="Arial" panose="020B0604020202020204" pitchFamily="34" charset="0"/>
+                <a:ea typeface="SimSun" panose="02010600030101010101" pitchFamily="2" charset="-122"/>
+              </a:defRPr>
+            </a:lvl4pPr>
+            <a:lvl5pPr algn="l" rtl="0" fontAlgn="base">
+              <a:spcBef>
+                <a:spcPct val="0"/>
+              </a:spcBef>
+              <a:spcAft>
+                <a:spcPct val="0"/>
+              </a:spcAft>
+              <a:defRPr sz="3600">
+                <a:solidFill>
+                  <a:schemeClr val="tx1"/>
+                </a:solidFill>
+                <a:latin typeface="Arial" panose="020B0604020202020204" pitchFamily="34" charset="0"/>
+                <a:ea typeface="SimSun" panose="02010600030101010101" pitchFamily="2" charset="-122"/>
+              </a:defRPr>
+            </a:lvl5pPr>
+            <a:lvl6pPr marL="457200" algn="l" rtl="0" fontAlgn="base">
+              <a:spcBef>
+                <a:spcPct val="0"/>
+              </a:spcBef>
+              <a:spcAft>
+                <a:spcPct val="0"/>
+              </a:spcAft>
+              <a:defRPr sz="3600">
+                <a:solidFill>
+                  <a:schemeClr val="tx1"/>
+                </a:solidFill>
+                <a:latin typeface="Arial" panose="020B0604020202020204" pitchFamily="34" charset="0"/>
+                <a:ea typeface="SimSun" panose="02010600030101010101" pitchFamily="2" charset="-122"/>
+              </a:defRPr>
+            </a:lvl6pPr>
+            <a:lvl7pPr marL="914400" algn="l" rtl="0" fontAlgn="base">
+              <a:spcBef>
+                <a:spcPct val="0"/>
+              </a:spcBef>
+              <a:spcAft>
+                <a:spcPct val="0"/>
+              </a:spcAft>
+              <a:defRPr sz="3600">
+                <a:solidFill>
+                  <a:schemeClr val="tx1"/>
+                </a:solidFill>
+                <a:latin typeface="Arial" panose="020B0604020202020204" pitchFamily="34" charset="0"/>
+                <a:ea typeface="SimSun" panose="02010600030101010101" pitchFamily="2" charset="-122"/>
+              </a:defRPr>
+            </a:lvl7pPr>
+            <a:lvl8pPr marL="1371600" algn="l" rtl="0" fontAlgn="base">
+              <a:spcBef>
+                <a:spcPct val="0"/>
+              </a:spcBef>
+              <a:spcAft>
+                <a:spcPct val="0"/>
+              </a:spcAft>
+              <a:defRPr sz="3600">
+                <a:solidFill>
+                  <a:schemeClr val="tx1"/>
+                </a:solidFill>
+                <a:latin typeface="Arial" panose="020B0604020202020204" pitchFamily="34" charset="0"/>
+                <a:ea typeface="SimSun" panose="02010600030101010101" pitchFamily="2" charset="-122"/>
+              </a:defRPr>
+            </a:lvl8pPr>
+            <a:lvl9pPr marL="1828800" algn="l" rtl="0" fontAlgn="base">
+              <a:spcBef>
+                <a:spcPct val="0"/>
+              </a:spcBef>
+              <a:spcAft>
+                <a:spcPct val="0"/>
+              </a:spcAft>
+              <a:defRPr sz="3600">
+                <a:solidFill>
+                  <a:schemeClr val="tx1"/>
+                </a:solidFill>
+                <a:latin typeface="Arial" panose="020B0604020202020204" pitchFamily="34" charset="0"/>
+                <a:ea typeface="SimSun" panose="02010600030101010101" pitchFamily="2" charset="-122"/>
+              </a:defRPr>
+            </a:lvl9pPr>
+          </a:lstStyle>
+          <a:p>
             <a:pPr indent="0" algn="just">
               <a:buNone/>
             </a:pPr>
             <a:r>
-              <a:rPr lang="en-GB" altLang="en-IN" dirty="0">
+              <a:rPr lang="en-IN" dirty="0">
                 <a:solidFill>
                   <a:schemeClr val="accent1"/>
                 </a:solidFill>
@@ -4328,9 +5050,9 @@
                 </a:effectLst>
                 <a:sym typeface="+mn-ea"/>
               </a:rPr>
-              <a:t>Project Flow Diagram</a:t>
-            </a:r>
-            <a:endParaRPr lang="en-GB" altLang="en-IN" dirty="0">
+              <a:t>Feasibility Study</a:t>
+            </a:r>
+            <a:endParaRPr lang="en-IN" altLang="en-US" dirty="0">
               <a:solidFill>
                 <a:schemeClr val="accent1"/>
               </a:solidFill>
@@ -4346,6 +5068,656 @@
           </a:p>
         </p:txBody>
       </p:sp>
+      <p:sp>
+        <p:nvSpPr>
+          <p:cNvPr id="3" name="Text Box 2"/>
+          <p:cNvSpPr txBox="1"/>
+          <p:nvPr/>
+        </p:nvSpPr>
+        <p:spPr>
+          <a:xfrm>
+            <a:off x="742950" y="1400810"/>
+            <a:ext cx="7414260" cy="5323205"/>
+          </a:xfrm>
+          <a:prstGeom prst="rect">
+            <a:avLst/>
+          </a:prstGeom>
+          <a:noFill/>
+        </p:spPr>
+        <p:txBody>
+          <a:bodyPr wrap="square" rtlCol="0">
+            <a:spAutoFit/>
+          </a:bodyPr>
+          <a:lstStyle/>
+          <a:p>
+            <a:pPr marL="342900" indent="-342900">
+              <a:buFont typeface="Wingdings" panose="05000000000000000000" charset="0"/>
+              <a:buChar char="Ø"/>
+            </a:pPr>
+            <a:r>
+              <a:rPr lang="en-GB" altLang="en-US" sz="2000" b="1"/>
+              <a:t>Technical feasibility</a:t>
+            </a:r>
+            <a:r>
+              <a:rPr lang="en-GB" altLang="en-US" sz="2000"/>
+              <a:t> – Project is technically feasible as all the technical requirements have been analysed and are easily obtainable.</a:t>
+            </a:r>
+          </a:p>
+          <a:p>
+            <a:pPr marL="342900" indent="-342900">
+              <a:buFont typeface="Wingdings" panose="05000000000000000000" charset="0"/>
+              <a:buChar char="Ø"/>
+            </a:pPr>
+            <a:endParaRPr lang="en-GB" altLang="en-US" sz="2000"/>
+          </a:p>
+          <a:p>
+            <a:pPr marL="342900" indent="-342900">
+              <a:buFont typeface="Wingdings" panose="05000000000000000000" charset="0"/>
+              <a:buChar char="Ø"/>
+            </a:pPr>
+            <a:r>
+              <a:rPr lang="en-GB" altLang="en-US" sz="2000" b="1"/>
+              <a:t>Operational feasibility</a:t>
+            </a:r>
+            <a:r>
+              <a:rPr lang="en-GB" altLang="en-US" sz="2000"/>
+              <a:t> – Project is operationally feasible as the project will contain an easy to use gui and a guide.</a:t>
+            </a:r>
+          </a:p>
+          <a:p>
+            <a:pPr marL="342900" indent="-342900">
+              <a:buFont typeface="Wingdings" panose="05000000000000000000" charset="0"/>
+              <a:buChar char="Ø"/>
+            </a:pPr>
+            <a:endParaRPr lang="en-GB" altLang="en-US" sz="2000"/>
+          </a:p>
+          <a:p>
+            <a:pPr marL="342900" indent="-342900">
+              <a:buFont typeface="Wingdings" panose="05000000000000000000" charset="0"/>
+              <a:buChar char="Ø"/>
+            </a:pPr>
+            <a:r>
+              <a:rPr lang="en-GB" altLang="en-US" sz="2000" b="1"/>
+              <a:t>Economic feasibility</a:t>
+            </a:r>
+            <a:r>
+              <a:rPr lang="en-GB" altLang="en-US" sz="2000"/>
+              <a:t> – project is economically feasible as it will be build using open source softwares and library which are free to use.</a:t>
+            </a:r>
+          </a:p>
+          <a:p>
+            <a:pPr marL="342900" indent="-342900">
+              <a:buFont typeface="Wingdings" panose="05000000000000000000" charset="0"/>
+              <a:buChar char="Ø"/>
+            </a:pPr>
+            <a:endParaRPr lang="en-GB" altLang="en-US" sz="2000"/>
+          </a:p>
+          <a:p>
+            <a:pPr marL="342900" indent="-342900">
+              <a:buFont typeface="Wingdings" panose="05000000000000000000" charset="0"/>
+              <a:buChar char="Ø"/>
+            </a:pPr>
+            <a:r>
+              <a:rPr lang="en-GB" altLang="en-US" sz="2000" b="1"/>
+              <a:t>Legal feasibility</a:t>
+            </a:r>
+            <a:r>
+              <a:rPr lang="en-GB" altLang="en-US" sz="2000"/>
+              <a:t> – Project is legally feasible as all modules used permit usage from open source and non-monetized applications.</a:t>
+            </a:r>
+          </a:p>
+          <a:p>
+            <a:pPr marL="342900" indent="-342900">
+              <a:buFont typeface="Wingdings" panose="05000000000000000000" charset="0"/>
+              <a:buChar char="Ø"/>
+            </a:pPr>
+            <a:endParaRPr lang="en-GB" altLang="en-US" sz="2000"/>
+          </a:p>
+          <a:p>
+            <a:pPr marL="342900" indent="-342900">
+              <a:buFont typeface="Wingdings" panose="05000000000000000000" charset="0"/>
+              <a:buChar char="Ø"/>
+            </a:pPr>
+            <a:r>
+              <a:rPr lang="en-GB" altLang="en-US" sz="2000" b="1"/>
+              <a:t>Schedule feasibility</a:t>
+            </a:r>
+            <a:r>
+              <a:rPr lang="en-GB" altLang="en-US" sz="2000"/>
+              <a:t> – Project is schedule feasible as the project can be completed within the said deadline.</a:t>
+            </a:r>
+          </a:p>
+        </p:txBody>
+      </p:sp>
+    </p:spTree>
+  </p:cSld>
+  <p:clrMapOvr>
+    <a:masterClrMapping/>
+  </p:clrMapOvr>
+</p:sld>
+</file>
+
+<file path=ppt/slides/slide16.xml><?xml version="1.0" encoding="utf-8"?>
+<p:sld xmlns:a="http://schemas.openxmlformats.org/drawingml/2006/main" xmlns:r="http://schemas.openxmlformats.org/officeDocument/2006/relationships" xmlns:p="http://schemas.openxmlformats.org/presentationml/2006/main">
+  <p:cSld>
+    <p:spTree>
+      <p:nvGrpSpPr>
+        <p:cNvPr id="1" name=""/>
+        <p:cNvGrpSpPr/>
+        <p:nvPr/>
+      </p:nvGrpSpPr>
+      <p:grpSpPr>
+        <a:xfrm>
+          <a:off x="0" y="0"/>
+          <a:ext cx="0" cy="0"/>
+          <a:chOff x="0" y="0"/>
+          <a:chExt cx="0" cy="0"/>
+        </a:xfrm>
+      </p:grpSpPr>
+      <p:sp>
+        <p:nvSpPr>
+          <p:cNvPr id="2" name="Title 1"/>
+          <p:cNvSpPr>
+            <a:spLocks noGrp="1"/>
+          </p:cNvSpPr>
+          <p:nvPr/>
+        </p:nvSpPr>
+        <p:spPr>
+          <a:xfrm>
+            <a:off x="609600" y="657860"/>
+            <a:ext cx="10972800" cy="582613"/>
+          </a:xfrm>
+          <a:prstGeom prst="rect">
+            <a:avLst/>
+          </a:prstGeom>
+          <a:noFill/>
+          <a:ln w="9525">
+            <a:noFill/>
+          </a:ln>
+        </p:spPr>
+        <p:txBody>
+          <a:bodyPr anchor="ctr" anchorCtr="0">
+            <a:scene3d>
+              <a:camera prst="orthographicFront"/>
+              <a:lightRig rig="threePt" dir="t"/>
+            </a:scene3d>
+          </a:bodyPr>
+          <a:lstStyle>
+            <a:lvl1pPr algn="l" rtl="0" fontAlgn="base">
+              <a:spcBef>
+                <a:spcPct val="0"/>
+              </a:spcBef>
+              <a:spcAft>
+                <a:spcPct val="0"/>
+              </a:spcAft>
+              <a:defRPr sz="3600" kern="1200">
+                <a:solidFill>
+                  <a:schemeClr val="tx1"/>
+                </a:solidFill>
+                <a:latin typeface="+mj-lt"/>
+                <a:ea typeface="+mj-ea"/>
+                <a:cs typeface="+mj-cs"/>
+              </a:defRPr>
+            </a:lvl1pPr>
+            <a:lvl2pPr algn="l" rtl="0" fontAlgn="base">
+              <a:spcBef>
+                <a:spcPct val="0"/>
+              </a:spcBef>
+              <a:spcAft>
+                <a:spcPct val="0"/>
+              </a:spcAft>
+              <a:defRPr sz="3600">
+                <a:solidFill>
+                  <a:schemeClr val="tx1"/>
+                </a:solidFill>
+                <a:latin typeface="Arial" panose="020B0604020202020204" pitchFamily="34" charset="0"/>
+                <a:ea typeface="SimSun" panose="02010600030101010101" pitchFamily="2" charset="-122"/>
+              </a:defRPr>
+            </a:lvl2pPr>
+            <a:lvl3pPr algn="l" rtl="0" fontAlgn="base">
+              <a:spcBef>
+                <a:spcPct val="0"/>
+              </a:spcBef>
+              <a:spcAft>
+                <a:spcPct val="0"/>
+              </a:spcAft>
+              <a:defRPr sz="3600">
+                <a:solidFill>
+                  <a:schemeClr val="tx1"/>
+                </a:solidFill>
+                <a:latin typeface="Arial" panose="020B0604020202020204" pitchFamily="34" charset="0"/>
+                <a:ea typeface="SimSun" panose="02010600030101010101" pitchFamily="2" charset="-122"/>
+              </a:defRPr>
+            </a:lvl3pPr>
+            <a:lvl4pPr algn="l" rtl="0" fontAlgn="base">
+              <a:spcBef>
+                <a:spcPct val="0"/>
+              </a:spcBef>
+              <a:spcAft>
+                <a:spcPct val="0"/>
+              </a:spcAft>
+              <a:defRPr sz="3600">
+                <a:solidFill>
+                  <a:schemeClr val="tx1"/>
+                </a:solidFill>
+                <a:latin typeface="Arial" panose="020B0604020202020204" pitchFamily="34" charset="0"/>
+                <a:ea typeface="SimSun" panose="02010600030101010101" pitchFamily="2" charset="-122"/>
+              </a:defRPr>
+            </a:lvl4pPr>
+            <a:lvl5pPr algn="l" rtl="0" fontAlgn="base">
+              <a:spcBef>
+                <a:spcPct val="0"/>
+              </a:spcBef>
+              <a:spcAft>
+                <a:spcPct val="0"/>
+              </a:spcAft>
+              <a:defRPr sz="3600">
+                <a:solidFill>
+                  <a:schemeClr val="tx1"/>
+                </a:solidFill>
+                <a:latin typeface="Arial" panose="020B0604020202020204" pitchFamily="34" charset="0"/>
+                <a:ea typeface="SimSun" panose="02010600030101010101" pitchFamily="2" charset="-122"/>
+              </a:defRPr>
+            </a:lvl5pPr>
+            <a:lvl6pPr marL="457200" algn="l" rtl="0" fontAlgn="base">
+              <a:spcBef>
+                <a:spcPct val="0"/>
+              </a:spcBef>
+              <a:spcAft>
+                <a:spcPct val="0"/>
+              </a:spcAft>
+              <a:defRPr sz="3600">
+                <a:solidFill>
+                  <a:schemeClr val="tx1"/>
+                </a:solidFill>
+                <a:latin typeface="Arial" panose="020B0604020202020204" pitchFamily="34" charset="0"/>
+                <a:ea typeface="SimSun" panose="02010600030101010101" pitchFamily="2" charset="-122"/>
+              </a:defRPr>
+            </a:lvl6pPr>
+            <a:lvl7pPr marL="914400" algn="l" rtl="0" fontAlgn="base">
+              <a:spcBef>
+                <a:spcPct val="0"/>
+              </a:spcBef>
+              <a:spcAft>
+                <a:spcPct val="0"/>
+              </a:spcAft>
+              <a:defRPr sz="3600">
+                <a:solidFill>
+                  <a:schemeClr val="tx1"/>
+                </a:solidFill>
+                <a:latin typeface="Arial" panose="020B0604020202020204" pitchFamily="34" charset="0"/>
+                <a:ea typeface="SimSun" panose="02010600030101010101" pitchFamily="2" charset="-122"/>
+              </a:defRPr>
+            </a:lvl7pPr>
+            <a:lvl8pPr marL="1371600" algn="l" rtl="0" fontAlgn="base">
+              <a:spcBef>
+                <a:spcPct val="0"/>
+              </a:spcBef>
+              <a:spcAft>
+                <a:spcPct val="0"/>
+              </a:spcAft>
+              <a:defRPr sz="3600">
+                <a:solidFill>
+                  <a:schemeClr val="tx1"/>
+                </a:solidFill>
+                <a:latin typeface="Arial" panose="020B0604020202020204" pitchFamily="34" charset="0"/>
+                <a:ea typeface="SimSun" panose="02010600030101010101" pitchFamily="2" charset="-122"/>
+              </a:defRPr>
+            </a:lvl8pPr>
+            <a:lvl9pPr marL="1828800" algn="l" rtl="0" fontAlgn="base">
+              <a:spcBef>
+                <a:spcPct val="0"/>
+              </a:spcBef>
+              <a:spcAft>
+                <a:spcPct val="0"/>
+              </a:spcAft>
+              <a:defRPr sz="3600">
+                <a:solidFill>
+                  <a:schemeClr val="tx1"/>
+                </a:solidFill>
+                <a:latin typeface="Arial" panose="020B0604020202020204" pitchFamily="34" charset="0"/>
+                <a:ea typeface="SimSun" panose="02010600030101010101" pitchFamily="2" charset="-122"/>
+              </a:defRPr>
+            </a:lvl9pPr>
+          </a:lstStyle>
+          <a:p>
+            <a:pPr indent="0" algn="just">
+              <a:buNone/>
+            </a:pPr>
+            <a:r>
+              <a:rPr lang="en-GB" altLang="en-IN" dirty="0">
+                <a:solidFill>
+                  <a:schemeClr val="accent1"/>
+                </a:solidFill>
+                <a:effectLst>
+                  <a:outerShdw blurRad="38100" dist="25400" dir="5400000" algn="ctr" rotWithShape="0">
+                    <a:srgbClr val="6E747A">
+                      <a:alpha val="43000"/>
+                    </a:srgbClr>
+                  </a:outerShdw>
+                </a:effectLst>
+                <a:sym typeface="+mn-ea"/>
+              </a:rPr>
+              <a:t>Academic Objectives</a:t>
+            </a:r>
+          </a:p>
+        </p:txBody>
+      </p:sp>
+      <p:sp>
+        <p:nvSpPr>
+          <p:cNvPr id="3" name="Text Box 2"/>
+          <p:cNvSpPr txBox="1"/>
+          <p:nvPr/>
+        </p:nvSpPr>
+        <p:spPr>
+          <a:xfrm>
+            <a:off x="709930" y="1613535"/>
+            <a:ext cx="10109200" cy="2861310"/>
+          </a:xfrm>
+          <a:prstGeom prst="rect">
+            <a:avLst/>
+          </a:prstGeom>
+          <a:noFill/>
+        </p:spPr>
+        <p:txBody>
+          <a:bodyPr wrap="square" rtlCol="0">
+            <a:spAutoFit/>
+          </a:bodyPr>
+          <a:lstStyle/>
+          <a:p>
+            <a:pPr marL="285750" indent="-285750">
+              <a:buFont typeface="Wingdings" panose="05000000000000000000" charset="0"/>
+              <a:buChar char="Ø"/>
+            </a:pPr>
+            <a:r>
+              <a:rPr lang="en-GB" altLang="en-US" sz="2000"/>
+              <a:t>Devlope a web app which has the full stack capability.</a:t>
+            </a:r>
+          </a:p>
+          <a:p>
+            <a:pPr marL="285750" indent="-285750">
+              <a:buFont typeface="Wingdings" panose="05000000000000000000" charset="0"/>
+              <a:buChar char="Ø"/>
+            </a:pPr>
+            <a:endParaRPr lang="en-GB" altLang="en-US" sz="2000"/>
+          </a:p>
+          <a:p>
+            <a:pPr marL="285750" indent="-285750">
+              <a:buFont typeface="Wingdings" panose="05000000000000000000" charset="0"/>
+              <a:buChar char="Ø"/>
+            </a:pPr>
+            <a:r>
+              <a:rPr lang="en-GB" altLang="en-US" sz="2000"/>
+              <a:t>Web App will have frontend, backend and database.</a:t>
+            </a:r>
+          </a:p>
+          <a:p>
+            <a:pPr marL="285750" indent="-285750">
+              <a:buFont typeface="Wingdings" panose="05000000000000000000" charset="0"/>
+              <a:buChar char="Ø"/>
+            </a:pPr>
+            <a:endParaRPr lang="en-GB" altLang="en-US" sz="2000"/>
+          </a:p>
+          <a:p>
+            <a:pPr marL="285750" indent="-285750">
+              <a:buFont typeface="Wingdings" panose="05000000000000000000" charset="0"/>
+              <a:buChar char="Ø"/>
+            </a:pPr>
+            <a:r>
+              <a:rPr lang="en-GB" altLang="en-US" sz="2000"/>
+              <a:t>Develope the frontend using react.js framework</a:t>
+            </a:r>
+          </a:p>
+          <a:p>
+            <a:pPr marL="285750" indent="-285750">
+              <a:buFont typeface="Wingdings" panose="05000000000000000000" charset="0"/>
+              <a:buChar char="Ø"/>
+            </a:pPr>
+            <a:endParaRPr lang="en-GB" altLang="en-US" sz="2000"/>
+          </a:p>
+          <a:p>
+            <a:pPr marL="285750" indent="-285750">
+              <a:buFont typeface="Wingdings" panose="05000000000000000000" charset="0"/>
+              <a:buChar char="Ø"/>
+            </a:pPr>
+            <a:r>
+              <a:rPr lang="en-GB" altLang="en-US" sz="2000"/>
+              <a:t>Develope the backend using express.js framework</a:t>
+            </a:r>
+          </a:p>
+          <a:p>
+            <a:pPr marL="285750" indent="-285750">
+              <a:buFont typeface="Wingdings" panose="05000000000000000000" charset="0"/>
+              <a:buChar char="Ø"/>
+            </a:pPr>
+            <a:endParaRPr lang="en-GB" altLang="en-US" sz="2000"/>
+          </a:p>
+          <a:p>
+            <a:pPr marL="285750" indent="-285750">
+              <a:buFont typeface="Wingdings" panose="05000000000000000000" charset="0"/>
+              <a:buChar char="Ø"/>
+            </a:pPr>
+            <a:r>
+              <a:rPr lang="en-GB" altLang="en-US" sz="2000"/>
+              <a:t>Develope the database using Mongoose ODM.</a:t>
+            </a:r>
+          </a:p>
+        </p:txBody>
+      </p:sp>
+    </p:spTree>
+  </p:cSld>
+  <p:clrMapOvr>
+    <a:masterClrMapping/>
+  </p:clrMapOvr>
+</p:sld>
+</file>
+
+<file path=ppt/slides/slide17.xml><?xml version="1.0" encoding="utf-8"?>
+<p:sld xmlns:a="http://schemas.openxmlformats.org/drawingml/2006/main" xmlns:r="http://schemas.openxmlformats.org/officeDocument/2006/relationships" xmlns:p="http://schemas.openxmlformats.org/presentationml/2006/main">
+  <p:cSld>
+    <p:spTree>
+      <p:nvGrpSpPr>
+        <p:cNvPr id="1" name=""/>
+        <p:cNvGrpSpPr/>
+        <p:nvPr/>
+      </p:nvGrpSpPr>
+      <p:grpSpPr>
+        <a:xfrm>
+          <a:off x="0" y="0"/>
+          <a:ext cx="0" cy="0"/>
+          <a:chOff x="0" y="0"/>
+          <a:chExt cx="0" cy="0"/>
+        </a:xfrm>
+      </p:grpSpPr>
+      <p:sp>
+        <p:nvSpPr>
+          <p:cNvPr id="2" name="Title 1"/>
+          <p:cNvSpPr>
+            <a:spLocks noGrp="1"/>
+          </p:cNvSpPr>
+          <p:nvPr/>
+        </p:nvSpPr>
+        <p:spPr>
+          <a:xfrm>
+            <a:off x="609600" y="657860"/>
+            <a:ext cx="10972800" cy="582613"/>
+          </a:xfrm>
+          <a:prstGeom prst="rect">
+            <a:avLst/>
+          </a:prstGeom>
+          <a:noFill/>
+          <a:ln w="9525">
+            <a:noFill/>
+          </a:ln>
+        </p:spPr>
+        <p:txBody>
+          <a:bodyPr anchor="ctr" anchorCtr="0">
+            <a:scene3d>
+              <a:camera prst="orthographicFront"/>
+              <a:lightRig rig="threePt" dir="t"/>
+            </a:scene3d>
+          </a:bodyPr>
+          <a:lstStyle>
+            <a:lvl1pPr algn="l" rtl="0" fontAlgn="base">
+              <a:spcBef>
+                <a:spcPct val="0"/>
+              </a:spcBef>
+              <a:spcAft>
+                <a:spcPct val="0"/>
+              </a:spcAft>
+              <a:defRPr sz="3600" kern="1200">
+                <a:solidFill>
+                  <a:schemeClr val="tx1"/>
+                </a:solidFill>
+                <a:latin typeface="+mj-lt"/>
+                <a:ea typeface="+mj-ea"/>
+                <a:cs typeface="+mj-cs"/>
+              </a:defRPr>
+            </a:lvl1pPr>
+            <a:lvl2pPr algn="l" rtl="0" fontAlgn="base">
+              <a:spcBef>
+                <a:spcPct val="0"/>
+              </a:spcBef>
+              <a:spcAft>
+                <a:spcPct val="0"/>
+              </a:spcAft>
+              <a:defRPr sz="3600">
+                <a:solidFill>
+                  <a:schemeClr val="tx1"/>
+                </a:solidFill>
+                <a:latin typeface="Arial" panose="020B0604020202020204" pitchFamily="34" charset="0"/>
+                <a:ea typeface="SimSun" panose="02010600030101010101" pitchFamily="2" charset="-122"/>
+              </a:defRPr>
+            </a:lvl2pPr>
+            <a:lvl3pPr algn="l" rtl="0" fontAlgn="base">
+              <a:spcBef>
+                <a:spcPct val="0"/>
+              </a:spcBef>
+              <a:spcAft>
+                <a:spcPct val="0"/>
+              </a:spcAft>
+              <a:defRPr sz="3600">
+                <a:solidFill>
+                  <a:schemeClr val="tx1"/>
+                </a:solidFill>
+                <a:latin typeface="Arial" panose="020B0604020202020204" pitchFamily="34" charset="0"/>
+                <a:ea typeface="SimSun" panose="02010600030101010101" pitchFamily="2" charset="-122"/>
+              </a:defRPr>
+            </a:lvl3pPr>
+            <a:lvl4pPr algn="l" rtl="0" fontAlgn="base">
+              <a:spcBef>
+                <a:spcPct val="0"/>
+              </a:spcBef>
+              <a:spcAft>
+                <a:spcPct val="0"/>
+              </a:spcAft>
+              <a:defRPr sz="3600">
+                <a:solidFill>
+                  <a:schemeClr val="tx1"/>
+                </a:solidFill>
+                <a:latin typeface="Arial" panose="020B0604020202020204" pitchFamily="34" charset="0"/>
+                <a:ea typeface="SimSun" panose="02010600030101010101" pitchFamily="2" charset="-122"/>
+              </a:defRPr>
+            </a:lvl4pPr>
+            <a:lvl5pPr algn="l" rtl="0" fontAlgn="base">
+              <a:spcBef>
+                <a:spcPct val="0"/>
+              </a:spcBef>
+              <a:spcAft>
+                <a:spcPct val="0"/>
+              </a:spcAft>
+              <a:defRPr sz="3600">
+                <a:solidFill>
+                  <a:schemeClr val="tx1"/>
+                </a:solidFill>
+                <a:latin typeface="Arial" panose="020B0604020202020204" pitchFamily="34" charset="0"/>
+                <a:ea typeface="SimSun" panose="02010600030101010101" pitchFamily="2" charset="-122"/>
+              </a:defRPr>
+            </a:lvl5pPr>
+            <a:lvl6pPr marL="457200" algn="l" rtl="0" fontAlgn="base">
+              <a:spcBef>
+                <a:spcPct val="0"/>
+              </a:spcBef>
+              <a:spcAft>
+                <a:spcPct val="0"/>
+              </a:spcAft>
+              <a:defRPr sz="3600">
+                <a:solidFill>
+                  <a:schemeClr val="tx1"/>
+                </a:solidFill>
+                <a:latin typeface="Arial" panose="020B0604020202020204" pitchFamily="34" charset="0"/>
+                <a:ea typeface="SimSun" panose="02010600030101010101" pitchFamily="2" charset="-122"/>
+              </a:defRPr>
+            </a:lvl6pPr>
+            <a:lvl7pPr marL="914400" algn="l" rtl="0" fontAlgn="base">
+              <a:spcBef>
+                <a:spcPct val="0"/>
+              </a:spcBef>
+              <a:spcAft>
+                <a:spcPct val="0"/>
+              </a:spcAft>
+              <a:defRPr sz="3600">
+                <a:solidFill>
+                  <a:schemeClr val="tx1"/>
+                </a:solidFill>
+                <a:latin typeface="Arial" panose="020B0604020202020204" pitchFamily="34" charset="0"/>
+                <a:ea typeface="SimSun" panose="02010600030101010101" pitchFamily="2" charset="-122"/>
+              </a:defRPr>
+            </a:lvl7pPr>
+            <a:lvl8pPr marL="1371600" algn="l" rtl="0" fontAlgn="base">
+              <a:spcBef>
+                <a:spcPct val="0"/>
+              </a:spcBef>
+              <a:spcAft>
+                <a:spcPct val="0"/>
+              </a:spcAft>
+              <a:defRPr sz="3600">
+                <a:solidFill>
+                  <a:schemeClr val="tx1"/>
+                </a:solidFill>
+                <a:latin typeface="Arial" panose="020B0604020202020204" pitchFamily="34" charset="0"/>
+                <a:ea typeface="SimSun" panose="02010600030101010101" pitchFamily="2" charset="-122"/>
+              </a:defRPr>
+            </a:lvl8pPr>
+            <a:lvl9pPr marL="1828800" algn="l" rtl="0" fontAlgn="base">
+              <a:spcBef>
+                <a:spcPct val="0"/>
+              </a:spcBef>
+              <a:spcAft>
+                <a:spcPct val="0"/>
+              </a:spcAft>
+              <a:defRPr sz="3600">
+                <a:solidFill>
+                  <a:schemeClr val="tx1"/>
+                </a:solidFill>
+                <a:latin typeface="Arial" panose="020B0604020202020204" pitchFamily="34" charset="0"/>
+                <a:ea typeface="SimSun" panose="02010600030101010101" pitchFamily="2" charset="-122"/>
+              </a:defRPr>
+            </a:lvl9pPr>
+          </a:lstStyle>
+          <a:p>
+            <a:pPr indent="0" algn="just">
+              <a:buNone/>
+            </a:pPr>
+            <a:r>
+              <a:rPr lang="en-GB" altLang="en-IN" dirty="0">
+                <a:solidFill>
+                  <a:schemeClr val="accent1"/>
+                </a:solidFill>
+                <a:effectLst>
+                  <a:outerShdw blurRad="38100" dist="25400" dir="5400000" algn="ctr" rotWithShape="0">
+                    <a:srgbClr val="6E747A">
+                      <a:alpha val="43000"/>
+                    </a:srgbClr>
+                  </a:outerShdw>
+                </a:effectLst>
+                <a:sym typeface="+mn-ea"/>
+              </a:rPr>
+              <a:t>Project Flow Diagram</a:t>
+            </a:r>
+          </a:p>
+        </p:txBody>
+      </p:sp>
       <p:pic>
         <p:nvPicPr>
           <p:cNvPr id="3" name="Picture 2" descr="WhatsApp Image 2021-12-13 at 1.41.59 AM"/>
@@ -4355,7 +5727,7 @@
           <p:nvPr/>
         </p:nvPicPr>
         <p:blipFill>
-          <a:blip r:embed="rId1"/>
+          <a:blip r:embed="rId2"/>
           <a:stretch>
             <a:fillRect/>
           </a:stretch>
@@ -4378,7 +5750,7 @@
 </p:sld>
 </file>
 
-<file path=ppt/slides/slide13.xml><?xml version="1.0" encoding="utf-8"?>
+<file path=ppt/slides/slide18.xml><?xml version="1.0" encoding="utf-8"?>
 <p:sld xmlns:a="http://schemas.openxmlformats.org/drawingml/2006/main" xmlns:r="http://schemas.openxmlformats.org/officeDocument/2006/relationships" xmlns:p="http://schemas.openxmlformats.org/presentationml/2006/main">
   <p:cSld>
     <p:spTree>
@@ -4387,7 +5759,14 @@
         <p:cNvGrpSpPr/>
         <p:nvPr/>
       </p:nvGrpSpPr>
-      <p:grpSpPr/>
+      <p:grpSpPr>
+        <a:xfrm>
+          <a:off x="0" y="0"/>
+          <a:ext cx="0" cy="0"/>
+          <a:chOff x="0" y="0"/>
+          <a:chExt cx="0" cy="0"/>
+        </a:xfrm>
+      </p:grpSpPr>
       <p:sp>
         <p:nvSpPr>
           <p:cNvPr id="2" name="Title 1"/>
@@ -4569,19 +5948,6 @@
               </a:rPr>
               <a:t>Flow Chart</a:t>
             </a:r>
-            <a:endParaRPr lang="en-GB" altLang="en-IN" dirty="0">
-              <a:solidFill>
-                <a:schemeClr val="accent1"/>
-              </a:solidFill>
-              <a:effectLst>
-                <a:outerShdw blurRad="38100" dist="25400" dir="5400000" algn="ctr" rotWithShape="0">
-                  <a:srgbClr val="6E747A">
-                    <a:alpha val="43000"/>
-                  </a:srgbClr>
-                </a:outerShdw>
-              </a:effectLst>
-              <a:sym typeface="+mn-ea"/>
-            </a:endParaRPr>
           </a:p>
         </p:txBody>
       </p:sp>
@@ -4616,13 +5982,13 @@
         </p:style>
         <p:txBody>
           <a:bodyPr rtlCol="0" anchor="ctr"/>
+          <a:lstStyle/>
           <a:p>
             <a:pPr algn="ctr"/>
             <a:r>
-              <a:rPr lang="en-IN" sz="1600" dirty="0" smtClean="0"/>
+              <a:rPr lang="en-IN" sz="1600" dirty="0"/>
               <a:t>Home</a:t>
             </a:r>
-            <a:endParaRPr lang="en-IN" sz="1600" dirty="0"/>
           </a:p>
         </p:txBody>
       </p:sp>
@@ -4657,13 +6023,13 @@
         </p:style>
         <p:txBody>
           <a:bodyPr rtlCol="0" anchor="ctr"/>
+          <a:lstStyle/>
           <a:p>
             <a:pPr algn="ctr"/>
             <a:r>
-              <a:rPr lang="en-IN" sz="1600" dirty="0" smtClean="0"/>
+              <a:rPr lang="en-IN" sz="1600" dirty="0"/>
               <a:t>My Cart</a:t>
             </a:r>
-            <a:endParaRPr lang="en-IN" sz="1600" dirty="0"/>
           </a:p>
         </p:txBody>
       </p:sp>
@@ -4698,13 +6064,13 @@
         </p:style>
         <p:txBody>
           <a:bodyPr rtlCol="0" anchor="ctr"/>
+          <a:lstStyle/>
           <a:p>
             <a:pPr algn="ctr"/>
             <a:r>
-              <a:rPr lang="en-IN" sz="1600" dirty="0" smtClean="0"/>
+              <a:rPr lang="en-IN" sz="1600" dirty="0"/>
               <a:t>Item</a:t>
             </a:r>
-            <a:endParaRPr lang="en-IN" sz="1600" dirty="0"/>
           </a:p>
         </p:txBody>
       </p:sp>
@@ -4739,21 +6105,20 @@
         </p:style>
         <p:txBody>
           <a:bodyPr rtlCol="0" anchor="ctr"/>
+          <a:lstStyle/>
           <a:p>
             <a:pPr algn="ctr"/>
             <a:r>
-              <a:rPr lang="en-IN" sz="1600" dirty="0" smtClean="0"/>
+              <a:rPr lang="en-IN" sz="1600" dirty="0"/>
               <a:t>Continue</a:t>
             </a:r>
-            <a:endParaRPr lang="en-IN" sz="1600" dirty="0" smtClean="0"/>
           </a:p>
           <a:p>
             <a:pPr algn="ctr"/>
             <a:r>
-              <a:rPr lang="en-IN" sz="1600" dirty="0" smtClean="0"/>
+              <a:rPr lang="en-IN" sz="1600" dirty="0"/>
               <a:t>Shopping</a:t>
             </a:r>
-            <a:endParaRPr lang="en-IN" sz="1600" dirty="0"/>
           </a:p>
         </p:txBody>
       </p:sp>
@@ -4788,13 +6153,13 @@
         </p:style>
         <p:txBody>
           <a:bodyPr rtlCol="0" anchor="ctr"/>
+          <a:lstStyle/>
           <a:p>
             <a:pPr algn="ctr"/>
             <a:r>
-              <a:rPr lang="en-IN" sz="1600" dirty="0" smtClean="0"/>
+              <a:rPr lang="en-IN" sz="1600" dirty="0"/>
               <a:t>Menu</a:t>
             </a:r>
-            <a:endParaRPr lang="en-IN" sz="1600" dirty="0"/>
           </a:p>
         </p:txBody>
       </p:sp>
@@ -4829,21 +6194,20 @@
         </p:style>
         <p:txBody>
           <a:bodyPr rtlCol="0" anchor="ctr"/>
+          <a:lstStyle/>
           <a:p>
             <a:pPr algn="ctr"/>
             <a:r>
-              <a:rPr lang="en-IN" sz="1600" dirty="0" smtClean="0"/>
+              <a:rPr lang="en-IN" sz="1600" dirty="0"/>
               <a:t>Select </a:t>
             </a:r>
-            <a:endParaRPr lang="en-IN" sz="1600" dirty="0" smtClean="0"/>
           </a:p>
           <a:p>
             <a:pPr algn="ctr"/>
             <a:r>
-              <a:rPr lang="en-IN" sz="1600" dirty="0" smtClean="0"/>
+              <a:rPr lang="en-IN" sz="1600" dirty="0"/>
               <a:t>Product</a:t>
             </a:r>
-            <a:endParaRPr lang="en-IN" sz="1600" dirty="0"/>
           </a:p>
         </p:txBody>
       </p:sp>
@@ -4878,21 +6242,20 @@
         </p:style>
         <p:txBody>
           <a:bodyPr rtlCol="0" anchor="ctr"/>
+          <a:lstStyle/>
           <a:p>
             <a:pPr algn="ctr"/>
             <a:r>
-              <a:rPr lang="en-IN" sz="1600" dirty="0" smtClean="0"/>
+              <a:rPr lang="en-IN" sz="1600" dirty="0"/>
               <a:t>Select</a:t>
             </a:r>
-            <a:endParaRPr lang="en-IN" sz="1600" dirty="0" smtClean="0"/>
           </a:p>
           <a:p>
             <a:pPr algn="ctr"/>
             <a:r>
-              <a:rPr lang="en-IN" sz="1600" dirty="0" smtClean="0"/>
+              <a:rPr lang="en-IN" sz="1600" dirty="0"/>
               <a:t>Category</a:t>
             </a:r>
-            <a:endParaRPr lang="en-IN" sz="1600" dirty="0"/>
           </a:p>
         </p:txBody>
       </p:sp>
@@ -4927,13 +6290,13 @@
         </p:style>
         <p:txBody>
           <a:bodyPr rtlCol="0" anchor="ctr"/>
+          <a:lstStyle/>
           <a:p>
             <a:pPr algn="ctr"/>
             <a:r>
-              <a:rPr lang="en-IN" sz="1600" dirty="0" smtClean="0"/>
+              <a:rPr lang="en-IN" sz="1600" dirty="0"/>
               <a:t>View Product</a:t>
             </a:r>
-            <a:endParaRPr lang="en-IN" sz="1600" dirty="0"/>
           </a:p>
         </p:txBody>
       </p:sp>
@@ -4968,13 +6331,13 @@
         </p:style>
         <p:txBody>
           <a:bodyPr rtlCol="0" anchor="ctr"/>
+          <a:lstStyle/>
           <a:p>
             <a:pPr algn="ctr"/>
             <a:r>
-              <a:rPr lang="en-IN" sz="1600" dirty="0" smtClean="0"/>
+              <a:rPr lang="en-IN" sz="1600" dirty="0"/>
               <a:t>Add to Cart</a:t>
             </a:r>
-            <a:endParaRPr lang="en-IN" sz="1600" dirty="0"/>
           </a:p>
         </p:txBody>
       </p:sp>
@@ -5009,13 +6372,13 @@
         </p:style>
         <p:txBody>
           <a:bodyPr rtlCol="0" anchor="ctr"/>
+          <a:lstStyle/>
           <a:p>
             <a:pPr algn="ctr"/>
             <a:r>
-              <a:rPr lang="en-IN" sz="1600" dirty="0" smtClean="0"/>
+              <a:rPr lang="en-IN" sz="1600" dirty="0"/>
               <a:t>Sign In</a:t>
             </a:r>
-            <a:endParaRPr lang="en-IN" sz="1600" dirty="0"/>
           </a:p>
         </p:txBody>
       </p:sp>
@@ -5050,13 +6413,13 @@
         </p:style>
         <p:txBody>
           <a:bodyPr rtlCol="0" anchor="ctr"/>
+          <a:lstStyle/>
           <a:p>
             <a:pPr algn="ctr"/>
             <a:r>
-              <a:rPr lang="en-GB" altLang="en-IN" sz="1600" dirty="0" smtClean="0"/>
+              <a:rPr lang="en-GB" altLang="en-IN" sz="1600" dirty="0"/>
               <a:t>Login</a:t>
             </a:r>
-            <a:endParaRPr lang="en-GB" altLang="en-IN" sz="1600" dirty="0" smtClean="0"/>
           </a:p>
         </p:txBody>
       </p:sp>
@@ -5091,21 +6454,20 @@
         </p:style>
         <p:txBody>
           <a:bodyPr rtlCol="0" anchor="ctr"/>
+          <a:lstStyle/>
           <a:p>
             <a:pPr algn="ctr"/>
             <a:r>
-              <a:rPr lang="en-IN" sz="1600" dirty="0" smtClean="0"/>
+              <a:rPr lang="en-IN" sz="1600" dirty="0"/>
               <a:t>Proceed to</a:t>
             </a:r>
-            <a:endParaRPr lang="en-IN" sz="1600" dirty="0" smtClean="0"/>
           </a:p>
           <a:p>
             <a:pPr algn="ctr"/>
             <a:r>
-              <a:rPr lang="en-IN" sz="1600" dirty="0" smtClean="0"/>
+              <a:rPr lang="en-IN" sz="1600" dirty="0"/>
               <a:t>Checkout</a:t>
             </a:r>
-            <a:endParaRPr lang="en-IN" sz="1600" dirty="0"/>
           </a:p>
         </p:txBody>
       </p:sp>
@@ -5140,21 +6502,20 @@
         </p:style>
         <p:txBody>
           <a:bodyPr rtlCol="0" anchor="ctr"/>
+          <a:lstStyle/>
           <a:p>
             <a:pPr algn="ctr"/>
             <a:r>
-              <a:rPr lang="en-IN" sz="1600" dirty="0" smtClean="0"/>
+              <a:rPr lang="en-IN" sz="1600" dirty="0"/>
               <a:t>Payment</a:t>
             </a:r>
-            <a:endParaRPr lang="en-IN" sz="1600" dirty="0" smtClean="0"/>
           </a:p>
           <a:p>
             <a:pPr algn="ctr"/>
             <a:r>
-              <a:rPr lang="en-IN" sz="1600" dirty="0" smtClean="0"/>
+              <a:rPr lang="en-IN" sz="1600" dirty="0"/>
               <a:t>Information</a:t>
             </a:r>
-            <a:endParaRPr lang="en-IN" sz="1600" dirty="0"/>
           </a:p>
         </p:txBody>
       </p:sp>
@@ -5189,13 +6550,13 @@
         </p:style>
         <p:txBody>
           <a:bodyPr rtlCol="0" anchor="ctr"/>
+          <a:lstStyle/>
           <a:p>
             <a:pPr algn="ctr"/>
             <a:r>
-              <a:rPr lang="en-IN" sz="1600" dirty="0" smtClean="0"/>
+              <a:rPr lang="en-IN" sz="1600" dirty="0"/>
               <a:t>Correct</a:t>
             </a:r>
-            <a:endParaRPr lang="en-IN" sz="1600" dirty="0"/>
           </a:p>
         </p:txBody>
       </p:sp>
@@ -5230,21 +6591,20 @@
         </p:style>
         <p:txBody>
           <a:bodyPr rtlCol="0" anchor="ctr"/>
+          <a:lstStyle/>
           <a:p>
             <a:pPr algn="ctr"/>
             <a:r>
-              <a:rPr lang="en-IN" sz="1600" dirty="0" smtClean="0"/>
+              <a:rPr lang="en-IN" sz="1600" dirty="0"/>
               <a:t>Review</a:t>
             </a:r>
-            <a:endParaRPr lang="en-IN" sz="1600" dirty="0" smtClean="0"/>
           </a:p>
           <a:p>
             <a:pPr algn="ctr"/>
             <a:r>
-              <a:rPr lang="en-IN" sz="1600" dirty="0" smtClean="0"/>
+              <a:rPr lang="en-IN" sz="1600" dirty="0"/>
               <a:t>Order</a:t>
             </a:r>
-            <a:endParaRPr lang="en-IN" sz="1600" dirty="0"/>
           </a:p>
         </p:txBody>
       </p:sp>
@@ -5279,13 +6639,13 @@
         </p:style>
         <p:txBody>
           <a:bodyPr rtlCol="0" anchor="ctr"/>
+          <a:lstStyle/>
           <a:p>
             <a:pPr algn="ctr"/>
             <a:r>
-              <a:rPr lang="en-IN" sz="1600" dirty="0" smtClean="0"/>
+              <a:rPr lang="en-IN" sz="1600" dirty="0"/>
               <a:t>Check Out</a:t>
             </a:r>
-            <a:endParaRPr lang="en-IN" sz="1600" dirty="0"/>
           </a:p>
         </p:txBody>
       </p:sp>
@@ -5320,21 +6680,20 @@
         </p:style>
         <p:txBody>
           <a:bodyPr rtlCol="0" anchor="ctr"/>
+          <a:lstStyle/>
           <a:p>
             <a:pPr algn="ctr"/>
             <a:r>
-              <a:rPr lang="en-IN" sz="1600" dirty="0" smtClean="0"/>
+              <a:rPr lang="en-IN" sz="1600" dirty="0"/>
               <a:t>Order </a:t>
             </a:r>
-            <a:endParaRPr lang="en-IN" sz="1600" dirty="0" smtClean="0"/>
           </a:p>
           <a:p>
             <a:pPr algn="ctr"/>
             <a:r>
-              <a:rPr lang="en-IN" sz="1600" dirty="0" smtClean="0"/>
+              <a:rPr lang="en-IN" sz="1600" dirty="0"/>
               <a:t>Confirmation</a:t>
             </a:r>
-            <a:endParaRPr lang="en-IN" sz="1600" dirty="0"/>
           </a:p>
         </p:txBody>
       </p:sp>
@@ -6093,6 +7452,7 @@
         </p:style>
         <p:txBody>
           <a:bodyPr rtlCol="0" anchor="ctr"/>
+          <a:lstStyle/>
           <a:p>
             <a:pPr algn="ctr"/>
             <a:endParaRPr lang="en-IN"/>
@@ -6168,12 +7528,12 @@
           <a:bodyPr wrap="none" rtlCol="0">
             <a:spAutoFit/>
           </a:bodyPr>
-          <a:p>
-            <a:r>
-              <a:rPr lang="en-IN" sz="1400" dirty="0" smtClean="0"/>
+          <a:lstStyle/>
+          <a:p>
+            <a:r>
+              <a:rPr lang="en-IN" sz="1400" dirty="0"/>
               <a:t>No</a:t>
             </a:r>
-            <a:endParaRPr lang="en-IN" sz="1400" dirty="0"/>
           </a:p>
         </p:txBody>
       </p:sp>
@@ -6197,12 +7557,12 @@
           <a:bodyPr wrap="none" rtlCol="0">
             <a:spAutoFit/>
           </a:bodyPr>
-          <a:p>
-            <a:r>
-              <a:rPr lang="en-IN" sz="1400" dirty="0" smtClean="0"/>
+          <a:lstStyle/>
+          <a:p>
+            <a:r>
+              <a:rPr lang="en-IN" sz="1400" dirty="0"/>
               <a:t>Item &gt; 0</a:t>
             </a:r>
-            <a:endParaRPr lang="en-IN" sz="1400" dirty="0"/>
           </a:p>
         </p:txBody>
       </p:sp>
@@ -6226,12 +7586,12 @@
           <a:bodyPr wrap="none" rtlCol="0">
             <a:spAutoFit/>
           </a:bodyPr>
-          <a:p>
-            <a:r>
-              <a:rPr lang="en-IN" sz="1400" dirty="0" smtClean="0"/>
+          <a:lstStyle/>
+          <a:p>
+            <a:r>
+              <a:rPr lang="en-IN" sz="1400" dirty="0"/>
               <a:t>Yes</a:t>
             </a:r>
-            <a:endParaRPr lang="en-IN" sz="1400" dirty="0"/>
           </a:p>
         </p:txBody>
       </p:sp>
@@ -6255,12 +7615,12 @@
           <a:bodyPr wrap="none" rtlCol="0">
             <a:spAutoFit/>
           </a:bodyPr>
-          <a:p>
-            <a:r>
-              <a:rPr lang="en-IN" sz="1400" dirty="0" smtClean="0"/>
+          <a:lstStyle/>
+          <a:p>
+            <a:r>
+              <a:rPr lang="en-IN" sz="1400" dirty="0"/>
               <a:t>No</a:t>
             </a:r>
-            <a:endParaRPr lang="en-IN" sz="1400" dirty="0"/>
           </a:p>
         </p:txBody>
       </p:sp>
@@ -6284,12 +7644,12 @@
           <a:bodyPr wrap="none" rtlCol="0">
             <a:spAutoFit/>
           </a:bodyPr>
-          <a:p>
-            <a:r>
-              <a:rPr lang="en-IN" sz="1400" dirty="0" smtClean="0"/>
+          <a:lstStyle/>
+          <a:p>
+            <a:r>
+              <a:rPr lang="en-IN" sz="1400" dirty="0"/>
               <a:t>Item = 0</a:t>
             </a:r>
-            <a:endParaRPr lang="en-IN" sz="1400" dirty="0"/>
           </a:p>
         </p:txBody>
       </p:sp>
@@ -6313,12 +7673,12 @@
           <a:bodyPr wrap="none" rtlCol="0">
             <a:spAutoFit/>
           </a:bodyPr>
-          <a:p>
-            <a:r>
-              <a:rPr lang="en-IN" sz="1400" dirty="0" smtClean="0"/>
+          <a:lstStyle/>
+          <a:p>
+            <a:r>
+              <a:rPr lang="en-IN" sz="1400" dirty="0"/>
               <a:t>Yes</a:t>
             </a:r>
-            <a:endParaRPr lang="en-IN" sz="1400" dirty="0"/>
           </a:p>
         </p:txBody>
       </p:sp>
@@ -6330,7 +7690,7 @@
 </p:sld>
 </file>
 
-<file path=ppt/slides/slide14.xml><?xml version="1.0" encoding="utf-8"?>
+<file path=ppt/slides/slide19.xml><?xml version="1.0" encoding="utf-8"?>
 <p:sld xmlns:a="http://schemas.openxmlformats.org/drawingml/2006/main" xmlns:r="http://schemas.openxmlformats.org/officeDocument/2006/relationships" xmlns:p="http://schemas.openxmlformats.org/presentationml/2006/main">
   <p:cSld>
     <p:spTree>
@@ -6339,7 +7699,14 @@
         <p:cNvGrpSpPr/>
         <p:nvPr/>
       </p:nvGrpSpPr>
-      <p:grpSpPr/>
+      <p:grpSpPr>
+        <a:xfrm>
+          <a:off x="0" y="0"/>
+          <a:ext cx="0" cy="0"/>
+          <a:chOff x="0" y="0"/>
+          <a:chExt cx="0" cy="0"/>
+        </a:xfrm>
+      </p:grpSpPr>
       <p:sp>
         <p:nvSpPr>
           <p:cNvPr id="2" name="Title 1"/>
@@ -6521,19 +7888,6 @@
               </a:rPr>
               <a:t>Snapshots</a:t>
             </a:r>
-            <a:endParaRPr lang="en-GB" altLang="en-IN" dirty="0">
-              <a:solidFill>
-                <a:schemeClr val="accent1"/>
-              </a:solidFill>
-              <a:effectLst>
-                <a:outerShdw blurRad="38100" dist="25400" dir="5400000" algn="ctr" rotWithShape="0">
-                  <a:srgbClr val="6E747A">
-                    <a:alpha val="43000"/>
-                  </a:srgbClr>
-                </a:outerShdw>
-              </a:effectLst>
-              <a:sym typeface="+mn-ea"/>
-            </a:endParaRPr>
           </a:p>
         </p:txBody>
       </p:sp>
@@ -6546,7 +7900,7 @@
           <p:nvPr/>
         </p:nvPicPr>
         <p:blipFill>
-          <a:blip r:embed="rId1"/>
+          <a:blip r:embed="rId2"/>
           <a:stretch>
             <a:fillRect/>
           </a:stretch>
@@ -6569,7 +7923,7 @@
 </p:sld>
 </file>
 
-<file path=ppt/slides/slide15.xml><?xml version="1.0" encoding="utf-8"?>
+<file path=ppt/slides/slide2.xml><?xml version="1.0" encoding="utf-8"?>
 <p:sld xmlns:a="http://schemas.openxmlformats.org/drawingml/2006/main" xmlns:r="http://schemas.openxmlformats.org/officeDocument/2006/relationships" xmlns:p="http://schemas.openxmlformats.org/presentationml/2006/main">
   <p:cSld>
     <p:spTree>
@@ -6578,7 +7932,102 @@
         <p:cNvGrpSpPr/>
         <p:nvPr/>
       </p:nvGrpSpPr>
-      <p:grpSpPr/>
+      <p:grpSpPr>
+        <a:xfrm>
+          <a:off x="0" y="0"/>
+          <a:ext cx="0" cy="0"/>
+          <a:chOff x="0" y="0"/>
+          <a:chExt cx="0" cy="0"/>
+        </a:xfrm>
+      </p:grpSpPr>
+      <p:pic>
+        <p:nvPicPr>
+          <p:cNvPr id="2" name="Picture 1" descr="141837_3015959_375573_image"/>
+          <p:cNvPicPr>
+            <a:picLocks noChangeAspect="1"/>
+          </p:cNvPicPr>
+          <p:nvPr/>
+        </p:nvPicPr>
+        <p:blipFill>
+          <a:blip r:embed="rId2"/>
+          <a:stretch>
+            <a:fillRect/>
+          </a:stretch>
+        </p:blipFill>
+        <p:spPr>
+          <a:xfrm>
+            <a:off x="858520" y="1198245"/>
+            <a:ext cx="5029200" cy="4191000"/>
+          </a:xfrm>
+          <a:prstGeom prst="rect">
+            <a:avLst/>
+          </a:prstGeom>
+        </p:spPr>
+      </p:pic>
+      <p:sp>
+        <p:nvSpPr>
+          <p:cNvPr id="5" name="Text Box 4"/>
+          <p:cNvSpPr txBox="1"/>
+          <p:nvPr/>
+        </p:nvSpPr>
+        <p:spPr>
+          <a:xfrm>
+            <a:off x="6172200" y="2438400"/>
+            <a:ext cx="4051300" cy="1322070"/>
+          </a:xfrm>
+          <a:prstGeom prst="rect">
+            <a:avLst/>
+          </a:prstGeom>
+          <a:noFill/>
+        </p:spPr>
+        <p:txBody>
+          <a:bodyPr wrap="square" rtlCol="0">
+            <a:spAutoFit/>
+          </a:bodyPr>
+          <a:lstStyle/>
+          <a:p>
+            <a:pPr algn="ctr"/>
+            <a:r>
+              <a:rPr lang="en-GB" altLang="en-US" sz="4000">
+                <a:cs typeface="+mn-lt"/>
+              </a:rPr>
+              <a:t>Daily Meal Solutions</a:t>
+            </a:r>
+            <a:endParaRPr lang="en-IN" altLang="en-US" sz="2000" b="1" dirty="0">
+              <a:solidFill>
+                <a:srgbClr val="000000"/>
+              </a:solidFill>
+              <a:cs typeface="+mn-lt"/>
+              <a:sym typeface="+mn-ea"/>
+            </a:endParaRPr>
+          </a:p>
+        </p:txBody>
+      </p:sp>
+    </p:spTree>
+  </p:cSld>
+  <p:clrMapOvr>
+    <a:masterClrMapping/>
+  </p:clrMapOvr>
+</p:sld>
+</file>
+
+<file path=ppt/slides/slide20.xml><?xml version="1.0" encoding="utf-8"?>
+<p:sld xmlns:a="http://schemas.openxmlformats.org/drawingml/2006/main" xmlns:r="http://schemas.openxmlformats.org/officeDocument/2006/relationships" xmlns:p="http://schemas.openxmlformats.org/presentationml/2006/main">
+  <p:cSld>
+    <p:spTree>
+      <p:nvGrpSpPr>
+        <p:cNvPr id="1" name=""/>
+        <p:cNvGrpSpPr/>
+        <p:nvPr/>
+      </p:nvGrpSpPr>
+      <p:grpSpPr>
+        <a:xfrm>
+          <a:off x="0" y="0"/>
+          <a:ext cx="0" cy="0"/>
+          <a:chOff x="0" y="0"/>
+          <a:chExt cx="0" cy="0"/>
+        </a:xfrm>
+      </p:grpSpPr>
       <p:sp>
         <p:nvSpPr>
           <p:cNvPr id="2" name="Title 1"/>
@@ -6760,19 +8209,6 @@
               </a:rPr>
               <a:t>Snapshots (Cont...)</a:t>
             </a:r>
-            <a:endParaRPr lang="en-GB" altLang="en-IN" dirty="0">
-              <a:solidFill>
-                <a:schemeClr val="accent1"/>
-              </a:solidFill>
-              <a:effectLst>
-                <a:outerShdw blurRad="38100" dist="25400" dir="5400000" algn="ctr" rotWithShape="0">
-                  <a:srgbClr val="6E747A">
-                    <a:alpha val="43000"/>
-                  </a:srgbClr>
-                </a:outerShdw>
-              </a:effectLst>
-              <a:sym typeface="+mn-ea"/>
-            </a:endParaRPr>
           </a:p>
         </p:txBody>
       </p:sp>
@@ -6785,7 +8221,7 @@
           <p:nvPr/>
         </p:nvPicPr>
         <p:blipFill>
-          <a:blip r:embed="rId1"/>
+          <a:blip r:embed="rId2"/>
           <a:stretch>
             <a:fillRect/>
           </a:stretch>
@@ -6808,7 +8244,7 @@
 </p:sld>
 </file>
 
-<file path=ppt/slides/slide16.xml><?xml version="1.0" encoding="utf-8"?>
+<file path=ppt/slides/slide21.xml><?xml version="1.0" encoding="utf-8"?>
 <p:sld xmlns:a="http://schemas.openxmlformats.org/drawingml/2006/main" xmlns:r="http://schemas.openxmlformats.org/officeDocument/2006/relationships" xmlns:p="http://schemas.openxmlformats.org/presentationml/2006/main">
   <p:cSld>
     <p:spTree>
@@ -6817,7 +8253,14 @@
         <p:cNvGrpSpPr/>
         <p:nvPr/>
       </p:nvGrpSpPr>
-      <p:grpSpPr/>
+      <p:grpSpPr>
+        <a:xfrm>
+          <a:off x="0" y="0"/>
+          <a:ext cx="0" cy="0"/>
+          <a:chOff x="0" y="0"/>
+          <a:chExt cx="0" cy="0"/>
+        </a:xfrm>
+      </p:grpSpPr>
       <p:sp>
         <p:nvSpPr>
           <p:cNvPr id="2" name="Title 1"/>
@@ -6999,19 +8442,6 @@
               </a:rPr>
               <a:t>Snapshots (Cont...)</a:t>
             </a:r>
-            <a:endParaRPr lang="en-GB" altLang="en-IN" dirty="0">
-              <a:solidFill>
-                <a:schemeClr val="accent1"/>
-              </a:solidFill>
-              <a:effectLst>
-                <a:outerShdw blurRad="38100" dist="25400" dir="5400000" algn="ctr" rotWithShape="0">
-                  <a:srgbClr val="6E747A">
-                    <a:alpha val="43000"/>
-                  </a:srgbClr>
-                </a:outerShdw>
-              </a:effectLst>
-              <a:sym typeface="+mn-ea"/>
-            </a:endParaRPr>
           </a:p>
         </p:txBody>
       </p:sp>
@@ -7024,7 +8454,7 @@
           <p:nvPr/>
         </p:nvPicPr>
         <p:blipFill>
-          <a:blip r:embed="rId1"/>
+          <a:blip r:embed="rId2"/>
           <a:stretch>
             <a:fillRect/>
           </a:stretch>
@@ -7047,7 +8477,7 @@
 </p:sld>
 </file>
 
-<file path=ppt/slides/slide17.xml><?xml version="1.0" encoding="utf-8"?>
+<file path=ppt/slides/slide22.xml><?xml version="1.0" encoding="utf-8"?>
 <p:sld xmlns:a="http://schemas.openxmlformats.org/drawingml/2006/main" xmlns:r="http://schemas.openxmlformats.org/officeDocument/2006/relationships" xmlns:p="http://schemas.openxmlformats.org/presentationml/2006/main">
   <p:cSld>
     <p:spTree>
@@ -7056,10 +8486,23 @@
         <p:cNvGrpSpPr/>
         <p:nvPr/>
       </p:nvGrpSpPr>
-      <p:grpSpPr/>
-      <p:sp>
-        <p:nvSpPr>
-          <p:cNvPr id="2" name="Title 1"/>
+      <p:grpSpPr>
+        <a:xfrm>
+          <a:off x="0" y="0"/>
+          <a:ext cx="0" cy="0"/>
+          <a:chOff x="0" y="0"/>
+          <a:chExt cx="0" cy="0"/>
+        </a:xfrm>
+      </p:grpSpPr>
+      <p:sp>
+        <p:nvSpPr>
+          <p:cNvPr id="2" name="Title 1">
+            <a:extLst>
+              <a:ext uri="{FF2B5EF4-FFF2-40B4-BE49-F238E27FC236}">
+                <a16:creationId xmlns:a16="http://schemas.microsoft.com/office/drawing/2014/main" id="{5D53CEB1-6AF2-48DC-A3B6-81E77E8CE06E}"/>
+              </a:ext>
+            </a:extLst>
+          </p:cNvPr>
           <p:cNvSpPr>
             <a:spLocks noGrp="1"/>
           </p:cNvSpPr>
@@ -7236,34 +8679,27 @@
                 </a:effectLst>
                 <a:sym typeface="+mn-ea"/>
               </a:rPr>
-              <a:t>Results and Conclusion</a:t>
-            </a:r>
-            <a:endParaRPr lang="en-GB" altLang="en-IN" dirty="0">
-              <a:solidFill>
-                <a:schemeClr val="accent1"/>
-              </a:solidFill>
-              <a:effectLst>
-                <a:outerShdw blurRad="38100" dist="25400" dir="5400000" algn="ctr" rotWithShape="0">
-                  <a:srgbClr val="6E747A">
-                    <a:alpha val="43000"/>
-                  </a:srgbClr>
-                </a:outerShdw>
-              </a:effectLst>
-              <a:sym typeface="+mn-ea"/>
-            </a:endParaRPr>
-          </a:p>
-        </p:txBody>
-      </p:sp>
-      <p:sp>
-        <p:nvSpPr>
-          <p:cNvPr id="3" name="Text Box 2"/>
+              <a:t>Future Scope</a:t>
+            </a:r>
+          </a:p>
+        </p:txBody>
+      </p:sp>
+      <p:sp>
+        <p:nvSpPr>
+          <p:cNvPr id="3" name="Text Box 2">
+            <a:extLst>
+              <a:ext uri="{FF2B5EF4-FFF2-40B4-BE49-F238E27FC236}">
+                <a16:creationId xmlns:a16="http://schemas.microsoft.com/office/drawing/2014/main" id="{B666A87B-CF9C-422A-BD91-3BD21F74A522}"/>
+              </a:ext>
+            </a:extLst>
+          </p:cNvPr>
           <p:cNvSpPr txBox="1"/>
           <p:nvPr/>
         </p:nvSpPr>
         <p:spPr>
           <a:xfrm>
-            <a:off x="732155" y="1843948"/>
-            <a:ext cx="8494395" cy="3169285"/>
+            <a:off x="732155" y="1844357"/>
+            <a:ext cx="8494395" cy="3477875"/>
           </a:xfrm>
           <a:prstGeom prst="rect">
             <a:avLst/>
@@ -7274,74 +8710,41 @@
           <a:bodyPr wrap="square" rtlCol="0">
             <a:spAutoFit/>
           </a:bodyPr>
-          <a:p>
-            <a:pPr marL="342900" indent="-342900">
-              <a:buFont typeface="Wingdings" panose="05000000000000000000" charset="0"/>
-              <a:buChar char="Ø"/>
-            </a:pPr>
-            <a:r>
-              <a:rPr lang="en-GB" altLang="en-US" sz="2000"/>
-              <a:t>We were successfully able to design a web app having full stack capabilites</a:t>
-            </a:r>
-            <a:endParaRPr lang="en-GB" altLang="en-US" sz="2000"/>
-          </a:p>
-          <a:p>
-            <a:pPr marL="342900" indent="-342900">
-              <a:buFont typeface="Wingdings" panose="05000000000000000000" charset="0"/>
-              <a:buChar char="Ø"/>
-            </a:pPr>
-            <a:endParaRPr lang="en-GB" altLang="en-US" sz="2000"/>
-          </a:p>
-          <a:p>
-            <a:pPr marL="342900" indent="-342900">
-              <a:buFont typeface="Wingdings" panose="05000000000000000000" charset="0"/>
-              <a:buChar char="Ø"/>
-            </a:pPr>
-            <a:r>
-              <a:rPr lang="en-GB" altLang="en-US" sz="2000"/>
-              <a:t>This app can be used to search food category wise and and add it to the cart.</a:t>
-            </a:r>
-            <a:endParaRPr lang="en-GB" altLang="en-US" sz="2000"/>
-          </a:p>
-          <a:p>
-            <a:pPr marL="342900" indent="-342900">
-              <a:buFont typeface="Wingdings" panose="05000000000000000000" charset="0"/>
-              <a:buChar char="Ø"/>
-            </a:pPr>
-            <a:endParaRPr lang="en-GB" altLang="en-US" sz="2000"/>
-          </a:p>
-          <a:p>
-            <a:pPr marL="342900" indent="-342900">
-              <a:buFont typeface="Wingdings" panose="05000000000000000000" charset="0"/>
-              <a:buChar char="Ø"/>
-            </a:pPr>
-            <a:r>
-              <a:rPr lang="en-GB" altLang="en-US" sz="2000"/>
-              <a:t>When the cart is not empty we can review our meal and proceed to checkout.</a:t>
-            </a:r>
-            <a:endParaRPr lang="en-GB" altLang="en-US" sz="2000"/>
-          </a:p>
-          <a:p>
-            <a:pPr marL="342900" indent="-342900">
-              <a:buFont typeface="Wingdings" panose="05000000000000000000" charset="0"/>
-              <a:buChar char="Ø"/>
-            </a:pPr>
-            <a:endParaRPr lang="en-GB" altLang="en-US" sz="2000"/>
-          </a:p>
-          <a:p>
-            <a:pPr marL="342900" indent="-342900">
-              <a:buFont typeface="Wingdings" panose="05000000000000000000" charset="0"/>
-              <a:buChar char="Ø"/>
-            </a:pPr>
-            <a:r>
-              <a:rPr lang="en-GB" altLang="en-US" sz="2000"/>
-              <a:t>After checking out we can enjoy our meal at our place.</a:t>
-            </a:r>
-            <a:endParaRPr lang="en-GB" altLang="en-US" sz="2000"/>
+          <a:lstStyle/>
+          <a:p>
+            <a:r>
+              <a:rPr lang="en-IN" sz="2000" dirty="0"/>
+              <a:t>The project will be providing a daily meal solution. The user will be having an interface to order or subscribe for the tiffin services. The customer will be able to subscribe to the tiffin services on the monthly basis or if want to make some changes to his current tiffin then he can order a customized tiffin. There will be different plans of tiffin, one can subscribe to the food services according to their will by choosing a plan.</a:t>
+            </a:r>
+          </a:p>
+          <a:p>
+            <a:endParaRPr lang="en-IN" altLang="en-US" sz="2000" dirty="0"/>
+          </a:p>
+          <a:p>
+            <a:r>
+              <a:rPr lang="en-IN" sz="2000" dirty="0"/>
+              <a:t>There is also one more goal of this project to employ a crowd, so in the future, we may contact and partner with the different small-scale hotel (</a:t>
+            </a:r>
+            <a:r>
+              <a:rPr lang="en-IN" sz="2000" dirty="0" err="1"/>
+              <a:t>Dhaba</a:t>
+            </a:r>
+            <a:r>
+              <a:rPr lang="en-IN" sz="2000" dirty="0"/>
+              <a:t>) owners to increase their area of services.</a:t>
+            </a:r>
+          </a:p>
+          <a:p>
+            <a:endParaRPr lang="en-GB" altLang="en-US" sz="2000" dirty="0"/>
           </a:p>
         </p:txBody>
       </p:sp>
     </p:spTree>
+    <p:extLst>
+      <p:ext uri="{BB962C8B-B14F-4D97-AF65-F5344CB8AC3E}">
+        <p14:creationId xmlns:p14="http://schemas.microsoft.com/office/powerpoint/2010/main" val="2631350902"/>
+      </p:ext>
+    </p:extLst>
   </p:cSld>
   <p:clrMapOvr>
     <a:masterClrMapping/>
@@ -7349,7 +8752,7 @@
 </p:sld>
 </file>
 
-<file path=ppt/slides/slide18.xml><?xml version="1.0" encoding="utf-8"?>
+<file path=ppt/slides/slide23.xml><?xml version="1.0" encoding="utf-8"?>
 <p:sld xmlns:a="http://schemas.openxmlformats.org/drawingml/2006/main" xmlns:r="http://schemas.openxmlformats.org/officeDocument/2006/relationships" xmlns:p="http://schemas.openxmlformats.org/presentationml/2006/main">
   <p:cSld>
     <p:spTree>
@@ -7358,7 +8761,14 @@
         <p:cNvGrpSpPr/>
         <p:nvPr/>
       </p:nvGrpSpPr>
-      <p:grpSpPr/>
+      <p:grpSpPr>
+        <a:xfrm>
+          <a:off x="0" y="0"/>
+          <a:ext cx="0" cy="0"/>
+          <a:chOff x="0" y="0"/>
+          <a:chExt cx="0" cy="0"/>
+        </a:xfrm>
+      </p:grpSpPr>
       <p:sp>
         <p:nvSpPr>
           <p:cNvPr id="2" name="Title 1"/>
@@ -7538,21 +8948,314 @@
                 </a:effectLst>
                 <a:sym typeface="+mn-ea"/>
               </a:rPr>
+              <a:t>Results and Conclusion</a:t>
+            </a:r>
+          </a:p>
+        </p:txBody>
+      </p:sp>
+      <p:sp>
+        <p:nvSpPr>
+          <p:cNvPr id="3" name="Text Box 2"/>
+          <p:cNvSpPr txBox="1"/>
+          <p:nvPr/>
+        </p:nvSpPr>
+        <p:spPr>
+          <a:xfrm>
+            <a:off x="732155" y="1844357"/>
+            <a:ext cx="8494395" cy="3169285"/>
+          </a:xfrm>
+          <a:prstGeom prst="rect">
+            <a:avLst/>
+          </a:prstGeom>
+          <a:noFill/>
+        </p:spPr>
+        <p:txBody>
+          <a:bodyPr wrap="square" rtlCol="0">
+            <a:spAutoFit/>
+          </a:bodyPr>
+          <a:lstStyle/>
+          <a:p>
+            <a:pPr marL="342900" indent="-342900">
+              <a:buFont typeface="Wingdings" panose="05000000000000000000" charset="0"/>
+              <a:buChar char="Ø"/>
+            </a:pPr>
+            <a:r>
+              <a:rPr lang="en-GB" altLang="en-US" sz="2000" dirty="0"/>
+              <a:t>We were successfully able to design a web app having full stack </a:t>
+            </a:r>
+            <a:r>
+              <a:rPr lang="en-GB" altLang="en-US" sz="2000" dirty="0" err="1"/>
+              <a:t>capabilites</a:t>
+            </a:r>
+            <a:endParaRPr lang="en-GB" altLang="en-US" sz="2000" dirty="0"/>
+          </a:p>
+          <a:p>
+            <a:pPr marL="342900" indent="-342900">
+              <a:buFont typeface="Wingdings" panose="05000000000000000000" charset="0"/>
+              <a:buChar char="Ø"/>
+            </a:pPr>
+            <a:endParaRPr lang="en-GB" altLang="en-US" sz="2000" dirty="0"/>
+          </a:p>
+          <a:p>
+            <a:pPr marL="342900" indent="-342900">
+              <a:buFont typeface="Wingdings" panose="05000000000000000000" charset="0"/>
+              <a:buChar char="Ø"/>
+            </a:pPr>
+            <a:r>
+              <a:rPr lang="en-GB" altLang="en-US" sz="2000" dirty="0"/>
+              <a:t>This app can be used to search food category wise and </a:t>
+            </a:r>
+            <a:r>
+              <a:rPr lang="en-GB" altLang="en-US" sz="2000" dirty="0" err="1"/>
+              <a:t>and</a:t>
+            </a:r>
+            <a:r>
+              <a:rPr lang="en-GB" altLang="en-US" sz="2000" dirty="0"/>
+              <a:t> add it to the cart.</a:t>
+            </a:r>
+          </a:p>
+          <a:p>
+            <a:pPr marL="342900" indent="-342900">
+              <a:buFont typeface="Wingdings" panose="05000000000000000000" charset="0"/>
+              <a:buChar char="Ø"/>
+            </a:pPr>
+            <a:endParaRPr lang="en-GB" altLang="en-US" sz="2000" dirty="0"/>
+          </a:p>
+          <a:p>
+            <a:pPr marL="342900" indent="-342900">
+              <a:buFont typeface="Wingdings" panose="05000000000000000000" charset="0"/>
+              <a:buChar char="Ø"/>
+            </a:pPr>
+            <a:r>
+              <a:rPr lang="en-GB" altLang="en-US" sz="2000" dirty="0"/>
+              <a:t>When the cart is not empty we can review our meal and proceed to checkout.</a:t>
+            </a:r>
+          </a:p>
+          <a:p>
+            <a:pPr marL="342900" indent="-342900">
+              <a:buFont typeface="Wingdings" panose="05000000000000000000" charset="0"/>
+              <a:buChar char="Ø"/>
+            </a:pPr>
+            <a:endParaRPr lang="en-GB" altLang="en-US" sz="2000" dirty="0"/>
+          </a:p>
+          <a:p>
+            <a:pPr marL="342900" indent="-342900">
+              <a:buFont typeface="Wingdings" panose="05000000000000000000" charset="0"/>
+              <a:buChar char="Ø"/>
+            </a:pPr>
+            <a:r>
+              <a:rPr lang="en-GB" altLang="en-US" sz="2000" dirty="0"/>
+              <a:t>After checking out we can enjoy our meal at our place.</a:t>
+            </a:r>
+          </a:p>
+        </p:txBody>
+      </p:sp>
+    </p:spTree>
+  </p:cSld>
+  <p:clrMapOvr>
+    <a:masterClrMapping/>
+  </p:clrMapOvr>
+</p:sld>
+</file>
+
+<file path=ppt/slides/slide24.xml><?xml version="1.0" encoding="utf-8"?>
+<p:sld xmlns:a="http://schemas.openxmlformats.org/drawingml/2006/main" xmlns:r="http://schemas.openxmlformats.org/officeDocument/2006/relationships" xmlns:p="http://schemas.openxmlformats.org/presentationml/2006/main">
+  <p:cSld>
+    <p:spTree>
+      <p:nvGrpSpPr>
+        <p:cNvPr id="1" name=""/>
+        <p:cNvGrpSpPr/>
+        <p:nvPr/>
+      </p:nvGrpSpPr>
+      <p:grpSpPr>
+        <a:xfrm>
+          <a:off x="0" y="0"/>
+          <a:ext cx="0" cy="0"/>
+          <a:chOff x="0" y="0"/>
+          <a:chExt cx="0" cy="0"/>
+        </a:xfrm>
+      </p:grpSpPr>
+      <p:sp>
+        <p:nvSpPr>
+          <p:cNvPr id="2" name="Title 1"/>
+          <p:cNvSpPr>
+            <a:spLocks noGrp="1"/>
+          </p:cNvSpPr>
+          <p:nvPr/>
+        </p:nvSpPr>
+        <p:spPr>
+          <a:xfrm>
+            <a:off x="609600" y="657860"/>
+            <a:ext cx="10972800" cy="582613"/>
+          </a:xfrm>
+          <a:prstGeom prst="rect">
+            <a:avLst/>
+          </a:prstGeom>
+          <a:noFill/>
+          <a:ln w="9525">
+            <a:noFill/>
+          </a:ln>
+        </p:spPr>
+        <p:txBody>
+          <a:bodyPr anchor="ctr" anchorCtr="0"/>
+          <a:lstStyle>
+            <a:lvl1pPr algn="l" rtl="0" fontAlgn="base">
+              <a:spcBef>
+                <a:spcPct val="0"/>
+              </a:spcBef>
+              <a:spcAft>
+                <a:spcPct val="0"/>
+              </a:spcAft>
+              <a:defRPr sz="3600" kern="1200">
+                <a:solidFill>
+                  <a:schemeClr val="tx1"/>
+                </a:solidFill>
+                <a:latin typeface="+mj-lt"/>
+                <a:ea typeface="+mj-ea"/>
+                <a:cs typeface="+mj-cs"/>
+              </a:defRPr>
+            </a:lvl1pPr>
+            <a:lvl2pPr algn="l" rtl="0" fontAlgn="base">
+              <a:spcBef>
+                <a:spcPct val="0"/>
+              </a:spcBef>
+              <a:spcAft>
+                <a:spcPct val="0"/>
+              </a:spcAft>
+              <a:defRPr sz="3600">
+                <a:solidFill>
+                  <a:schemeClr val="tx1"/>
+                </a:solidFill>
+                <a:latin typeface="Arial" panose="020B0604020202020204" pitchFamily="34" charset="0"/>
+                <a:ea typeface="SimSun" panose="02010600030101010101" pitchFamily="2" charset="-122"/>
+              </a:defRPr>
+            </a:lvl2pPr>
+            <a:lvl3pPr algn="l" rtl="0" fontAlgn="base">
+              <a:spcBef>
+                <a:spcPct val="0"/>
+              </a:spcBef>
+              <a:spcAft>
+                <a:spcPct val="0"/>
+              </a:spcAft>
+              <a:defRPr sz="3600">
+                <a:solidFill>
+                  <a:schemeClr val="tx1"/>
+                </a:solidFill>
+                <a:latin typeface="Arial" panose="020B0604020202020204" pitchFamily="34" charset="0"/>
+                <a:ea typeface="SimSun" panose="02010600030101010101" pitchFamily="2" charset="-122"/>
+              </a:defRPr>
+            </a:lvl3pPr>
+            <a:lvl4pPr algn="l" rtl="0" fontAlgn="base">
+              <a:spcBef>
+                <a:spcPct val="0"/>
+              </a:spcBef>
+              <a:spcAft>
+                <a:spcPct val="0"/>
+              </a:spcAft>
+              <a:defRPr sz="3600">
+                <a:solidFill>
+                  <a:schemeClr val="tx1"/>
+                </a:solidFill>
+                <a:latin typeface="Arial" panose="020B0604020202020204" pitchFamily="34" charset="0"/>
+                <a:ea typeface="SimSun" panose="02010600030101010101" pitchFamily="2" charset="-122"/>
+              </a:defRPr>
+            </a:lvl4pPr>
+            <a:lvl5pPr algn="l" rtl="0" fontAlgn="base">
+              <a:spcBef>
+                <a:spcPct val="0"/>
+              </a:spcBef>
+              <a:spcAft>
+                <a:spcPct val="0"/>
+              </a:spcAft>
+              <a:defRPr sz="3600">
+                <a:solidFill>
+                  <a:schemeClr val="tx1"/>
+                </a:solidFill>
+                <a:latin typeface="Arial" panose="020B0604020202020204" pitchFamily="34" charset="0"/>
+                <a:ea typeface="SimSun" panose="02010600030101010101" pitchFamily="2" charset="-122"/>
+              </a:defRPr>
+            </a:lvl5pPr>
+            <a:lvl6pPr marL="457200" algn="l" rtl="0" fontAlgn="base">
+              <a:spcBef>
+                <a:spcPct val="0"/>
+              </a:spcBef>
+              <a:spcAft>
+                <a:spcPct val="0"/>
+              </a:spcAft>
+              <a:defRPr sz="3600">
+                <a:solidFill>
+                  <a:schemeClr val="tx1"/>
+                </a:solidFill>
+                <a:latin typeface="Arial" panose="020B0604020202020204" pitchFamily="34" charset="0"/>
+                <a:ea typeface="SimSun" panose="02010600030101010101" pitchFamily="2" charset="-122"/>
+              </a:defRPr>
+            </a:lvl6pPr>
+            <a:lvl7pPr marL="914400" algn="l" rtl="0" fontAlgn="base">
+              <a:spcBef>
+                <a:spcPct val="0"/>
+              </a:spcBef>
+              <a:spcAft>
+                <a:spcPct val="0"/>
+              </a:spcAft>
+              <a:defRPr sz="3600">
+                <a:solidFill>
+                  <a:schemeClr val="tx1"/>
+                </a:solidFill>
+                <a:latin typeface="Arial" panose="020B0604020202020204" pitchFamily="34" charset="0"/>
+                <a:ea typeface="SimSun" panose="02010600030101010101" pitchFamily="2" charset="-122"/>
+              </a:defRPr>
+            </a:lvl7pPr>
+            <a:lvl8pPr marL="1371600" algn="l" rtl="0" fontAlgn="base">
+              <a:spcBef>
+                <a:spcPct val="0"/>
+              </a:spcBef>
+              <a:spcAft>
+                <a:spcPct val="0"/>
+              </a:spcAft>
+              <a:defRPr sz="3600">
+                <a:solidFill>
+                  <a:schemeClr val="tx1"/>
+                </a:solidFill>
+                <a:latin typeface="Arial" panose="020B0604020202020204" pitchFamily="34" charset="0"/>
+                <a:ea typeface="SimSun" panose="02010600030101010101" pitchFamily="2" charset="-122"/>
+              </a:defRPr>
+            </a:lvl8pPr>
+            <a:lvl9pPr marL="1828800" algn="l" rtl="0" fontAlgn="base">
+              <a:spcBef>
+                <a:spcPct val="0"/>
+              </a:spcBef>
+              <a:spcAft>
+                <a:spcPct val="0"/>
+              </a:spcAft>
+              <a:defRPr sz="3600">
+                <a:solidFill>
+                  <a:schemeClr val="tx1"/>
+                </a:solidFill>
+                <a:latin typeface="Arial" panose="020B0604020202020204" pitchFamily="34" charset="0"/>
+                <a:ea typeface="SimSun" panose="02010600030101010101" pitchFamily="2" charset="-122"/>
+              </a:defRPr>
+            </a:lvl9pPr>
+          </a:lstStyle>
+          <a:p>
+            <a:pPr indent="0" algn="just">
+              <a:buNone/>
+            </a:pPr>
+            <a:r>
+              <a:rPr lang="en-GB" altLang="en-IN" dirty="0">
+                <a:solidFill>
+                  <a:schemeClr val="accent1"/>
+                </a:solidFill>
+                <a:effectLst>
+                  <a:outerShdw blurRad="38100" dist="25400" dir="5400000" algn="ctr" rotWithShape="0">
+                    <a:srgbClr val="6E747A">
+                      <a:alpha val="43000"/>
+                    </a:srgbClr>
+                  </a:outerShdw>
+                </a:effectLst>
+                <a:sym typeface="+mn-ea"/>
+              </a:rPr>
               <a:t>References</a:t>
             </a:r>
-            <a:endParaRPr lang="en-GB" altLang="en-IN" dirty="0">
-              <a:solidFill>
-                <a:schemeClr val="accent1"/>
-              </a:solidFill>
-              <a:effectLst>
-                <a:outerShdw blurRad="38100" dist="25400" dir="5400000" algn="ctr" rotWithShape="0">
-                  <a:srgbClr val="6E747A">
-                    <a:alpha val="43000"/>
-                  </a:srgbClr>
-                </a:outerShdw>
-              </a:effectLst>
-              <a:sym typeface="+mn-ea"/>
-            </a:endParaRPr>
           </a:p>
         </p:txBody>
       </p:sp>
@@ -7576,6 +9279,7 @@
           <a:bodyPr wrap="square" rtlCol="0">
             <a:spAutoFit/>
           </a:bodyPr>
+          <a:lstStyle/>
           <a:p>
             <a:pPr marL="342900" indent="-342900">
               <a:buFont typeface="+mj-lt"/>
@@ -7585,7 +9289,6 @@
               <a:rPr lang="en-GB" altLang="en-US"/>
               <a:t>MDN Web Docs</a:t>
             </a:r>
-            <a:endParaRPr lang="en-GB" altLang="en-US"/>
           </a:p>
           <a:p>
             <a:pPr lvl="1" indent="0">
@@ -7596,7 +9299,6 @@
               <a:rPr lang="en-GB" altLang="en-US"/>
               <a:t>https://developer.mozilla.org/en-US/</a:t>
             </a:r>
-            <a:endParaRPr lang="en-GB" altLang="en-US"/>
           </a:p>
           <a:p>
             <a:pPr lvl="1" indent="0">
@@ -7614,7 +9316,6 @@
               <a:rPr lang="en-GB" altLang="en-US"/>
               <a:t>W3Schools Online Web Tutorials</a:t>
             </a:r>
-            <a:endParaRPr lang="en-GB" altLang="en-US"/>
           </a:p>
           <a:p>
             <a:pPr lvl="1" indent="0">
@@ -7625,7 +9326,6 @@
               <a:rPr lang="en-GB" altLang="en-US"/>
               <a:t>https://www.w3schools.com/</a:t>
             </a:r>
-            <a:endParaRPr lang="en-GB" altLang="en-US"/>
           </a:p>
           <a:p>
             <a:pPr lvl="1" indent="0">
@@ -7643,7 +9343,6 @@
               <a:rPr lang="en-GB" altLang="en-US"/>
               <a:t>The Complete 2022 Web Development</a:t>
             </a:r>
-            <a:endParaRPr lang="en-GB" altLang="en-US"/>
           </a:p>
           <a:p>
             <a:pPr lvl="1" indent="0">
@@ -7654,7 +9353,6 @@
               <a:rPr lang="en-GB" altLang="en-US"/>
               <a:t>https://www.udemy.com/course/the-complete-web-development-bootcamp/</a:t>
             </a:r>
-            <a:endParaRPr lang="en-GB" altLang="en-US"/>
           </a:p>
           <a:p>
             <a:pPr lvl="1" indent="0">
@@ -7672,7 +9370,6 @@
               <a:rPr lang="en-GB" altLang="en-US"/>
               <a:t>Burdman, Jessica, “Collaborative Web Development” Addison Wesley</a:t>
             </a:r>
-            <a:endParaRPr lang="en-GB" altLang="en-US"/>
           </a:p>
           <a:p>
             <a:pPr marL="342900" indent="-342900">
@@ -7690,87 +9387,6 @@
               <a:rPr lang="en-GB" altLang="en-US"/>
               <a:t>Xavier, C, “ Web Technology and Design” , New Age International</a:t>
             </a:r>
-            <a:endParaRPr lang="en-GB" altLang="en-US"/>
-          </a:p>
-        </p:txBody>
-      </p:sp>
-    </p:spTree>
-  </p:cSld>
-  <p:clrMapOvr>
-    <a:masterClrMapping/>
-  </p:clrMapOvr>
-</p:sld>
-</file>
-
-<file path=ppt/slides/slide2.xml><?xml version="1.0" encoding="utf-8"?>
-<p:sld xmlns:a="http://schemas.openxmlformats.org/drawingml/2006/main" xmlns:r="http://schemas.openxmlformats.org/officeDocument/2006/relationships" xmlns:p="http://schemas.openxmlformats.org/presentationml/2006/main">
-  <p:cSld>
-    <p:spTree>
-      <p:nvGrpSpPr>
-        <p:cNvPr id="1" name=""/>
-        <p:cNvGrpSpPr/>
-        <p:nvPr/>
-      </p:nvGrpSpPr>
-      <p:grpSpPr/>
-      <p:pic>
-        <p:nvPicPr>
-          <p:cNvPr id="2" name="Picture 1" descr="141837_3015959_375573_image"/>
-          <p:cNvPicPr>
-            <a:picLocks noChangeAspect="1"/>
-          </p:cNvPicPr>
-          <p:nvPr/>
-        </p:nvPicPr>
-        <p:blipFill>
-          <a:blip r:embed="rId1"/>
-          <a:stretch>
-            <a:fillRect/>
-          </a:stretch>
-        </p:blipFill>
-        <p:spPr>
-          <a:xfrm>
-            <a:off x="858520" y="1198245"/>
-            <a:ext cx="5029200" cy="4191000"/>
-          </a:xfrm>
-          <a:prstGeom prst="rect">
-            <a:avLst/>
-          </a:prstGeom>
-        </p:spPr>
-      </p:pic>
-      <p:sp>
-        <p:nvSpPr>
-          <p:cNvPr id="5" name="Text Box 4"/>
-          <p:cNvSpPr txBox="1"/>
-          <p:nvPr/>
-        </p:nvSpPr>
-        <p:spPr>
-          <a:xfrm>
-            <a:off x="6172200" y="2438400"/>
-            <a:ext cx="4051300" cy="1322070"/>
-          </a:xfrm>
-          <a:prstGeom prst="rect">
-            <a:avLst/>
-          </a:prstGeom>
-          <a:noFill/>
-        </p:spPr>
-        <p:txBody>
-          <a:bodyPr wrap="square" rtlCol="0">
-            <a:spAutoFit/>
-          </a:bodyPr>
-          <a:p>
-            <a:pPr algn="ctr"/>
-            <a:r>
-              <a:rPr lang="en-GB" altLang="en-US" sz="4000">
-                <a:cs typeface="+mn-lt"/>
-              </a:rPr>
-              <a:t>Daily Meal Solutions</a:t>
-            </a:r>
-            <a:endParaRPr lang="en-IN" altLang="en-US" sz="2000" b="1" dirty="0">
-              <a:solidFill>
-                <a:srgbClr val="000000"/>
-              </a:solidFill>
-              <a:cs typeface="+mn-lt"/>
-              <a:sym typeface="+mn-ea"/>
-            </a:endParaRPr>
           </a:p>
         </p:txBody>
       </p:sp>
@@ -7791,7 +9407,14 @@
         <p:cNvGrpSpPr/>
         <p:nvPr/>
       </p:nvGrpSpPr>
-      <p:grpSpPr/>
+      <p:grpSpPr>
+        <a:xfrm>
+          <a:off x="0" y="0"/>
+          <a:ext cx="0" cy="0"/>
+          <a:chOff x="0" y="0"/>
+          <a:chExt cx="0" cy="0"/>
+        </a:xfrm>
+      </p:grpSpPr>
       <p:sp>
         <p:nvSpPr>
           <p:cNvPr id="2" name="Text Box 1"/>
@@ -7812,6 +9435,7 @@
           <a:bodyPr wrap="square" rtlCol="0">
             <a:spAutoFit/>
           </a:bodyPr>
+          <a:lstStyle/>
           <a:p>
             <a:r>
               <a:rPr lang="en-GB" altLang="en-US" sz="3200">
@@ -7829,19 +9453,6 @@
               </a:rPr>
               <a:t>Table of Contents</a:t>
             </a:r>
-            <a:endParaRPr lang="en-GB" altLang="en-US" sz="3200">
-              <a:solidFill>
-                <a:schemeClr val="accent1"/>
-              </a:solidFill>
-              <a:effectLst>
-                <a:outerShdw blurRad="38100" dist="25400" dir="5400000" algn="ctr" rotWithShape="0">
-                  <a:srgbClr val="6E747A">
-                    <a:alpha val="43000"/>
-                  </a:srgbClr>
-                </a:outerShdw>
-              </a:effectLst>
-              <a:cs typeface="+mn-lt"/>
-            </a:endParaRPr>
           </a:p>
           <a:p>
             <a:endParaRPr lang="en-GB" altLang="en-US" sz="2800">
@@ -7876,10 +9487,6 @@
               </a:rPr>
               <a:t>Objective</a:t>
             </a:r>
-            <a:endParaRPr lang="en-GB" altLang="en-US" sz="2400" dirty="0">
-              <a:cs typeface="+mn-lt"/>
-              <a:sym typeface="+mn-ea"/>
-            </a:endParaRPr>
           </a:p>
           <a:p>
             <a:pPr marL="285750" indent="-285750" algn="just">
@@ -8021,9 +9628,6 @@
               </a:rPr>
               <a:t> Project Flow Diagram</a:t>
             </a:r>
-            <a:endParaRPr lang="en-GB" altLang="en-IN" sz="2400" dirty="0">
-              <a:sym typeface="+mn-ea"/>
-            </a:endParaRPr>
           </a:p>
           <a:p>
             <a:pPr marL="285750" indent="-285750" algn="just">
@@ -8036,9 +9640,6 @@
               </a:rPr>
               <a:t> Flow Chart</a:t>
             </a:r>
-            <a:endParaRPr lang="en-GB" altLang="en-IN" sz="2400" dirty="0">
-              <a:sym typeface="+mn-ea"/>
-            </a:endParaRPr>
           </a:p>
           <a:p>
             <a:pPr marL="285750" indent="-285750" algn="just">
@@ -8128,7 +9729,14 @@
         <p:cNvGrpSpPr/>
         <p:nvPr/>
       </p:nvGrpSpPr>
-      <p:grpSpPr/>
+      <p:grpSpPr>
+        <a:xfrm>
+          <a:off x="0" y="0"/>
+          <a:ext cx="0" cy="0"/>
+          <a:chOff x="0" y="0"/>
+          <a:chExt cx="0" cy="0"/>
+        </a:xfrm>
+      </p:grpSpPr>
       <p:sp>
         <p:nvSpPr>
           <p:cNvPr id="2" name="Title 1"/>
@@ -8311,18 +9919,6 @@
               </a:rPr>
               <a:t>Objective</a:t>
             </a:r>
-            <a:endParaRPr lang="en-GB" altLang="en-US">
-              <a:solidFill>
-                <a:schemeClr val="accent1"/>
-              </a:solidFill>
-              <a:effectLst>
-                <a:outerShdw blurRad="38100" dist="25400" dir="5400000" algn="ctr" rotWithShape="0">
-                  <a:srgbClr val="6E747A">
-                    <a:alpha val="43000"/>
-                  </a:srgbClr>
-                </a:outerShdw>
-              </a:effectLst>
-            </a:endParaRPr>
           </a:p>
         </p:txBody>
       </p:sp>
@@ -8346,6 +9942,7 @@
           <a:bodyPr wrap="square" rtlCol="0">
             <a:spAutoFit/>
           </a:bodyPr>
+          <a:lstStyle/>
           <a:p>
             <a:pPr marL="342900" indent="-342900">
               <a:buFont typeface="Wingdings" panose="05000000000000000000" charset="0"/>
@@ -8355,7 +9952,6 @@
               <a:rPr lang="en-GB" altLang="en-US" sz="2000"/>
               <a:t>Hunger is a felling of discomfort caused by lack of food and desire to eat. </a:t>
             </a:r>
-            <a:endParaRPr lang="en-GB" altLang="en-US" sz="2000"/>
           </a:p>
           <a:p>
             <a:pPr marL="342900" indent="-342900">
@@ -8373,7 +9969,6 @@
               <a:rPr lang="en-GB" altLang="en-US" sz="2000"/>
               <a:t>It is detrimental to child’s ability to learn grow and stay healthy.</a:t>
             </a:r>
-            <a:endParaRPr lang="en-GB" altLang="en-US" sz="2000"/>
           </a:p>
           <a:p>
             <a:pPr marL="342900" indent="-342900">
@@ -8391,7 +9986,6 @@
               <a:rPr lang="en-GB" altLang="en-US" sz="2000"/>
               <a:t>People go hungry because of inflation,high food prices,climate change diminishing natural resoruce and many other factors . </a:t>
             </a:r>
-            <a:endParaRPr lang="en-GB" altLang="en-US" sz="2000"/>
           </a:p>
           <a:p>
             <a:pPr marL="342900" indent="-342900">
@@ -8409,7 +10003,6 @@
               <a:rPr lang="en-GB" altLang="en-US" sz="2000"/>
               <a:t>The objective of the project is to provide daily meal to the people who are hungry, people who are not able to cook their own meal on a daily basis and are looking for a daily meal solution.</a:t>
             </a:r>
-            <a:endParaRPr lang="en-GB" altLang="en-US" sz="2000"/>
           </a:p>
         </p:txBody>
       </p:sp>
@@ -8430,7 +10023,14 @@
         <p:cNvGrpSpPr/>
         <p:nvPr/>
       </p:nvGrpSpPr>
-      <p:grpSpPr/>
+      <p:grpSpPr>
+        <a:xfrm>
+          <a:off x="0" y="0"/>
+          <a:ext cx="0" cy="0"/>
+          <a:chOff x="0" y="0"/>
+          <a:chExt cx="0" cy="0"/>
+        </a:xfrm>
+      </p:grpSpPr>
       <p:sp>
         <p:nvSpPr>
           <p:cNvPr id="2" name="Title 1"/>
@@ -8613,18 +10213,6 @@
               </a:rPr>
               <a:t>Importance and Need</a:t>
             </a:r>
-            <a:endParaRPr lang="en-GB" altLang="en-US">
-              <a:solidFill>
-                <a:schemeClr val="accent1"/>
-              </a:solidFill>
-              <a:effectLst>
-                <a:outerShdw blurRad="38100" dist="25400" dir="5400000" algn="ctr" rotWithShape="0">
-                  <a:srgbClr val="6E747A">
-                    <a:alpha val="43000"/>
-                  </a:srgbClr>
-                </a:outerShdw>
-              </a:effectLst>
-            </a:endParaRPr>
           </a:p>
         </p:txBody>
       </p:sp>
@@ -8648,6 +10236,7 @@
           <a:bodyPr wrap="square" rtlCol="0">
             <a:spAutoFit/>
           </a:bodyPr>
+          <a:lstStyle/>
           <a:p>
             <a:pPr marL="342900" indent="-342900">
               <a:buFont typeface="Wingdings" panose="05000000000000000000" charset="0"/>
@@ -8657,7 +10246,6 @@
               <a:rPr lang="en-GB" altLang="en-US" sz="2000"/>
               <a:t>As nowadays, we see in india the number of people living outside their home is increasing day by day. They are not able to make their food on the daily basis. This seems to be a big problem sometimes when it comes to time management, as cooking food requires much time and effort.</a:t>
             </a:r>
-            <a:endParaRPr lang="en-GB" altLang="en-US" sz="2000"/>
           </a:p>
           <a:p>
             <a:pPr marL="342900" indent="-342900">
@@ -8675,7 +10263,6 @@
               <a:rPr lang="en-GB" altLang="en-US" sz="2000"/>
               <a:t>Students living far from their home try to subscribe the tiffin services, but sometimes it becomes very difficult for them to find a tiffin service that provides quality, hygienic and healthy food.</a:t>
             </a:r>
-            <a:endParaRPr lang="en-GB" altLang="en-US" sz="2000"/>
           </a:p>
           <a:p>
             <a:pPr marL="342900" indent="-342900">
@@ -8693,7 +10280,6 @@
               <a:rPr lang="en-GB" altLang="en-US" sz="2000"/>
               <a:t>So the above problem for students and the working sector of our country encourages us to bring such a solution that resolves the above problem.</a:t>
             </a:r>
-            <a:endParaRPr lang="en-GB" altLang="en-US" sz="2000"/>
           </a:p>
           <a:p>
             <a:pPr marL="342900" indent="-342900">
@@ -8711,7 +10297,6 @@
               <a:rPr lang="en-GB" altLang="en-US" sz="2000"/>
               <a:t>The primary reason to choose this topic is that it will somewhere save the time of people and will ensure a quality and healthy meal.</a:t>
             </a:r>
-            <a:endParaRPr lang="en-GB" altLang="en-US" sz="2000"/>
           </a:p>
         </p:txBody>
       </p:sp>
@@ -8732,7 +10317,14 @@
         <p:cNvGrpSpPr/>
         <p:nvPr/>
       </p:nvGrpSpPr>
-      <p:grpSpPr/>
+      <p:grpSpPr>
+        <a:xfrm>
+          <a:off x="0" y="0"/>
+          <a:ext cx="0" cy="0"/>
+          <a:chOff x="0" y="0"/>
+          <a:chExt cx="0" cy="0"/>
+        </a:xfrm>
+      </p:grpSpPr>
       <p:sp>
         <p:nvSpPr>
           <p:cNvPr id="2" name="Title 1"/>
@@ -8915,18 +10507,6 @@
               </a:rPr>
               <a:t>Methodology</a:t>
             </a:r>
-            <a:endParaRPr lang="en-GB" altLang="en-US">
-              <a:solidFill>
-                <a:schemeClr val="accent1"/>
-              </a:solidFill>
-              <a:effectLst>
-                <a:outerShdw blurRad="38100" dist="25400" dir="5400000" algn="ctr" rotWithShape="0">
-                  <a:srgbClr val="6E747A">
-                    <a:alpha val="43000"/>
-                  </a:srgbClr>
-                </a:outerShdw>
-              </a:effectLst>
-            </a:endParaRPr>
           </a:p>
         </p:txBody>
       </p:sp>
@@ -8950,6 +10530,7 @@
           <a:bodyPr wrap="square" rtlCol="0">
             <a:spAutoFit/>
           </a:bodyPr>
+          <a:lstStyle/>
           <a:p>
             <a:pPr marL="342900" indent="-342900">
               <a:buFont typeface="Wingdings" panose="05000000000000000000" charset="0"/>
@@ -8959,7 +10540,6 @@
               <a:rPr lang="en-GB" altLang="en-US" sz="2000"/>
               <a:t>The user and the food provider both will be having different interfaces, the user will order from its end and the food provider will come to know about the orders.</a:t>
             </a:r>
-            <a:endParaRPr lang="en-GB" altLang="en-US" sz="2000"/>
           </a:p>
           <a:p>
             <a:pPr marL="342900" indent="-342900">
@@ -8977,7 +10557,6 @@
               <a:rPr lang="en-GB" altLang="en-US" sz="2000"/>
               <a:t>When it comes to daily subscriptions the there is no need to order daily the order will be delivered based on the plan subscribed.</a:t>
             </a:r>
-            <a:endParaRPr lang="en-GB" altLang="en-US" sz="2000"/>
           </a:p>
           <a:p>
             <a:pPr marL="342900" indent="-342900">
@@ -8995,7 +10574,6 @@
               <a:rPr lang="en-GB" altLang="en-US" sz="2000"/>
               <a:t>For any kind of changes to the meal or any kind of other requests, there will be another section to the user interface.</a:t>
             </a:r>
-            <a:endParaRPr lang="en-GB" altLang="en-US" sz="2000"/>
           </a:p>
         </p:txBody>
       </p:sp>
@@ -9016,7 +10594,14 @@
         <p:cNvGrpSpPr/>
         <p:nvPr/>
       </p:nvGrpSpPr>
-      <p:grpSpPr/>
+      <p:grpSpPr>
+        <a:xfrm>
+          <a:off x="0" y="0"/>
+          <a:ext cx="0" cy="0"/>
+          <a:chOff x="0" y="0"/>
+          <a:chExt cx="0" cy="0"/>
+        </a:xfrm>
+      </p:grpSpPr>
       <p:sp>
         <p:nvSpPr>
           <p:cNvPr id="2" name="Title 1"/>
@@ -9185,7 +10770,7 @@
           </a:lstStyle>
           <a:p>
             <a:r>
-              <a:rPr lang="en-GB" altLang="en-US">
+              <a:rPr lang="en-GB" altLang="en-US" dirty="0">
                 <a:solidFill>
                   <a:schemeClr val="accent1"/>
                 </a:solidFill>
@@ -9199,18 +10784,6 @@
               </a:rPr>
               <a:t>Technology Domain</a:t>
             </a:r>
-            <a:endParaRPr lang="en-GB" altLang="en-US">
-              <a:solidFill>
-                <a:schemeClr val="accent1"/>
-              </a:solidFill>
-              <a:effectLst>
-                <a:outerShdw blurRad="38100" dist="25400" dir="5400000" algn="ctr" rotWithShape="0">
-                  <a:srgbClr val="6E747A">
-                    <a:alpha val="43000"/>
-                  </a:srgbClr>
-                </a:outerShdw>
-              </a:effectLst>
-            </a:endParaRPr>
           </a:p>
         </p:txBody>
       </p:sp>
@@ -9234,6 +10807,7 @@
           <a:bodyPr wrap="square" rtlCol="0">
             <a:spAutoFit/>
           </a:bodyPr>
+          <a:lstStyle/>
           <a:p>
             <a:pPr marL="342900" indent="-342900">
               <a:lnSpc>
@@ -9255,16 +10829,6 @@
               </a:rPr>
               <a:t>Technology</a:t>
             </a:r>
-            <a:endParaRPr lang="en-GB" altLang="en-IN" sz="2000" dirty="0">
-              <a:effectLst>
-                <a:outerShdw blurRad="38100" dist="19050" dir="2700000" algn="tl" rotWithShape="0">
-                  <a:schemeClr val="dk1">
-                    <a:alpha val="40000"/>
-                  </a:schemeClr>
-                </a:outerShdw>
-              </a:effectLst>
-              <a:sym typeface="+mn-ea"/>
-            </a:endParaRPr>
           </a:p>
           <a:p>
             <a:pPr marL="800100" lvl="1" indent="-342900">
@@ -9312,16 +10876,6 @@
               </a:rPr>
               <a:t>Stack</a:t>
             </a:r>
-            <a:endParaRPr lang="en-GB" altLang="en-IN" sz="2000" dirty="0">
-              <a:effectLst>
-                <a:outerShdw blurRad="38100" dist="19050" dir="2700000" algn="tl" rotWithShape="0">
-                  <a:schemeClr val="dk1">
-                    <a:alpha val="40000"/>
-                  </a:schemeClr>
-                </a:outerShdw>
-              </a:effectLst>
-              <a:sym typeface="+mn-ea"/>
-            </a:endParaRPr>
           </a:p>
           <a:p>
             <a:pPr marL="800100" lvl="1" indent="-342900">
@@ -9369,16 +10923,6 @@
               </a:rPr>
               <a:t>Frontend</a:t>
             </a:r>
-            <a:endParaRPr lang="en-GB" altLang="en-IN" sz="2000" dirty="0">
-              <a:effectLst>
-                <a:outerShdw blurRad="38100" dist="19050" dir="2700000" algn="tl" rotWithShape="0">
-                  <a:schemeClr val="dk1">
-                    <a:alpha val="40000"/>
-                  </a:schemeClr>
-                </a:outerShdw>
-              </a:effectLst>
-              <a:sym typeface="+mn-ea"/>
-            </a:endParaRPr>
           </a:p>
           <a:p>
             <a:pPr marL="800100" lvl="1" indent="-342900">
@@ -9394,9 +10938,6 @@
               </a:rPr>
               <a:t>React.js</a:t>
             </a:r>
-            <a:endParaRPr lang="en-GB" altLang="en-IN" sz="2000" dirty="0">
-              <a:sym typeface="+mn-ea"/>
-            </a:endParaRPr>
           </a:p>
           <a:p>
             <a:pPr marL="342900" indent="-342900">
@@ -9549,10 +11090,23 @@
         <p:cNvGrpSpPr/>
         <p:nvPr/>
       </p:nvGrpSpPr>
-      <p:grpSpPr/>
-      <p:sp>
-        <p:nvSpPr>
-          <p:cNvPr id="2" name="Title 1"/>
+      <p:grpSpPr>
+        <a:xfrm>
+          <a:off x="0" y="0"/>
+          <a:ext cx="0" cy="0"/>
+          <a:chOff x="0" y="0"/>
+          <a:chExt cx="0" cy="0"/>
+        </a:xfrm>
+      </p:grpSpPr>
+      <p:sp>
+        <p:nvSpPr>
+          <p:cNvPr id="2" name="Title 1">
+            <a:extLst>
+              <a:ext uri="{FF2B5EF4-FFF2-40B4-BE49-F238E27FC236}">
+                <a16:creationId xmlns:a16="http://schemas.microsoft.com/office/drawing/2014/main" id="{D5169738-33B8-41F8-8FBA-0188B7BB762F}"/>
+              </a:ext>
+            </a:extLst>
+          </p:cNvPr>
           <p:cNvSpPr>
             <a:spLocks noGrp="1"/>
           </p:cNvSpPr>
@@ -9718,7 +11272,7 @@
           </a:lstStyle>
           <a:p>
             <a:r>
-              <a:rPr lang="en-GB" altLang="en-US">
+              <a:rPr lang="en-GB" altLang="en-US" dirty="0">
                 <a:solidFill>
                   <a:schemeClr val="accent1"/>
                 </a:solidFill>
@@ -9730,54 +11284,171 @@
                   </a:outerShdw>
                 </a:effectLst>
               </a:rPr>
-              <a:t>Architecture</a:t>
-            </a:r>
-            <a:endParaRPr lang="en-GB" altLang="en-US">
-              <a:solidFill>
-                <a:schemeClr val="accent1"/>
-              </a:solidFill>
-              <a:effectLst>
-                <a:outerShdw blurRad="38100" dist="25400" dir="5400000" algn="ctr" rotWithShape="0">
-                  <a:srgbClr val="6E747A">
-                    <a:alpha val="43000"/>
-                  </a:srgbClr>
-                </a:outerShdw>
-              </a:effectLst>
-            </a:endParaRPr>
-          </a:p>
-        </p:txBody>
-      </p:sp>
-      <p:pic>
-        <p:nvPicPr>
-          <p:cNvPr id="5" name="Picture 4"/>
-          <p:cNvPicPr>
-            <a:picLocks noChangeAspect="1"/>
-          </p:cNvPicPr>
-          <p:nvPr/>
-        </p:nvPicPr>
-        <p:blipFill>
-          <a:blip r:embed="rId1">
+              <a:t>MERN Stack:</a:t>
+            </a:r>
+          </a:p>
+        </p:txBody>
+      </p:sp>
+      <p:sp>
+        <p:nvSpPr>
+          <p:cNvPr id="3" name="Text Box 3">
             <a:extLst>
-              <a:ext uri="{28A0092B-C50C-407E-A947-70E740481C1C}">
-                <a14:useLocalDpi xmlns:a14="http://schemas.microsoft.com/office/drawing/2010/main" val="0"/>
+              <a:ext uri="{FF2B5EF4-FFF2-40B4-BE49-F238E27FC236}">
+                <a16:creationId xmlns:a16="http://schemas.microsoft.com/office/drawing/2014/main" id="{7C6A0312-DE98-4C9A-BDCF-0549C58C4EDE}"/>
               </a:ext>
             </a:extLst>
-          </a:blip>
-          <a:stretch>
-            <a:fillRect/>
-          </a:stretch>
-        </p:blipFill>
+          </p:cNvPr>
+          <p:cNvSpPr txBox="1"/>
+          <p:nvPr/>
+        </p:nvSpPr>
         <p:spPr>
           <a:xfrm>
-            <a:off x="2413635" y="1795780"/>
-            <a:ext cx="4878705" cy="4159250"/>
+            <a:off x="609600" y="2187961"/>
+            <a:ext cx="8862986" cy="2246769"/>
           </a:xfrm>
           <a:prstGeom prst="rect">
             <a:avLst/>
           </a:prstGeom>
+          <a:noFill/>
         </p:spPr>
-      </p:pic>
+        <p:txBody>
+          <a:bodyPr wrap="square" rtlCol="0">
+            <a:spAutoFit/>
+          </a:bodyPr>
+          <a:lstStyle/>
+          <a:p>
+            <a:pPr algn="l" fontAlgn="base"/>
+            <a:r>
+              <a:rPr lang="en-US" sz="2000" b="1" i="0" dirty="0">
+                <a:effectLst/>
+                <a:latin typeface="urw-din"/>
+              </a:rPr>
+              <a:t>MERN Stack:</a:t>
+            </a:r>
+            <a:r>
+              <a:rPr lang="en-US" sz="2000" b="0" i="0" dirty="0">
+                <a:effectLst/>
+                <a:latin typeface="urw-din"/>
+              </a:rPr>
+              <a:t> MERN Stack is a </a:t>
+            </a:r>
+            <a:r>
+              <a:rPr lang="en-US" sz="2000" b="0" i="0" dirty="0" err="1">
+                <a:effectLst/>
+                <a:latin typeface="urw-din"/>
+              </a:rPr>
+              <a:t>Javascript</a:t>
+            </a:r>
+            <a:r>
+              <a:rPr lang="en-US" sz="2000" b="0" i="0" dirty="0">
+                <a:effectLst/>
+                <a:latin typeface="urw-din"/>
+              </a:rPr>
+              <a:t> Stack that is used for easier and faster deployment of full-stack web applications. MERN Stack comprises of 4 technologies namely: </a:t>
+            </a:r>
+            <a:r>
+              <a:rPr lang="en-US" sz="2000" b="0" i="0" u="sng" dirty="0">
+                <a:effectLst/>
+                <a:latin typeface="urw-din"/>
+                <a:hlinkClick r:id="rId2">
+                  <a:extLst>
+                    <a:ext uri="{A12FA001-AC4F-418D-AE19-62706E023703}">
+                      <ahyp:hlinkClr xmlns:ahyp="http://schemas.microsoft.com/office/drawing/2018/hyperlinkcolor" val="tx"/>
+                    </a:ext>
+                  </a:extLst>
+                </a:hlinkClick>
+              </a:rPr>
+              <a:t>MongoDB</a:t>
+            </a:r>
+            <a:r>
+              <a:rPr lang="en-US" sz="2000" b="0" i="0" dirty="0">
+                <a:effectLst/>
+                <a:latin typeface="urw-din"/>
+              </a:rPr>
+              <a:t>, </a:t>
+            </a:r>
+            <a:r>
+              <a:rPr lang="en-US" sz="2000" b="0" i="0" u="sng" dirty="0">
+                <a:effectLst/>
+                <a:latin typeface="urw-din"/>
+                <a:hlinkClick r:id="rId3">
+                  <a:extLst>
+                    <a:ext uri="{A12FA001-AC4F-418D-AE19-62706E023703}">
+                      <ahyp:hlinkClr xmlns:ahyp="http://schemas.microsoft.com/office/drawing/2018/hyperlinkcolor" val="tx"/>
+                    </a:ext>
+                  </a:extLst>
+                </a:hlinkClick>
+              </a:rPr>
+              <a:t>Express</a:t>
+            </a:r>
+            <a:r>
+              <a:rPr lang="en-US" sz="2000" b="0" i="0" dirty="0">
+                <a:effectLst/>
+                <a:latin typeface="urw-din"/>
+              </a:rPr>
+              <a:t>, </a:t>
+            </a:r>
+            <a:r>
+              <a:rPr lang="en-US" sz="2000" b="0" i="0" u="sng" dirty="0">
+                <a:effectLst/>
+                <a:latin typeface="urw-din"/>
+                <a:hlinkClick r:id="rId4">
+                  <a:extLst>
+                    <a:ext uri="{A12FA001-AC4F-418D-AE19-62706E023703}">
+                      <ahyp:hlinkClr xmlns:ahyp="http://schemas.microsoft.com/office/drawing/2018/hyperlinkcolor" val="tx"/>
+                    </a:ext>
+                  </a:extLst>
+                </a:hlinkClick>
+              </a:rPr>
+              <a:t>React</a:t>
+            </a:r>
+            <a:r>
+              <a:rPr lang="en-US" sz="2000" b="0" i="0" dirty="0">
+                <a:effectLst/>
+                <a:latin typeface="urw-din"/>
+              </a:rPr>
+              <a:t> and </a:t>
+            </a:r>
+            <a:r>
+              <a:rPr lang="en-US" sz="2000" b="0" i="0" u="sng" dirty="0">
+                <a:effectLst/>
+                <a:latin typeface="urw-din"/>
+                <a:hlinkClick r:id="rId5">
+                  <a:extLst>
+                    <a:ext uri="{A12FA001-AC4F-418D-AE19-62706E023703}">
+                      <ahyp:hlinkClr xmlns:ahyp="http://schemas.microsoft.com/office/drawing/2018/hyperlinkcolor" val="tx"/>
+                    </a:ext>
+                  </a:extLst>
+                </a:hlinkClick>
+              </a:rPr>
+              <a:t>Node.js.</a:t>
+            </a:r>
+            <a:r>
+              <a:rPr lang="en-US" sz="2000" b="0" i="0" dirty="0">
+                <a:effectLst/>
+                <a:latin typeface="urw-din"/>
+              </a:rPr>
+              <a:t> It is designed to make the development process smoother and easier.</a:t>
+            </a:r>
+          </a:p>
+          <a:p>
+            <a:pPr algn="l" fontAlgn="base"/>
+            <a:r>
+              <a:rPr lang="en-US" sz="2000" b="0" i="0" dirty="0">
+                <a:effectLst/>
+                <a:latin typeface="urw-din"/>
+              </a:rPr>
+              <a:t>Each of these 4 powerful technologies provides an end-to-end framework for the developers to work in and each of these technologies play a big part in the development of web applications.</a:t>
+            </a:r>
+          </a:p>
+        </p:txBody>
+      </p:sp>
     </p:spTree>
+    <p:extLst>
+      <p:ext uri="{BB962C8B-B14F-4D97-AF65-F5344CB8AC3E}">
+        <p14:creationId xmlns:p14="http://schemas.microsoft.com/office/powerpoint/2010/main" val="1398100097"/>
+      </p:ext>
+    </p:extLst>
   </p:cSld>
   <p:clrMapOvr>
     <a:masterClrMapping/>
@@ -9794,176 +11465,44 @@
         <p:cNvGrpSpPr/>
         <p:nvPr/>
       </p:nvGrpSpPr>
-      <p:grpSpPr/>
-      <p:sp>
-        <p:nvSpPr>
-          <p:cNvPr id="2" name="Title 1"/>
-          <p:cNvSpPr>
-            <a:spLocks noGrp="1"/>
-          </p:cNvSpPr>
+      <p:grpSpPr>
+        <a:xfrm>
+          <a:off x="0" y="0"/>
+          <a:ext cx="0" cy="0"/>
+          <a:chOff x="0" y="0"/>
+          <a:chExt cx="0" cy="0"/>
+        </a:xfrm>
+      </p:grpSpPr>
+      <p:sp>
+        <p:nvSpPr>
+          <p:cNvPr id="5" name="TextBox 4">
+            <a:extLst>
+              <a:ext uri="{FF2B5EF4-FFF2-40B4-BE49-F238E27FC236}">
+                <a16:creationId xmlns:a16="http://schemas.microsoft.com/office/drawing/2014/main" id="{A5FFF0E5-0932-4AAF-9961-C61EF9E09FC8}"/>
+              </a:ext>
+            </a:extLst>
+          </p:cNvPr>
+          <p:cNvSpPr txBox="1"/>
           <p:nvPr/>
         </p:nvSpPr>
         <p:spPr>
           <a:xfrm>
-            <a:off x="609600" y="657860"/>
-            <a:ext cx="10972800" cy="582613"/>
+            <a:off x="455454" y="335355"/>
+            <a:ext cx="9442401" cy="646331"/>
           </a:xfrm>
           <a:prstGeom prst="rect">
             <a:avLst/>
           </a:prstGeom>
           <a:noFill/>
-          <a:ln w="9525">
-            <a:noFill/>
-          </a:ln>
         </p:spPr>
         <p:txBody>
-          <a:bodyPr anchor="ctr" anchorCtr="0">
-            <a:scene3d>
-              <a:camera prst="orthographicFront"/>
-              <a:lightRig rig="threePt" dir="t"/>
-            </a:scene3d>
+          <a:bodyPr wrap="square">
+            <a:spAutoFit/>
           </a:bodyPr>
-          <a:lstStyle>
-            <a:lvl1pPr algn="l" rtl="0" fontAlgn="base">
-              <a:spcBef>
-                <a:spcPct val="0"/>
-              </a:spcBef>
-              <a:spcAft>
-                <a:spcPct val="0"/>
-              </a:spcAft>
-              <a:defRPr sz="3600" kern="1200">
-                <a:solidFill>
-                  <a:schemeClr val="tx1"/>
-                </a:solidFill>
-                <a:latin typeface="+mj-lt"/>
-                <a:ea typeface="+mj-ea"/>
-                <a:cs typeface="+mj-cs"/>
-              </a:defRPr>
-            </a:lvl1pPr>
-            <a:lvl2pPr algn="l" rtl="0" fontAlgn="base">
-              <a:spcBef>
-                <a:spcPct val="0"/>
-              </a:spcBef>
-              <a:spcAft>
-                <a:spcPct val="0"/>
-              </a:spcAft>
-              <a:defRPr sz="3600">
-                <a:solidFill>
-                  <a:schemeClr val="tx1"/>
-                </a:solidFill>
-                <a:latin typeface="Arial" panose="020B0604020202020204" pitchFamily="34" charset="0"/>
-                <a:ea typeface="SimSun" panose="02010600030101010101" pitchFamily="2" charset="-122"/>
-              </a:defRPr>
-            </a:lvl2pPr>
-            <a:lvl3pPr algn="l" rtl="0" fontAlgn="base">
-              <a:spcBef>
-                <a:spcPct val="0"/>
-              </a:spcBef>
-              <a:spcAft>
-                <a:spcPct val="0"/>
-              </a:spcAft>
-              <a:defRPr sz="3600">
-                <a:solidFill>
-                  <a:schemeClr val="tx1"/>
-                </a:solidFill>
-                <a:latin typeface="Arial" panose="020B0604020202020204" pitchFamily="34" charset="0"/>
-                <a:ea typeface="SimSun" panose="02010600030101010101" pitchFamily="2" charset="-122"/>
-              </a:defRPr>
-            </a:lvl3pPr>
-            <a:lvl4pPr algn="l" rtl="0" fontAlgn="base">
-              <a:spcBef>
-                <a:spcPct val="0"/>
-              </a:spcBef>
-              <a:spcAft>
-                <a:spcPct val="0"/>
-              </a:spcAft>
-              <a:defRPr sz="3600">
-                <a:solidFill>
-                  <a:schemeClr val="tx1"/>
-                </a:solidFill>
-                <a:latin typeface="Arial" panose="020B0604020202020204" pitchFamily="34" charset="0"/>
-                <a:ea typeface="SimSun" panose="02010600030101010101" pitchFamily="2" charset="-122"/>
-              </a:defRPr>
-            </a:lvl4pPr>
-            <a:lvl5pPr algn="l" rtl="0" fontAlgn="base">
-              <a:spcBef>
-                <a:spcPct val="0"/>
-              </a:spcBef>
-              <a:spcAft>
-                <a:spcPct val="0"/>
-              </a:spcAft>
-              <a:defRPr sz="3600">
-                <a:solidFill>
-                  <a:schemeClr val="tx1"/>
-                </a:solidFill>
-                <a:latin typeface="Arial" panose="020B0604020202020204" pitchFamily="34" charset="0"/>
-                <a:ea typeface="SimSun" panose="02010600030101010101" pitchFamily="2" charset="-122"/>
-              </a:defRPr>
-            </a:lvl5pPr>
-            <a:lvl6pPr marL="457200" algn="l" rtl="0" fontAlgn="base">
-              <a:spcBef>
-                <a:spcPct val="0"/>
-              </a:spcBef>
-              <a:spcAft>
-                <a:spcPct val="0"/>
-              </a:spcAft>
-              <a:defRPr sz="3600">
-                <a:solidFill>
-                  <a:schemeClr val="tx1"/>
-                </a:solidFill>
-                <a:latin typeface="Arial" panose="020B0604020202020204" pitchFamily="34" charset="0"/>
-                <a:ea typeface="SimSun" panose="02010600030101010101" pitchFamily="2" charset="-122"/>
-              </a:defRPr>
-            </a:lvl6pPr>
-            <a:lvl7pPr marL="914400" algn="l" rtl="0" fontAlgn="base">
-              <a:spcBef>
-                <a:spcPct val="0"/>
-              </a:spcBef>
-              <a:spcAft>
-                <a:spcPct val="0"/>
-              </a:spcAft>
-              <a:defRPr sz="3600">
-                <a:solidFill>
-                  <a:schemeClr val="tx1"/>
-                </a:solidFill>
-                <a:latin typeface="Arial" panose="020B0604020202020204" pitchFamily="34" charset="0"/>
-                <a:ea typeface="SimSun" panose="02010600030101010101" pitchFamily="2" charset="-122"/>
-              </a:defRPr>
-            </a:lvl7pPr>
-            <a:lvl8pPr marL="1371600" algn="l" rtl="0" fontAlgn="base">
-              <a:spcBef>
-                <a:spcPct val="0"/>
-              </a:spcBef>
-              <a:spcAft>
-                <a:spcPct val="0"/>
-              </a:spcAft>
-              <a:defRPr sz="3600">
-                <a:solidFill>
-                  <a:schemeClr val="tx1"/>
-                </a:solidFill>
-                <a:latin typeface="Arial" panose="020B0604020202020204" pitchFamily="34" charset="0"/>
-                <a:ea typeface="SimSun" panose="02010600030101010101" pitchFamily="2" charset="-122"/>
-              </a:defRPr>
-            </a:lvl8pPr>
-            <a:lvl9pPr marL="1828800" algn="l" rtl="0" fontAlgn="base">
-              <a:spcBef>
-                <a:spcPct val="0"/>
-              </a:spcBef>
-              <a:spcAft>
-                <a:spcPct val="0"/>
-              </a:spcAft>
-              <a:defRPr sz="3600">
-                <a:solidFill>
-                  <a:schemeClr val="tx1"/>
-                </a:solidFill>
-                <a:latin typeface="Arial" panose="020B0604020202020204" pitchFamily="34" charset="0"/>
-                <a:ea typeface="SimSun" panose="02010600030101010101" pitchFamily="2" charset="-122"/>
-              </a:defRPr>
-            </a:lvl9pPr>
-          </a:lstStyle>
-          <a:p>
-            <a:r>
-              <a:rPr lang="en-GB" altLang="en-US">
+          <a:lstStyle/>
+          <a:p>
+            <a:r>
+              <a:rPr lang="en-GB" altLang="en-US" sz="3600" dirty="0">
                 <a:solidFill>
                   <a:schemeClr val="accent1"/>
                 </a:solidFill>
@@ -9975,33 +11514,27 @@
                   </a:outerShdw>
                 </a:effectLst>
               </a:rPr>
-              <a:t>Hardware / Software Specification</a:t>
-            </a:r>
-            <a:endParaRPr lang="en-GB" altLang="en-US">
-              <a:solidFill>
-                <a:schemeClr val="accent1"/>
-              </a:solidFill>
-              <a:effectLst>
-                <a:outerShdw blurRad="38100" dist="25400" dir="5400000" algn="ctr" rotWithShape="0">
-                  <a:srgbClr val="6E747A">
-                    <a:alpha val="43000"/>
-                  </a:srgbClr>
-                </a:outerShdw>
-              </a:effectLst>
-            </a:endParaRPr>
-          </a:p>
-        </p:txBody>
-      </p:sp>
-      <p:sp>
-        <p:nvSpPr>
-          <p:cNvPr id="4" name="Text Box 3"/>
+              <a:t>MongoDB :</a:t>
+            </a:r>
+          </a:p>
+        </p:txBody>
+      </p:sp>
+      <p:sp>
+        <p:nvSpPr>
+          <p:cNvPr id="6" name="Text Box 3">
+            <a:extLst>
+              <a:ext uri="{FF2B5EF4-FFF2-40B4-BE49-F238E27FC236}">
+                <a16:creationId xmlns:a16="http://schemas.microsoft.com/office/drawing/2014/main" id="{1EE833E7-9C78-40D9-9A63-888452EBA604}"/>
+              </a:ext>
+            </a:extLst>
+          </p:cNvPr>
           <p:cNvSpPr txBox="1"/>
           <p:nvPr/>
         </p:nvSpPr>
         <p:spPr>
           <a:xfrm>
-            <a:off x="977265" y="1691640"/>
-            <a:ext cx="8961755" cy="3969385"/>
+            <a:off x="679402" y="1748211"/>
+            <a:ext cx="8862986" cy="2554545"/>
           </a:xfrm>
           <a:prstGeom prst="rect">
             <a:avLst/>
@@ -10012,188 +11545,56 @@
           <a:bodyPr wrap="square" rtlCol="0">
             <a:spAutoFit/>
           </a:bodyPr>
-          <a:p>
-            <a:pPr indent="0">
-              <a:buFont typeface="Arial" panose="020B0604020202020204" pitchFamily="34" charset="0"/>
-              <a:buNone/>
-            </a:pPr>
-            <a:r>
-              <a:rPr lang="en-IN" sz="2400" dirty="0">
-                <a:solidFill>
-                  <a:schemeClr val="tx1"/>
-                </a:solidFill>
-                <a:effectLst>
-                  <a:outerShdw blurRad="38100" dist="19050" dir="2700000" algn="tl" rotWithShape="0">
-                    <a:schemeClr val="dk1">
-                      <a:alpha val="40000"/>
-                    </a:schemeClr>
-                  </a:outerShdw>
-                </a:effectLst>
-                <a:sym typeface="+mn-ea"/>
+          <a:lstStyle/>
+          <a:p>
+            <a:pPr algn="l" fontAlgn="base"/>
+            <a:r>
+              <a:rPr lang="en-US" sz="2000" b="1" i="0" dirty="0">
+                <a:effectLst/>
+                <a:latin typeface="urw-din"/>
               </a:rPr>
-              <a:t>Hardware used</a:t>
-            </a:r>
-            <a:endParaRPr lang="en-IN" sz="2400" dirty="0">
-              <a:solidFill>
-                <a:schemeClr val="tx1"/>
-              </a:solidFill>
-              <a:effectLst>
-                <a:outerShdw blurRad="38100" dist="19050" dir="2700000" algn="tl" rotWithShape="0">
-                  <a:schemeClr val="dk1">
-                    <a:alpha val="40000"/>
-                  </a:schemeClr>
-                </a:outerShdw>
-              </a:effectLst>
-            </a:endParaRPr>
-          </a:p>
-          <a:p>
-            <a:pPr marL="342900" indent="-342900">
-              <a:buFont typeface="Arial" panose="020B0604020202020204" pitchFamily="34" charset="0"/>
-              <a:buChar char="•"/>
-            </a:pPr>
-            <a:endParaRPr lang="en-GB" altLang="en-IN" sz="2000" dirty="0">
-              <a:sym typeface="+mn-ea"/>
-            </a:endParaRPr>
-          </a:p>
-          <a:p>
-            <a:pPr marL="800100" lvl="1" indent="-342900">
-              <a:buFont typeface="Arial" panose="020B0604020202020204" pitchFamily="34" charset="0"/>
-              <a:buChar char="•"/>
-            </a:pPr>
-            <a:r>
-              <a:rPr lang="en-GB" altLang="en-IN" sz="2000" dirty="0">
-                <a:sym typeface="+mn-ea"/>
+              <a:t>MongoDB: Cross-platform Document-Oriented Database</a:t>
+            </a:r>
+            <a:r>
+              <a:rPr lang="en-US" sz="2000" b="0" i="0" dirty="0">
+                <a:effectLst/>
+                <a:latin typeface="urw-din"/>
               </a:rPr>
-              <a:t>Processor: i3 or better</a:t>
-            </a:r>
-            <a:endParaRPr lang="en-GB" altLang="en-IN" sz="2000" dirty="0"/>
-          </a:p>
-          <a:p>
-            <a:pPr marL="800100" lvl="1" indent="-342900">
-              <a:buFont typeface="Arial" panose="020B0604020202020204" pitchFamily="34" charset="0"/>
-              <a:buChar char="•"/>
-            </a:pPr>
-            <a:r>
-              <a:rPr lang="en-GB" altLang="en-IN" sz="2000" dirty="0">
-                <a:sym typeface="+mn-ea"/>
+              <a:t> </a:t>
+            </a:r>
+            <a:br>
+              <a:rPr lang="en-US" sz="2000" dirty="0"/>
+            </a:br>
+            <a:r>
+              <a:rPr lang="en-US" sz="2000" b="0" i="0" dirty="0">
+                <a:effectLst/>
+                <a:latin typeface="urw-din"/>
               </a:rPr>
-              <a:t>RAM: 2GB or more</a:t>
-            </a:r>
-            <a:endParaRPr lang="en-IN" sz="2000" dirty="0"/>
-          </a:p>
-          <a:p>
-            <a:pPr marL="800100" lvl="1" indent="-342900">
-              <a:buFont typeface="Arial" panose="020B0604020202020204" pitchFamily="34" charset="0"/>
-              <a:buChar char="•"/>
-            </a:pPr>
-            <a:r>
-              <a:rPr lang="en-GB" altLang="en-IN" sz="2000" dirty="0">
-                <a:sym typeface="+mn-ea"/>
+              <a:t>MongoDB is a NoSQL database where each record is a document comprising of key-value pairs that are similar to JSON (JavaScript Object Notation) objects. MongoDB is flexible and allows its users to create schema, databases, tables, etc. Documents that are identifiable by a primary key make up the basic unit of MongoDB. Once MongoDB is installed, users can make use of Mongo shell as well. Mongo shell provides a JavaScript interface through which the users can interact and carry out operations (</a:t>
+            </a:r>
+            <a:r>
+              <a:rPr lang="en-US" sz="2000" b="0" i="0" dirty="0" err="1">
+                <a:effectLst/>
+                <a:latin typeface="urw-din"/>
               </a:rPr>
-              <a:t>Storage: 2GB or more</a:t>
-            </a:r>
-            <a:endParaRPr lang="en-GB" altLang="en-IN" sz="2000" dirty="0">
-              <a:sym typeface="+mn-ea"/>
-            </a:endParaRPr>
-          </a:p>
-          <a:p>
-            <a:pPr marL="342900" indent="-342900">
-              <a:buFont typeface="Arial" panose="020B0604020202020204" pitchFamily="34" charset="0"/>
-              <a:buChar char="•"/>
-            </a:pPr>
-            <a:endParaRPr lang="en-GB" altLang="en-IN" sz="2000" dirty="0">
-              <a:sym typeface="+mn-ea"/>
-            </a:endParaRPr>
-          </a:p>
-          <a:p>
-            <a:pPr indent="0">
-              <a:buFont typeface="Arial" panose="020B0604020202020204" pitchFamily="34" charset="0"/>
-              <a:buNone/>
-            </a:pPr>
-            <a:r>
-              <a:rPr lang="en-IN" sz="2400" dirty="0">
-                <a:solidFill>
-                  <a:schemeClr val="tx1"/>
-                </a:solidFill>
-                <a:effectLst>
-                  <a:outerShdw blurRad="38100" dist="19050" dir="2700000" algn="tl" rotWithShape="0">
-                    <a:schemeClr val="dk1">
-                      <a:alpha val="40000"/>
-                    </a:schemeClr>
-                  </a:outerShdw>
-                </a:effectLst>
-                <a:sym typeface="+mn-ea"/>
+              <a:t>eg</a:t>
+            </a:r>
+            <a:r>
+              <a:rPr lang="en-US" sz="2000" b="0" i="0" dirty="0">
+                <a:effectLst/>
+                <a:latin typeface="urw-din"/>
               </a:rPr>
-              <a:t>Software used</a:t>
-            </a:r>
-            <a:endParaRPr lang="en-IN" sz="2400" dirty="0">
-              <a:solidFill>
-                <a:schemeClr val="tx1"/>
-              </a:solidFill>
-              <a:effectLst>
-                <a:outerShdw blurRad="38100" dist="19050" dir="2700000" algn="tl" rotWithShape="0">
-                  <a:schemeClr val="dk1">
-                    <a:alpha val="40000"/>
-                  </a:schemeClr>
-                </a:outerShdw>
-              </a:effectLst>
-              <a:sym typeface="+mn-ea"/>
-            </a:endParaRPr>
-          </a:p>
-          <a:p>
-            <a:pPr indent="0">
-              <a:buFont typeface="Arial" panose="020B0604020202020204" pitchFamily="34" charset="0"/>
-              <a:buNone/>
-            </a:pPr>
-            <a:endParaRPr lang="en-IN" sz="2400" b="1" dirty="0">
-              <a:sym typeface="+mn-ea"/>
-            </a:endParaRPr>
-          </a:p>
-          <a:p>
-            <a:pPr marL="800100" lvl="1" indent="-342900" algn="l">
-              <a:buFont typeface="Arial" panose="020B0604020202020204" pitchFamily="34" charset="0"/>
-              <a:buChar char="•"/>
-            </a:pPr>
-            <a:r>
-              <a:rPr lang="en-GB" altLang="en-IN" sz="2000" dirty="0">
-                <a:sym typeface="+mn-ea"/>
-              </a:rPr>
-              <a:t>Editor: Visual Studio Code</a:t>
-            </a:r>
-            <a:endParaRPr lang="en-GB" altLang="en-IN" sz="2000" dirty="0"/>
-          </a:p>
-          <a:p>
-            <a:pPr marL="800100" lvl="1" indent="-342900">
-              <a:buFont typeface="Arial" panose="020B0604020202020204" pitchFamily="34" charset="0"/>
-              <a:buChar char="•"/>
-            </a:pPr>
-            <a:r>
-              <a:rPr lang="en-GB" altLang="en-IN" sz="2000" dirty="0">
-                <a:sym typeface="+mn-ea"/>
-              </a:rPr>
-              <a:t>Browser: Chrome or Firefox</a:t>
-            </a:r>
-            <a:endParaRPr lang="en-GB" altLang="en-IN" sz="2000" dirty="0"/>
-          </a:p>
-          <a:p>
-            <a:pPr marL="800100" lvl="1" indent="-342900">
-              <a:buFont typeface="Arial" panose="020B0604020202020204" pitchFamily="34" charset="0"/>
-              <a:buChar char="•"/>
-            </a:pPr>
-            <a:r>
-              <a:rPr lang="en-GB" altLang="en-IN" sz="2000" dirty="0">
-                <a:sym typeface="+mn-ea"/>
-              </a:rPr>
-              <a:t>Version Control: Git</a:t>
-            </a:r>
-            <a:endParaRPr lang="en-GB" altLang="en-IN" sz="2000" dirty="0"/>
-          </a:p>
-          <a:p>
-            <a:endParaRPr lang="en-GB" altLang="en-US" sz="2000"/>
+              <a:t>: querying, updating records, deleting records).</a:t>
+            </a:r>
           </a:p>
         </p:txBody>
       </p:sp>
     </p:spTree>
+    <p:extLst>
+      <p:ext uri="{BB962C8B-B14F-4D97-AF65-F5344CB8AC3E}">
+        <p14:creationId xmlns:p14="http://schemas.microsoft.com/office/powerpoint/2010/main" val="332983834"/>
+      </p:ext>
+    </p:extLst>
   </p:cSld>
   <p:clrMapOvr>
     <a:masterClrMapping/>
